--- a/docs/UML Templates.pptx
+++ b/docs/UML Templates.pptx
@@ -12,6 +12,11 @@
     <p:sldId id="260" r:id="rId6"/>
     <p:sldId id="261" r:id="rId7"/>
     <p:sldId id="262" r:id="rId8"/>
+    <p:sldId id="263" r:id="rId9"/>
+    <p:sldId id="264" r:id="rId10"/>
+    <p:sldId id="265" r:id="rId11"/>
+    <p:sldId id="266" r:id="rId12"/>
+    <p:sldId id="267" r:id="rId13"/>
   </p:sldIdLst>
   <p:sldSz cx="12192000" cy="6858000"/>
   <p:notesSz cx="6858000" cy="9144000"/>
@@ -267,7 +272,7 @@
           <a:p>
             <a:fld id="{3E7EBE13-440A-4FDF-80A1-4172C6B8108E}" type="datetimeFigureOut">
               <a:rPr lang="en-MY" smtClean="0"/>
-              <a:t>3/4/2021</a:t>
+              <a:t>4/4/2021</a:t>
             </a:fld>
             <a:endParaRPr lang="en-MY"/>
           </a:p>
@@ -467,7 +472,7 @@
           <a:p>
             <a:fld id="{3E7EBE13-440A-4FDF-80A1-4172C6B8108E}" type="datetimeFigureOut">
               <a:rPr lang="en-MY" smtClean="0"/>
-              <a:t>3/4/2021</a:t>
+              <a:t>4/4/2021</a:t>
             </a:fld>
             <a:endParaRPr lang="en-MY"/>
           </a:p>
@@ -677,7 +682,7 @@
           <a:p>
             <a:fld id="{3E7EBE13-440A-4FDF-80A1-4172C6B8108E}" type="datetimeFigureOut">
               <a:rPr lang="en-MY" smtClean="0"/>
-              <a:t>3/4/2021</a:t>
+              <a:t>4/4/2021</a:t>
             </a:fld>
             <a:endParaRPr lang="en-MY"/>
           </a:p>
@@ -877,7 +882,7 @@
           <a:p>
             <a:fld id="{3E7EBE13-440A-4FDF-80A1-4172C6B8108E}" type="datetimeFigureOut">
               <a:rPr lang="en-MY" smtClean="0"/>
-              <a:t>3/4/2021</a:t>
+              <a:t>4/4/2021</a:t>
             </a:fld>
             <a:endParaRPr lang="en-MY"/>
           </a:p>
@@ -1153,7 +1158,7 @@
           <a:p>
             <a:fld id="{3E7EBE13-440A-4FDF-80A1-4172C6B8108E}" type="datetimeFigureOut">
               <a:rPr lang="en-MY" smtClean="0"/>
-              <a:t>3/4/2021</a:t>
+              <a:t>4/4/2021</a:t>
             </a:fld>
             <a:endParaRPr lang="en-MY"/>
           </a:p>
@@ -1421,7 +1426,7 @@
           <a:p>
             <a:fld id="{3E7EBE13-440A-4FDF-80A1-4172C6B8108E}" type="datetimeFigureOut">
               <a:rPr lang="en-MY" smtClean="0"/>
-              <a:t>3/4/2021</a:t>
+              <a:t>4/4/2021</a:t>
             </a:fld>
             <a:endParaRPr lang="en-MY"/>
           </a:p>
@@ -1836,7 +1841,7 @@
           <a:p>
             <a:fld id="{3E7EBE13-440A-4FDF-80A1-4172C6B8108E}" type="datetimeFigureOut">
               <a:rPr lang="en-MY" smtClean="0"/>
-              <a:t>3/4/2021</a:t>
+              <a:t>4/4/2021</a:t>
             </a:fld>
             <a:endParaRPr lang="en-MY"/>
           </a:p>
@@ -1978,7 +1983,7 @@
           <a:p>
             <a:fld id="{3E7EBE13-440A-4FDF-80A1-4172C6B8108E}" type="datetimeFigureOut">
               <a:rPr lang="en-MY" smtClean="0"/>
-              <a:t>3/4/2021</a:t>
+              <a:t>4/4/2021</a:t>
             </a:fld>
             <a:endParaRPr lang="en-MY"/>
           </a:p>
@@ -2091,7 +2096,7 @@
           <a:p>
             <a:fld id="{3E7EBE13-440A-4FDF-80A1-4172C6B8108E}" type="datetimeFigureOut">
               <a:rPr lang="en-MY" smtClean="0"/>
-              <a:t>3/4/2021</a:t>
+              <a:t>4/4/2021</a:t>
             </a:fld>
             <a:endParaRPr lang="en-MY"/>
           </a:p>
@@ -2404,7 +2409,7 @@
           <a:p>
             <a:fld id="{3E7EBE13-440A-4FDF-80A1-4172C6B8108E}" type="datetimeFigureOut">
               <a:rPr lang="en-MY" smtClean="0"/>
-              <a:t>3/4/2021</a:t>
+              <a:t>4/4/2021</a:t>
             </a:fld>
             <a:endParaRPr lang="en-MY"/>
           </a:p>
@@ -2693,7 +2698,7 @@
           <a:p>
             <a:fld id="{3E7EBE13-440A-4FDF-80A1-4172C6B8108E}" type="datetimeFigureOut">
               <a:rPr lang="en-MY" smtClean="0"/>
-              <a:t>3/4/2021</a:t>
+              <a:t>4/4/2021</a:t>
             </a:fld>
             <a:endParaRPr lang="en-MY"/>
           </a:p>
@@ -2936,7 +2941,7 @@
           <a:p>
             <a:fld id="{3E7EBE13-440A-4FDF-80A1-4172C6B8108E}" type="datetimeFigureOut">
               <a:rPr lang="en-MY" smtClean="0"/>
-              <a:t>3/4/2021</a:t>
+              <a:t>4/4/2021</a:t>
             </a:fld>
             <a:endParaRPr lang="en-MY"/>
           </a:p>
@@ -4108,6 +4113,339 @@
     <p:extLst>
       <p:ext uri="{BB962C8B-B14F-4D97-AF65-F5344CB8AC3E}">
         <p14:creationId xmlns:p14="http://schemas.microsoft.com/office/powerpoint/2010/main" val="1443715005"/>
+      </p:ext>
+    </p:extLst>
+  </p:cSld>
+  <p:clrMapOvr>
+    <a:masterClrMapping/>
+  </p:clrMapOvr>
+</p:sld>
+</file>
+
+<file path=ppt/slides/slide10.xml><?xml version="1.0" encoding="utf-8"?>
+<p:sld xmlns:a="http://schemas.openxmlformats.org/drawingml/2006/main" xmlns:r="http://schemas.openxmlformats.org/officeDocument/2006/relationships" xmlns:p="http://schemas.openxmlformats.org/presentationml/2006/main">
+  <p:cSld>
+    <p:spTree>
+      <p:nvGrpSpPr>
+        <p:cNvPr id="1" name=""/>
+        <p:cNvGrpSpPr/>
+        <p:nvPr/>
+      </p:nvGrpSpPr>
+      <p:grpSpPr>
+        <a:xfrm>
+          <a:off x="0" y="0"/>
+          <a:ext cx="0" cy="0"/>
+          <a:chOff x="0" y="0"/>
+          <a:chExt cx="0" cy="0"/>
+        </a:xfrm>
+      </p:grpSpPr>
+      <p:pic>
+        <p:nvPicPr>
+          <p:cNvPr id="27" name="Picture 26">
+            <a:extLst>
+              <a:ext uri="{FF2B5EF4-FFF2-40B4-BE49-F238E27FC236}">
+                <a16:creationId xmlns:a16="http://schemas.microsoft.com/office/drawing/2014/main" id="{1D46CB0A-BFB2-4E2B-BC43-EC08F1B59CB7}"/>
+              </a:ext>
+            </a:extLst>
+          </p:cNvPr>
+          <p:cNvPicPr>
+            <a:picLocks noChangeAspect="1"/>
+          </p:cNvPicPr>
+          <p:nvPr/>
+        </p:nvPicPr>
+        <p:blipFill>
+          <a:blip r:embed="rId2"/>
+          <a:stretch>
+            <a:fillRect/>
+          </a:stretch>
+        </p:blipFill>
+        <p:spPr>
+          <a:xfrm>
+            <a:off x="958307" y="657140"/>
+            <a:ext cx="5371042" cy="4883319"/>
+          </a:xfrm>
+          <a:prstGeom prst="rect">
+            <a:avLst/>
+          </a:prstGeom>
+          <a:solidFill>
+            <a:schemeClr val="bg1"/>
+          </a:solidFill>
+        </p:spPr>
+      </p:pic>
+      <p:sp>
+        <p:nvSpPr>
+          <p:cNvPr id="4" name="Rectangle 3">
+            <a:extLst>
+              <a:ext uri="{FF2B5EF4-FFF2-40B4-BE49-F238E27FC236}">
+                <a16:creationId xmlns:a16="http://schemas.microsoft.com/office/drawing/2014/main" id="{BEA7C465-D199-46B0-B516-C253499573BD}"/>
+              </a:ext>
+            </a:extLst>
+          </p:cNvPr>
+          <p:cNvSpPr/>
+          <p:nvPr/>
+        </p:nvSpPr>
+        <p:spPr>
+          <a:xfrm>
+            <a:off x="645557" y="139700"/>
+            <a:ext cx="5996543" cy="5918200"/>
+          </a:xfrm>
+          <a:prstGeom prst="rect">
+            <a:avLst/>
+          </a:prstGeom>
+          <a:noFill/>
+          <a:ln w="25400">
+            <a:solidFill>
+              <a:schemeClr val="tx1"/>
+            </a:solidFill>
+          </a:ln>
+        </p:spPr>
+        <p:style>
+          <a:lnRef idx="2">
+            <a:schemeClr val="accent1">
+              <a:shade val="50000"/>
+            </a:schemeClr>
+          </a:lnRef>
+          <a:fillRef idx="1">
+            <a:schemeClr val="accent1"/>
+          </a:fillRef>
+          <a:effectRef idx="0">
+            <a:schemeClr val="accent1"/>
+          </a:effectRef>
+          <a:fontRef idx="minor">
+            <a:schemeClr val="lt1"/>
+          </a:fontRef>
+        </p:style>
+        <p:txBody>
+          <a:bodyPr rtlCol="0" anchor="ctr"/>
+          <a:lstStyle/>
+          <a:p>
+            <a:pPr algn="ctr"/>
+            <a:endParaRPr lang="en-MY"/>
+          </a:p>
+        </p:txBody>
+      </p:sp>
+    </p:spTree>
+    <p:extLst>
+      <p:ext uri="{BB962C8B-B14F-4D97-AF65-F5344CB8AC3E}">
+        <p14:creationId xmlns:p14="http://schemas.microsoft.com/office/powerpoint/2010/main" val="2247238159"/>
+      </p:ext>
+    </p:extLst>
+  </p:cSld>
+  <p:clrMapOvr>
+    <a:masterClrMapping/>
+  </p:clrMapOvr>
+</p:sld>
+</file>
+
+<file path=ppt/slides/slide11.xml><?xml version="1.0" encoding="utf-8"?>
+<p:sld xmlns:a="http://schemas.openxmlformats.org/drawingml/2006/main" xmlns:r="http://schemas.openxmlformats.org/officeDocument/2006/relationships" xmlns:p="http://schemas.openxmlformats.org/presentationml/2006/main">
+  <p:cSld>
+    <p:spTree>
+      <p:nvGrpSpPr>
+        <p:cNvPr id="1" name=""/>
+        <p:cNvGrpSpPr/>
+        <p:nvPr/>
+      </p:nvGrpSpPr>
+      <p:grpSpPr>
+        <a:xfrm>
+          <a:off x="0" y="0"/>
+          <a:ext cx="0" cy="0"/>
+          <a:chOff x="0" y="0"/>
+          <a:chExt cx="0" cy="0"/>
+        </a:xfrm>
+      </p:grpSpPr>
+      <p:sp>
+        <p:nvSpPr>
+          <p:cNvPr id="5" name="Rectangle 4">
+            <a:extLst>
+              <a:ext uri="{FF2B5EF4-FFF2-40B4-BE49-F238E27FC236}">
+                <a16:creationId xmlns:a16="http://schemas.microsoft.com/office/drawing/2014/main" id="{D6D898DA-FA59-4201-98FA-B8509204B282}"/>
+              </a:ext>
+            </a:extLst>
+          </p:cNvPr>
+          <p:cNvSpPr/>
+          <p:nvPr/>
+        </p:nvSpPr>
+        <p:spPr>
+          <a:xfrm>
+            <a:off x="645557" y="139700"/>
+            <a:ext cx="10220325" cy="5772150"/>
+          </a:xfrm>
+          <a:prstGeom prst="rect">
+            <a:avLst/>
+          </a:prstGeom>
+          <a:solidFill>
+            <a:schemeClr val="bg1"/>
+          </a:solidFill>
+          <a:ln w="25400">
+            <a:solidFill>
+              <a:schemeClr val="tx1">
+                <a:lumMod val="50000"/>
+                <a:lumOff val="50000"/>
+              </a:schemeClr>
+            </a:solidFill>
+          </a:ln>
+        </p:spPr>
+        <p:style>
+          <a:lnRef idx="2">
+            <a:schemeClr val="accent1">
+              <a:shade val="50000"/>
+            </a:schemeClr>
+          </a:lnRef>
+          <a:fillRef idx="1">
+            <a:schemeClr val="accent1"/>
+          </a:fillRef>
+          <a:effectRef idx="0">
+            <a:schemeClr val="accent1"/>
+          </a:effectRef>
+          <a:fontRef idx="minor">
+            <a:schemeClr val="lt1"/>
+          </a:fontRef>
+        </p:style>
+        <p:txBody>
+          <a:bodyPr rtlCol="0" anchor="ctr"/>
+          <a:lstStyle/>
+          <a:p>
+            <a:pPr algn="ctr"/>
+            <a:endParaRPr lang="en-MY"/>
+          </a:p>
+        </p:txBody>
+      </p:sp>
+      <p:pic>
+        <p:nvPicPr>
+          <p:cNvPr id="2" name="Picture 1">
+            <a:extLst>
+              <a:ext uri="{FF2B5EF4-FFF2-40B4-BE49-F238E27FC236}">
+                <a16:creationId xmlns:a16="http://schemas.microsoft.com/office/drawing/2014/main" id="{9B6E9F44-3CF3-4876-8B0C-166B7A14D367}"/>
+              </a:ext>
+            </a:extLst>
+          </p:cNvPr>
+          <p:cNvPicPr>
+            <a:picLocks noChangeAspect="1"/>
+          </p:cNvPicPr>
+          <p:nvPr/>
+        </p:nvPicPr>
+        <p:blipFill>
+          <a:blip r:embed="rId2"/>
+          <a:stretch>
+            <a:fillRect/>
+          </a:stretch>
+        </p:blipFill>
+        <p:spPr>
+          <a:xfrm>
+            <a:off x="3070198" y="584115"/>
+            <a:ext cx="5371042" cy="4883319"/>
+          </a:xfrm>
+          <a:prstGeom prst="rect">
+            <a:avLst/>
+          </a:prstGeom>
+        </p:spPr>
+      </p:pic>
+    </p:spTree>
+    <p:extLst>
+      <p:ext uri="{BB962C8B-B14F-4D97-AF65-F5344CB8AC3E}">
+        <p14:creationId xmlns:p14="http://schemas.microsoft.com/office/powerpoint/2010/main" val="797139357"/>
+      </p:ext>
+    </p:extLst>
+  </p:cSld>
+  <p:clrMapOvr>
+    <a:masterClrMapping/>
+  </p:clrMapOvr>
+</p:sld>
+</file>
+
+<file path=ppt/slides/slide12.xml><?xml version="1.0" encoding="utf-8"?>
+<p:sld xmlns:a="http://schemas.openxmlformats.org/drawingml/2006/main" xmlns:r="http://schemas.openxmlformats.org/officeDocument/2006/relationships" xmlns:p="http://schemas.openxmlformats.org/presentationml/2006/main">
+  <p:cSld>
+    <p:spTree>
+      <p:nvGrpSpPr>
+        <p:cNvPr id="1" name=""/>
+        <p:cNvGrpSpPr/>
+        <p:nvPr/>
+      </p:nvGrpSpPr>
+      <p:grpSpPr>
+        <a:xfrm>
+          <a:off x="0" y="0"/>
+          <a:ext cx="0" cy="0"/>
+          <a:chOff x="0" y="0"/>
+          <a:chExt cx="0" cy="0"/>
+        </a:xfrm>
+      </p:grpSpPr>
+      <p:pic>
+        <p:nvPicPr>
+          <p:cNvPr id="3" name="Picture 2">
+            <a:extLst>
+              <a:ext uri="{FF2B5EF4-FFF2-40B4-BE49-F238E27FC236}">
+                <a16:creationId xmlns:a16="http://schemas.microsoft.com/office/drawing/2014/main" id="{ABD3659B-9F16-4F91-8DBF-9C9949A0F443}"/>
+              </a:ext>
+            </a:extLst>
+          </p:cNvPr>
+          <p:cNvPicPr>
+            <a:picLocks noChangeAspect="1"/>
+          </p:cNvPicPr>
+          <p:nvPr/>
+        </p:nvPicPr>
+        <p:blipFill>
+          <a:blip r:embed="rId2">
+            <a:extLst>
+              <a:ext uri="{28A0092B-C50C-407E-A947-70E740481C1C}">
+                <a14:useLocalDpi xmlns:a14="http://schemas.microsoft.com/office/drawing/2010/main" val="0"/>
+              </a:ext>
+            </a:extLst>
+          </a:blip>
+          <a:stretch>
+            <a:fillRect/>
+          </a:stretch>
+        </p:blipFill>
+        <p:spPr>
+          <a:xfrm>
+            <a:off x="468457" y="142875"/>
+            <a:ext cx="8613630" cy="6572250"/>
+          </a:xfrm>
+          <a:prstGeom prst="rect">
+            <a:avLst/>
+          </a:prstGeom>
+        </p:spPr>
+      </p:pic>
+      <p:sp>
+        <p:nvSpPr>
+          <p:cNvPr id="4" name="TextBox 3">
+            <a:extLst>
+              <a:ext uri="{FF2B5EF4-FFF2-40B4-BE49-F238E27FC236}">
+                <a16:creationId xmlns:a16="http://schemas.microsoft.com/office/drawing/2014/main" id="{541D5A51-4A62-4428-BD7F-13146D93C0F3}"/>
+              </a:ext>
+            </a:extLst>
+          </p:cNvPr>
+          <p:cNvSpPr txBox="1"/>
+          <p:nvPr/>
+        </p:nvSpPr>
+        <p:spPr>
+          <a:xfrm>
+            <a:off x="9991725" y="742950"/>
+            <a:ext cx="2133600" cy="369332"/>
+          </a:xfrm>
+          <a:prstGeom prst="rect">
+            <a:avLst/>
+          </a:prstGeom>
+          <a:noFill/>
+        </p:spPr>
+        <p:txBody>
+          <a:bodyPr wrap="square" rtlCol="0">
+            <a:spAutoFit/>
+          </a:bodyPr>
+          <a:lstStyle/>
+          <a:p>
+            <a:r>
+              <a:rPr lang="en-MY" dirty="0"/>
+              <a:t>Done using </a:t>
+            </a:r>
+          </a:p>
+        </p:txBody>
+      </p:sp>
+    </p:spTree>
+    <p:extLst>
+      <p:ext uri="{BB962C8B-B14F-4D97-AF65-F5344CB8AC3E}">
+        <p14:creationId xmlns:p14="http://schemas.microsoft.com/office/powerpoint/2010/main" val="2736161398"/>
       </p:ext>
     </p:extLst>
   </p:cSld>
@@ -13727,6 +14065,2078 @@
 </p:sld>
 </file>
 
+<file path=ppt/slides/slide8.xml><?xml version="1.0" encoding="utf-8"?>
+<p:sld xmlns:a="http://schemas.openxmlformats.org/drawingml/2006/main" xmlns:r="http://schemas.openxmlformats.org/officeDocument/2006/relationships" xmlns:p="http://schemas.openxmlformats.org/presentationml/2006/main">
+  <p:cSld>
+    <p:spTree>
+      <p:nvGrpSpPr>
+        <p:cNvPr id="1" name=""/>
+        <p:cNvGrpSpPr/>
+        <p:nvPr/>
+      </p:nvGrpSpPr>
+      <p:grpSpPr>
+        <a:xfrm>
+          <a:off x="0" y="0"/>
+          <a:ext cx="0" cy="0"/>
+          <a:chOff x="0" y="0"/>
+          <a:chExt cx="0" cy="0"/>
+        </a:xfrm>
+      </p:grpSpPr>
+      <p:sp>
+        <p:nvSpPr>
+          <p:cNvPr id="4" name="Rectangle 3">
+            <a:extLst>
+              <a:ext uri="{FF2B5EF4-FFF2-40B4-BE49-F238E27FC236}">
+                <a16:creationId xmlns:a16="http://schemas.microsoft.com/office/drawing/2014/main" id="{7A2123F2-A4AF-4DF7-A6DC-AD65E5220AC0}"/>
+              </a:ext>
+            </a:extLst>
+          </p:cNvPr>
+          <p:cNvSpPr/>
+          <p:nvPr/>
+        </p:nvSpPr>
+        <p:spPr>
+          <a:xfrm>
+            <a:off x="1104900" y="1362075"/>
+            <a:ext cx="2466975" cy="2066925"/>
+          </a:xfrm>
+          <a:prstGeom prst="rect">
+            <a:avLst/>
+          </a:prstGeom>
+          <a:noFill/>
+          <a:ln w="25400">
+            <a:solidFill>
+              <a:schemeClr val="tx1"/>
+            </a:solidFill>
+          </a:ln>
+        </p:spPr>
+        <p:style>
+          <a:lnRef idx="2">
+            <a:schemeClr val="accent1">
+              <a:shade val="50000"/>
+            </a:schemeClr>
+          </a:lnRef>
+          <a:fillRef idx="1">
+            <a:schemeClr val="accent1"/>
+          </a:fillRef>
+          <a:effectRef idx="0">
+            <a:schemeClr val="accent1"/>
+          </a:effectRef>
+          <a:fontRef idx="minor">
+            <a:schemeClr val="lt1"/>
+          </a:fontRef>
+        </p:style>
+        <p:txBody>
+          <a:bodyPr rtlCol="0" anchor="ctr"/>
+          <a:lstStyle/>
+          <a:p>
+            <a:pPr algn="ctr"/>
+            <a:endParaRPr lang="en-MY"/>
+          </a:p>
+        </p:txBody>
+      </p:sp>
+      <p:sp>
+        <p:nvSpPr>
+          <p:cNvPr id="5" name="TextBox 4">
+            <a:extLst>
+              <a:ext uri="{FF2B5EF4-FFF2-40B4-BE49-F238E27FC236}">
+                <a16:creationId xmlns:a16="http://schemas.microsoft.com/office/drawing/2014/main" id="{FF9F6A52-D50C-4E72-82C4-BE7E1BA48620}"/>
+              </a:ext>
+            </a:extLst>
+          </p:cNvPr>
+          <p:cNvSpPr txBox="1"/>
+          <p:nvPr/>
+        </p:nvSpPr>
+        <p:spPr>
+          <a:xfrm>
+            <a:off x="4367403" y="1919859"/>
+            <a:ext cx="2557653" cy="646331"/>
+          </a:xfrm>
+          <a:prstGeom prst="rect">
+            <a:avLst/>
+          </a:prstGeom>
+          <a:noFill/>
+        </p:spPr>
+        <p:txBody>
+          <a:bodyPr wrap="square" rtlCol="0">
+            <a:spAutoFit/>
+          </a:bodyPr>
+          <a:lstStyle/>
+          <a:p>
+            <a:r>
+              <a:rPr lang="en-MY" sz="1200" dirty="0">
+                <a:latin typeface="Arial" panose="020B0604020202020204" pitchFamily="34" charset="0"/>
+                <a:cs typeface="Arial" panose="020B0604020202020204" pitchFamily="34" charset="0"/>
+              </a:rPr>
+              <a:t>This is the font to be used.</a:t>
+            </a:r>
+          </a:p>
+          <a:p>
+            <a:r>
+              <a:rPr lang="en-MY" sz="1200" dirty="0">
+                <a:latin typeface="Arial" panose="020B0604020202020204" pitchFamily="34" charset="0"/>
+                <a:cs typeface="Arial" panose="020B0604020202020204" pitchFamily="34" charset="0"/>
+              </a:rPr>
+              <a:t>Font: Arial</a:t>
+            </a:r>
+          </a:p>
+          <a:p>
+            <a:r>
+              <a:rPr lang="en-MY" sz="1200" dirty="0">
+                <a:latin typeface="Arial" panose="020B0604020202020204" pitchFamily="34" charset="0"/>
+                <a:cs typeface="Arial" panose="020B0604020202020204" pitchFamily="34" charset="0"/>
+              </a:rPr>
+              <a:t>Size: 12</a:t>
+            </a:r>
+          </a:p>
+        </p:txBody>
+      </p:sp>
+      <p:cxnSp>
+        <p:nvCxnSpPr>
+          <p:cNvPr id="7" name="Straight Connector 6">
+            <a:extLst>
+              <a:ext uri="{FF2B5EF4-FFF2-40B4-BE49-F238E27FC236}">
+                <a16:creationId xmlns:a16="http://schemas.microsoft.com/office/drawing/2014/main" id="{0C772EFC-5E4B-4A8B-BA9D-F90D80DC925B}"/>
+              </a:ext>
+            </a:extLst>
+          </p:cNvPr>
+          <p:cNvCxnSpPr/>
+          <p:nvPr/>
+        </p:nvCxnSpPr>
+        <p:spPr>
+          <a:xfrm>
+            <a:off x="4367403" y="2952750"/>
+            <a:ext cx="2862072" cy="0"/>
+          </a:xfrm>
+          <a:prstGeom prst="line">
+            <a:avLst/>
+          </a:prstGeom>
+          <a:ln w="25400">
+            <a:solidFill>
+              <a:schemeClr val="tx1"/>
+            </a:solidFill>
+          </a:ln>
+        </p:spPr>
+        <p:style>
+          <a:lnRef idx="1">
+            <a:schemeClr val="accent1"/>
+          </a:lnRef>
+          <a:fillRef idx="0">
+            <a:schemeClr val="accent1"/>
+          </a:fillRef>
+          <a:effectRef idx="0">
+            <a:schemeClr val="accent1"/>
+          </a:effectRef>
+          <a:fontRef idx="minor">
+            <a:schemeClr val="tx1"/>
+          </a:fontRef>
+        </p:style>
+      </p:cxnSp>
+      <p:cxnSp>
+        <p:nvCxnSpPr>
+          <p:cNvPr id="9" name="Straight Arrow Connector 8">
+            <a:extLst>
+              <a:ext uri="{FF2B5EF4-FFF2-40B4-BE49-F238E27FC236}">
+                <a16:creationId xmlns:a16="http://schemas.microsoft.com/office/drawing/2014/main" id="{AE2152FD-BE41-49FD-A03F-E588CB44C071}"/>
+              </a:ext>
+            </a:extLst>
+          </p:cNvPr>
+          <p:cNvCxnSpPr/>
+          <p:nvPr/>
+        </p:nvCxnSpPr>
+        <p:spPr>
+          <a:xfrm>
+            <a:off x="4494276" y="3296920"/>
+            <a:ext cx="2695575" cy="0"/>
+          </a:xfrm>
+          <a:prstGeom prst="straightConnector1">
+            <a:avLst/>
+          </a:prstGeom>
+          <a:ln w="25400">
+            <a:solidFill>
+              <a:schemeClr val="tx1"/>
+            </a:solidFill>
+            <a:tailEnd type="none" w="lg" len="lg"/>
+          </a:ln>
+        </p:spPr>
+        <p:style>
+          <a:lnRef idx="1">
+            <a:schemeClr val="accent1"/>
+          </a:lnRef>
+          <a:fillRef idx="0">
+            <a:schemeClr val="accent1"/>
+          </a:fillRef>
+          <a:effectRef idx="0">
+            <a:schemeClr val="accent1"/>
+          </a:effectRef>
+          <a:fontRef idx="minor">
+            <a:schemeClr val="tx1"/>
+          </a:fontRef>
+        </p:style>
+      </p:cxnSp>
+      <p:cxnSp>
+        <p:nvCxnSpPr>
+          <p:cNvPr id="12" name="Straight Connector 11">
+            <a:extLst>
+              <a:ext uri="{FF2B5EF4-FFF2-40B4-BE49-F238E27FC236}">
+                <a16:creationId xmlns:a16="http://schemas.microsoft.com/office/drawing/2014/main" id="{DA31D2D5-2DE4-48FA-B79A-1A1B0C4B3FBB}"/>
+              </a:ext>
+            </a:extLst>
+          </p:cNvPr>
+          <p:cNvCxnSpPr/>
+          <p:nvPr/>
+        </p:nvCxnSpPr>
+        <p:spPr>
+          <a:xfrm>
+            <a:off x="4407027" y="3619500"/>
+            <a:ext cx="2862072" cy="0"/>
+          </a:xfrm>
+          <a:prstGeom prst="line">
+            <a:avLst/>
+          </a:prstGeom>
+          <a:ln w="25400">
+            <a:solidFill>
+              <a:schemeClr val="tx1"/>
+            </a:solidFill>
+            <a:prstDash val="sysDash"/>
+          </a:ln>
+        </p:spPr>
+        <p:style>
+          <a:lnRef idx="1">
+            <a:schemeClr val="accent1"/>
+          </a:lnRef>
+          <a:fillRef idx="0">
+            <a:schemeClr val="accent1"/>
+          </a:fillRef>
+          <a:effectRef idx="0">
+            <a:schemeClr val="accent1"/>
+          </a:effectRef>
+          <a:fontRef idx="minor">
+            <a:schemeClr val="tx1"/>
+          </a:fontRef>
+        </p:style>
+      </p:cxnSp>
+      <p:cxnSp>
+        <p:nvCxnSpPr>
+          <p:cNvPr id="13" name="Straight Arrow Connector 12">
+            <a:extLst>
+              <a:ext uri="{FF2B5EF4-FFF2-40B4-BE49-F238E27FC236}">
+                <a16:creationId xmlns:a16="http://schemas.microsoft.com/office/drawing/2014/main" id="{895D9635-736E-4F5F-AAF0-223ACE72AA69}"/>
+              </a:ext>
+            </a:extLst>
+          </p:cNvPr>
+          <p:cNvCxnSpPr/>
+          <p:nvPr/>
+        </p:nvCxnSpPr>
+        <p:spPr>
+          <a:xfrm>
+            <a:off x="4533900" y="3963670"/>
+            <a:ext cx="2695575" cy="0"/>
+          </a:xfrm>
+          <a:prstGeom prst="straightConnector1">
+            <a:avLst/>
+          </a:prstGeom>
+          <a:ln w="25400">
+            <a:solidFill>
+              <a:schemeClr val="tx1"/>
+            </a:solidFill>
+            <a:prstDash val="sysDash"/>
+            <a:tailEnd type="none" w="lg" len="lg"/>
+          </a:ln>
+        </p:spPr>
+        <p:style>
+          <a:lnRef idx="1">
+            <a:schemeClr val="accent1"/>
+          </a:lnRef>
+          <a:fillRef idx="0">
+            <a:schemeClr val="accent1"/>
+          </a:fillRef>
+          <a:effectRef idx="0">
+            <a:schemeClr val="accent1"/>
+          </a:effectRef>
+          <a:fontRef idx="minor">
+            <a:schemeClr val="tx1"/>
+          </a:fontRef>
+        </p:style>
+      </p:cxnSp>
+      <p:cxnSp>
+        <p:nvCxnSpPr>
+          <p:cNvPr id="14" name="Straight Arrow Connector 13">
+            <a:extLst>
+              <a:ext uri="{FF2B5EF4-FFF2-40B4-BE49-F238E27FC236}">
+                <a16:creationId xmlns:a16="http://schemas.microsoft.com/office/drawing/2014/main" id="{63AB0F42-41EA-44AD-A848-B09F7C99A075}"/>
+              </a:ext>
+            </a:extLst>
+          </p:cNvPr>
+          <p:cNvCxnSpPr/>
+          <p:nvPr/>
+        </p:nvCxnSpPr>
+        <p:spPr>
+          <a:xfrm>
+            <a:off x="4573524" y="4347718"/>
+            <a:ext cx="2695575" cy="0"/>
+          </a:xfrm>
+          <a:prstGeom prst="straightConnector1">
+            <a:avLst/>
+          </a:prstGeom>
+          <a:ln w="25400">
+            <a:solidFill>
+              <a:schemeClr val="tx1"/>
+            </a:solidFill>
+            <a:prstDash val="sysDash"/>
+            <a:tailEnd type="none" w="lg" len="lg"/>
+          </a:ln>
+        </p:spPr>
+        <p:style>
+          <a:lnRef idx="1">
+            <a:schemeClr val="accent1"/>
+          </a:lnRef>
+          <a:fillRef idx="0">
+            <a:schemeClr val="accent1"/>
+          </a:fillRef>
+          <a:effectRef idx="0">
+            <a:schemeClr val="accent1"/>
+          </a:effectRef>
+          <a:fontRef idx="minor">
+            <a:schemeClr val="tx1"/>
+          </a:fontRef>
+        </p:style>
+      </p:cxnSp>
+      <p:sp>
+        <p:nvSpPr>
+          <p:cNvPr id="15" name="Isosceles Triangle 14">
+            <a:extLst>
+              <a:ext uri="{FF2B5EF4-FFF2-40B4-BE49-F238E27FC236}">
+                <a16:creationId xmlns:a16="http://schemas.microsoft.com/office/drawing/2014/main" id="{37C0B621-D899-4856-9B43-A42BE95395E6}"/>
+              </a:ext>
+            </a:extLst>
+          </p:cNvPr>
+          <p:cNvSpPr>
+            <a:spLocks noChangeAspect="1"/>
+          </p:cNvSpPr>
+          <p:nvPr/>
+        </p:nvSpPr>
+        <p:spPr>
+          <a:xfrm rot="5400000">
+            <a:off x="7269383" y="4254473"/>
+            <a:ext cx="185922" cy="186490"/>
+          </a:xfrm>
+          <a:prstGeom prst="triangle">
+            <a:avLst/>
+          </a:prstGeom>
+          <a:noFill/>
+          <a:ln w="25400">
+            <a:solidFill>
+              <a:schemeClr val="tx1"/>
+            </a:solidFill>
+          </a:ln>
+        </p:spPr>
+        <p:style>
+          <a:lnRef idx="2">
+            <a:schemeClr val="accent1">
+              <a:shade val="50000"/>
+            </a:schemeClr>
+          </a:lnRef>
+          <a:fillRef idx="1">
+            <a:schemeClr val="accent1"/>
+          </a:fillRef>
+          <a:effectRef idx="0">
+            <a:schemeClr val="accent1"/>
+          </a:effectRef>
+          <a:fontRef idx="minor">
+            <a:schemeClr val="lt1"/>
+          </a:fontRef>
+        </p:style>
+        <p:txBody>
+          <a:bodyPr rtlCol="0" anchor="ctr"/>
+          <a:lstStyle/>
+          <a:p>
+            <a:pPr algn="ctr"/>
+            <a:endParaRPr lang="en-MY"/>
+          </a:p>
+        </p:txBody>
+      </p:sp>
+      <p:sp>
+        <p:nvSpPr>
+          <p:cNvPr id="17" name="Isosceles Triangle 16">
+            <a:extLst>
+              <a:ext uri="{FF2B5EF4-FFF2-40B4-BE49-F238E27FC236}">
+                <a16:creationId xmlns:a16="http://schemas.microsoft.com/office/drawing/2014/main" id="{F408D717-8B94-4272-9937-69841B430885}"/>
+              </a:ext>
+            </a:extLst>
+          </p:cNvPr>
+          <p:cNvSpPr>
+            <a:spLocks noChangeAspect="1"/>
+          </p:cNvSpPr>
+          <p:nvPr/>
+        </p:nvSpPr>
+        <p:spPr>
+          <a:xfrm rot="5400000">
+            <a:off x="7240327" y="3870425"/>
+            <a:ext cx="185922" cy="186490"/>
+          </a:xfrm>
+          <a:prstGeom prst="triangle">
+            <a:avLst/>
+          </a:prstGeom>
+          <a:solidFill>
+            <a:schemeClr val="tx1"/>
+          </a:solidFill>
+          <a:ln w="25400">
+            <a:solidFill>
+              <a:schemeClr val="tx1"/>
+            </a:solidFill>
+          </a:ln>
+        </p:spPr>
+        <p:style>
+          <a:lnRef idx="2">
+            <a:schemeClr val="accent1">
+              <a:shade val="50000"/>
+            </a:schemeClr>
+          </a:lnRef>
+          <a:fillRef idx="1">
+            <a:schemeClr val="accent1"/>
+          </a:fillRef>
+          <a:effectRef idx="0">
+            <a:schemeClr val="accent1"/>
+          </a:effectRef>
+          <a:fontRef idx="minor">
+            <a:schemeClr val="lt1"/>
+          </a:fontRef>
+        </p:style>
+        <p:txBody>
+          <a:bodyPr rtlCol="0" anchor="ctr"/>
+          <a:lstStyle/>
+          <a:p>
+            <a:pPr algn="ctr"/>
+            <a:endParaRPr lang="en-MY"/>
+          </a:p>
+        </p:txBody>
+      </p:sp>
+      <p:sp>
+        <p:nvSpPr>
+          <p:cNvPr id="18" name="Isosceles Triangle 17">
+            <a:extLst>
+              <a:ext uri="{FF2B5EF4-FFF2-40B4-BE49-F238E27FC236}">
+                <a16:creationId xmlns:a16="http://schemas.microsoft.com/office/drawing/2014/main" id="{7A971201-9787-4A89-BD32-93161A8884BC}"/>
+              </a:ext>
+            </a:extLst>
+          </p:cNvPr>
+          <p:cNvSpPr>
+            <a:spLocks noChangeAspect="1"/>
+          </p:cNvSpPr>
+          <p:nvPr/>
+        </p:nvSpPr>
+        <p:spPr>
+          <a:xfrm rot="5400000">
+            <a:off x="7190135" y="3206855"/>
+            <a:ext cx="185922" cy="186490"/>
+          </a:xfrm>
+          <a:prstGeom prst="triangle">
+            <a:avLst/>
+          </a:prstGeom>
+          <a:solidFill>
+            <a:schemeClr val="tx1"/>
+          </a:solidFill>
+          <a:ln w="25400">
+            <a:solidFill>
+              <a:schemeClr val="tx1"/>
+            </a:solidFill>
+          </a:ln>
+        </p:spPr>
+        <p:style>
+          <a:lnRef idx="2">
+            <a:schemeClr val="accent1">
+              <a:shade val="50000"/>
+            </a:schemeClr>
+          </a:lnRef>
+          <a:fillRef idx="1">
+            <a:schemeClr val="accent1"/>
+          </a:fillRef>
+          <a:effectRef idx="0">
+            <a:schemeClr val="accent1"/>
+          </a:effectRef>
+          <a:fontRef idx="minor">
+            <a:schemeClr val="lt1"/>
+          </a:fontRef>
+        </p:style>
+        <p:txBody>
+          <a:bodyPr rtlCol="0" anchor="ctr"/>
+          <a:lstStyle/>
+          <a:p>
+            <a:pPr algn="ctr"/>
+            <a:endParaRPr lang="en-MY"/>
+          </a:p>
+        </p:txBody>
+      </p:sp>
+      <p:sp>
+        <p:nvSpPr>
+          <p:cNvPr id="23" name="Oval 22">
+            <a:extLst>
+              <a:ext uri="{FF2B5EF4-FFF2-40B4-BE49-F238E27FC236}">
+                <a16:creationId xmlns:a16="http://schemas.microsoft.com/office/drawing/2014/main" id="{0314F878-058E-4BCB-8593-BD0A469AD1B0}"/>
+              </a:ext>
+            </a:extLst>
+          </p:cNvPr>
+          <p:cNvSpPr>
+            <a:spLocks noChangeAspect="1"/>
+          </p:cNvSpPr>
+          <p:nvPr/>
+        </p:nvSpPr>
+        <p:spPr>
+          <a:xfrm>
+            <a:off x="9153525" y="1304506"/>
+            <a:ext cx="342899" cy="342899"/>
+          </a:xfrm>
+          <a:prstGeom prst="ellipse">
+            <a:avLst/>
+          </a:prstGeom>
+          <a:solidFill>
+            <a:schemeClr val="tx1"/>
+          </a:solidFill>
+          <a:ln>
+            <a:noFill/>
+          </a:ln>
+        </p:spPr>
+        <p:style>
+          <a:lnRef idx="2">
+            <a:schemeClr val="accent1">
+              <a:shade val="50000"/>
+            </a:schemeClr>
+          </a:lnRef>
+          <a:fillRef idx="1">
+            <a:schemeClr val="accent1"/>
+          </a:fillRef>
+          <a:effectRef idx="0">
+            <a:schemeClr val="accent1"/>
+          </a:effectRef>
+          <a:fontRef idx="minor">
+            <a:schemeClr val="lt1"/>
+          </a:fontRef>
+        </p:style>
+        <p:txBody>
+          <a:bodyPr rtlCol="0" anchor="ctr"/>
+          <a:lstStyle/>
+          <a:p>
+            <a:pPr algn="ctr"/>
+            <a:endParaRPr lang="en-MY"/>
+          </a:p>
+        </p:txBody>
+      </p:sp>
+      <p:cxnSp>
+        <p:nvCxnSpPr>
+          <p:cNvPr id="24" name="Straight Connector 23">
+            <a:extLst>
+              <a:ext uri="{FF2B5EF4-FFF2-40B4-BE49-F238E27FC236}">
+                <a16:creationId xmlns:a16="http://schemas.microsoft.com/office/drawing/2014/main" id="{3A3869A3-259C-4FBD-BFA1-A706DA83B3B4}"/>
+              </a:ext>
+            </a:extLst>
+          </p:cNvPr>
+          <p:cNvCxnSpPr>
+            <a:cxnSpLocks/>
+          </p:cNvCxnSpPr>
+          <p:nvPr/>
+        </p:nvCxnSpPr>
+        <p:spPr>
+          <a:xfrm>
+            <a:off x="9324975" y="1590675"/>
+            <a:ext cx="0" cy="652349"/>
+          </a:xfrm>
+          <a:prstGeom prst="line">
+            <a:avLst/>
+          </a:prstGeom>
+          <a:ln w="25400">
+            <a:solidFill>
+              <a:schemeClr val="tx1"/>
+            </a:solidFill>
+          </a:ln>
+        </p:spPr>
+        <p:style>
+          <a:lnRef idx="1">
+            <a:schemeClr val="accent1"/>
+          </a:lnRef>
+          <a:fillRef idx="0">
+            <a:schemeClr val="accent1"/>
+          </a:fillRef>
+          <a:effectRef idx="0">
+            <a:schemeClr val="accent1"/>
+          </a:effectRef>
+          <a:fontRef idx="minor">
+            <a:schemeClr val="tx1"/>
+          </a:fontRef>
+        </p:style>
+      </p:cxnSp>
+      <p:cxnSp>
+        <p:nvCxnSpPr>
+          <p:cNvPr id="27" name="Straight Connector 26">
+            <a:extLst>
+              <a:ext uri="{FF2B5EF4-FFF2-40B4-BE49-F238E27FC236}">
+                <a16:creationId xmlns:a16="http://schemas.microsoft.com/office/drawing/2014/main" id="{46C2AB8D-5611-4C3A-8A30-2314819E8391}"/>
+              </a:ext>
+            </a:extLst>
+          </p:cNvPr>
+          <p:cNvCxnSpPr>
+            <a:cxnSpLocks/>
+          </p:cNvCxnSpPr>
+          <p:nvPr/>
+        </p:nvCxnSpPr>
+        <p:spPr>
+          <a:xfrm>
+            <a:off x="9324975" y="2243024"/>
+            <a:ext cx="211456" cy="393496"/>
+          </a:xfrm>
+          <a:prstGeom prst="line">
+            <a:avLst/>
+          </a:prstGeom>
+          <a:ln w="25400">
+            <a:solidFill>
+              <a:schemeClr val="tx1"/>
+            </a:solidFill>
+          </a:ln>
+        </p:spPr>
+        <p:style>
+          <a:lnRef idx="1">
+            <a:schemeClr val="accent1"/>
+          </a:lnRef>
+          <a:fillRef idx="0">
+            <a:schemeClr val="accent1"/>
+          </a:fillRef>
+          <a:effectRef idx="0">
+            <a:schemeClr val="accent1"/>
+          </a:effectRef>
+          <a:fontRef idx="minor">
+            <a:schemeClr val="tx1"/>
+          </a:fontRef>
+        </p:style>
+      </p:cxnSp>
+      <p:cxnSp>
+        <p:nvCxnSpPr>
+          <p:cNvPr id="29" name="Straight Connector 28">
+            <a:extLst>
+              <a:ext uri="{FF2B5EF4-FFF2-40B4-BE49-F238E27FC236}">
+                <a16:creationId xmlns:a16="http://schemas.microsoft.com/office/drawing/2014/main" id="{5EB3A36A-127A-4806-BE24-8A2964828EAD}"/>
+              </a:ext>
+            </a:extLst>
+          </p:cNvPr>
+          <p:cNvCxnSpPr>
+            <a:cxnSpLocks/>
+          </p:cNvCxnSpPr>
+          <p:nvPr/>
+        </p:nvCxnSpPr>
+        <p:spPr>
+          <a:xfrm flipH="1">
+            <a:off x="9113520" y="2243024"/>
+            <a:ext cx="211457" cy="393496"/>
+          </a:xfrm>
+          <a:prstGeom prst="line">
+            <a:avLst/>
+          </a:prstGeom>
+          <a:ln w="25400">
+            <a:solidFill>
+              <a:schemeClr val="tx1"/>
+            </a:solidFill>
+          </a:ln>
+        </p:spPr>
+        <p:style>
+          <a:lnRef idx="1">
+            <a:schemeClr val="accent1"/>
+          </a:lnRef>
+          <a:fillRef idx="0">
+            <a:schemeClr val="accent1"/>
+          </a:fillRef>
+          <a:effectRef idx="0">
+            <a:schemeClr val="accent1"/>
+          </a:effectRef>
+          <a:fontRef idx="minor">
+            <a:schemeClr val="tx1"/>
+          </a:fontRef>
+        </p:style>
+      </p:cxnSp>
+      <p:cxnSp>
+        <p:nvCxnSpPr>
+          <p:cNvPr id="34" name="Straight Connector 33">
+            <a:extLst>
+              <a:ext uri="{FF2B5EF4-FFF2-40B4-BE49-F238E27FC236}">
+                <a16:creationId xmlns:a16="http://schemas.microsoft.com/office/drawing/2014/main" id="{8793B612-AD1C-488C-A5E4-6335C2AEE4E3}"/>
+              </a:ext>
+            </a:extLst>
+          </p:cNvPr>
+          <p:cNvCxnSpPr>
+            <a:cxnSpLocks/>
+          </p:cNvCxnSpPr>
+          <p:nvPr/>
+        </p:nvCxnSpPr>
+        <p:spPr>
+          <a:xfrm>
+            <a:off x="9324974" y="1709737"/>
+            <a:ext cx="252096" cy="332423"/>
+          </a:xfrm>
+          <a:prstGeom prst="line">
+            <a:avLst/>
+          </a:prstGeom>
+          <a:ln w="25400">
+            <a:solidFill>
+              <a:schemeClr val="tx1"/>
+            </a:solidFill>
+          </a:ln>
+        </p:spPr>
+        <p:style>
+          <a:lnRef idx="1">
+            <a:schemeClr val="accent1"/>
+          </a:lnRef>
+          <a:fillRef idx="0">
+            <a:schemeClr val="accent1"/>
+          </a:fillRef>
+          <a:effectRef idx="0">
+            <a:schemeClr val="accent1"/>
+          </a:effectRef>
+          <a:fontRef idx="minor">
+            <a:schemeClr val="tx1"/>
+          </a:fontRef>
+        </p:style>
+      </p:cxnSp>
+      <p:cxnSp>
+        <p:nvCxnSpPr>
+          <p:cNvPr id="37" name="Straight Connector 36">
+            <a:extLst>
+              <a:ext uri="{FF2B5EF4-FFF2-40B4-BE49-F238E27FC236}">
+                <a16:creationId xmlns:a16="http://schemas.microsoft.com/office/drawing/2014/main" id="{77C70A42-BF9A-45AC-A10F-CFEBC8AD3971}"/>
+              </a:ext>
+            </a:extLst>
+          </p:cNvPr>
+          <p:cNvCxnSpPr>
+            <a:cxnSpLocks/>
+          </p:cNvCxnSpPr>
+          <p:nvPr/>
+        </p:nvCxnSpPr>
+        <p:spPr>
+          <a:xfrm flipH="1">
+            <a:off x="9072880" y="1709737"/>
+            <a:ext cx="252095" cy="332423"/>
+          </a:xfrm>
+          <a:prstGeom prst="line">
+            <a:avLst/>
+          </a:prstGeom>
+          <a:ln w="25400">
+            <a:solidFill>
+              <a:schemeClr val="tx1"/>
+            </a:solidFill>
+          </a:ln>
+        </p:spPr>
+        <p:style>
+          <a:lnRef idx="1">
+            <a:schemeClr val="accent1"/>
+          </a:lnRef>
+          <a:fillRef idx="0">
+            <a:schemeClr val="accent1"/>
+          </a:fillRef>
+          <a:effectRef idx="0">
+            <a:schemeClr val="accent1"/>
+          </a:effectRef>
+          <a:fontRef idx="minor">
+            <a:schemeClr val="tx1"/>
+          </a:fontRef>
+        </p:style>
+      </p:cxnSp>
+      <p:pic>
+        <p:nvPicPr>
+          <p:cNvPr id="50" name="Picture 49">
+            <a:extLst>
+              <a:ext uri="{FF2B5EF4-FFF2-40B4-BE49-F238E27FC236}">
+                <a16:creationId xmlns:a16="http://schemas.microsoft.com/office/drawing/2014/main" id="{1B108E44-EFED-4C39-828F-6CF521EAEADD}"/>
+              </a:ext>
+            </a:extLst>
+          </p:cNvPr>
+          <p:cNvPicPr>
+            <a:picLocks noChangeAspect="1"/>
+          </p:cNvPicPr>
+          <p:nvPr/>
+        </p:nvPicPr>
+        <p:blipFill>
+          <a:blip r:embed="rId2"/>
+          <a:stretch>
+            <a:fillRect/>
+          </a:stretch>
+        </p:blipFill>
+        <p:spPr>
+          <a:xfrm>
+            <a:off x="8959930" y="3093346"/>
+            <a:ext cx="536494" cy="1347333"/>
+          </a:xfrm>
+          <a:prstGeom prst="rect">
+            <a:avLst/>
+          </a:prstGeom>
+        </p:spPr>
+      </p:pic>
+      <p:cxnSp>
+        <p:nvCxnSpPr>
+          <p:cNvPr id="21" name="Straight Arrow Connector 20">
+            <a:extLst>
+              <a:ext uri="{FF2B5EF4-FFF2-40B4-BE49-F238E27FC236}">
+                <a16:creationId xmlns:a16="http://schemas.microsoft.com/office/drawing/2014/main" id="{D22A36C8-6F84-4DA1-A089-81425E6A7B60}"/>
+              </a:ext>
+            </a:extLst>
+          </p:cNvPr>
+          <p:cNvCxnSpPr>
+            <a:cxnSpLocks/>
+          </p:cNvCxnSpPr>
+          <p:nvPr/>
+        </p:nvCxnSpPr>
+        <p:spPr>
+          <a:xfrm>
+            <a:off x="4494276" y="4718050"/>
+            <a:ext cx="2961313" cy="0"/>
+          </a:xfrm>
+          <a:prstGeom prst="straightConnector1">
+            <a:avLst/>
+          </a:prstGeom>
+          <a:ln w="25400">
+            <a:solidFill>
+              <a:schemeClr val="tx1"/>
+            </a:solidFill>
+            <a:headEnd w="lg" len="med"/>
+            <a:tailEnd type="arrow" w="lg" len="lg"/>
+          </a:ln>
+        </p:spPr>
+        <p:style>
+          <a:lnRef idx="1">
+            <a:schemeClr val="accent1"/>
+          </a:lnRef>
+          <a:fillRef idx="0">
+            <a:schemeClr val="accent1"/>
+          </a:fillRef>
+          <a:effectRef idx="0">
+            <a:schemeClr val="accent1"/>
+          </a:effectRef>
+          <a:fontRef idx="minor">
+            <a:schemeClr val="tx1"/>
+          </a:fontRef>
+        </p:style>
+      </p:cxnSp>
+    </p:spTree>
+    <p:extLst>
+      <p:ext uri="{BB962C8B-B14F-4D97-AF65-F5344CB8AC3E}">
+        <p14:creationId xmlns:p14="http://schemas.microsoft.com/office/powerpoint/2010/main" val="2621100798"/>
+      </p:ext>
+    </p:extLst>
+  </p:cSld>
+  <p:clrMapOvr>
+    <a:masterClrMapping/>
+  </p:clrMapOvr>
+</p:sld>
+</file>
+
+<file path=ppt/slides/slide9.xml><?xml version="1.0" encoding="utf-8"?>
+<p:sld xmlns:a="http://schemas.openxmlformats.org/drawingml/2006/main" xmlns:r="http://schemas.openxmlformats.org/officeDocument/2006/relationships" xmlns:p="http://schemas.openxmlformats.org/presentationml/2006/main">
+  <p:cSld>
+    <p:spTree>
+      <p:nvGrpSpPr>
+        <p:cNvPr id="1" name=""/>
+        <p:cNvGrpSpPr/>
+        <p:nvPr/>
+      </p:nvGrpSpPr>
+      <p:grpSpPr>
+        <a:xfrm>
+          <a:off x="0" y="0"/>
+          <a:ext cx="0" cy="0"/>
+          <a:chOff x="0" y="0"/>
+          <a:chExt cx="0" cy="0"/>
+        </a:xfrm>
+      </p:grpSpPr>
+      <p:sp>
+        <p:nvSpPr>
+          <p:cNvPr id="4" name="Rectangle 3">
+            <a:extLst>
+              <a:ext uri="{FF2B5EF4-FFF2-40B4-BE49-F238E27FC236}">
+                <a16:creationId xmlns:a16="http://schemas.microsoft.com/office/drawing/2014/main" id="{380FFD06-977A-469E-9A6E-FDBB0B1D50BA}"/>
+              </a:ext>
+            </a:extLst>
+          </p:cNvPr>
+          <p:cNvSpPr/>
+          <p:nvPr/>
+        </p:nvSpPr>
+        <p:spPr>
+          <a:xfrm>
+            <a:off x="3923602" y="909071"/>
+            <a:ext cx="1269184" cy="483502"/>
+          </a:xfrm>
+          <a:prstGeom prst="rect">
+            <a:avLst/>
+          </a:prstGeom>
+          <a:solidFill>
+            <a:srgbClr val="CCCCFF"/>
+          </a:solidFill>
+          <a:ln w="25400">
+            <a:solidFill>
+              <a:srgbClr val="9464B7"/>
+            </a:solidFill>
+          </a:ln>
+        </p:spPr>
+        <p:style>
+          <a:lnRef idx="2">
+            <a:schemeClr val="accent1">
+              <a:shade val="50000"/>
+            </a:schemeClr>
+          </a:lnRef>
+          <a:fillRef idx="1">
+            <a:schemeClr val="accent1"/>
+          </a:fillRef>
+          <a:effectRef idx="0">
+            <a:schemeClr val="accent1"/>
+          </a:effectRef>
+          <a:fontRef idx="minor">
+            <a:schemeClr val="lt1"/>
+          </a:fontRef>
+        </p:style>
+        <p:txBody>
+          <a:bodyPr rtlCol="0" anchor="ctr"/>
+          <a:lstStyle/>
+          <a:p>
+            <a:pPr algn="ctr"/>
+            <a:r>
+              <a:rPr lang="en-MY" sz="1200" dirty="0">
+                <a:solidFill>
+                  <a:schemeClr val="tx1"/>
+                </a:solidFill>
+                <a:latin typeface="Arial" panose="020B0604020202020204" pitchFamily="34" charset="0"/>
+                <a:cs typeface="Arial" panose="020B0604020202020204" pitchFamily="34" charset="0"/>
+              </a:rPr>
+              <a:t>ModuleList</a:t>
+            </a:r>
+          </a:p>
+        </p:txBody>
+      </p:sp>
+      <p:sp>
+        <p:nvSpPr>
+          <p:cNvPr id="5" name="Rectangle 4">
+            <a:extLst>
+              <a:ext uri="{FF2B5EF4-FFF2-40B4-BE49-F238E27FC236}">
+                <a16:creationId xmlns:a16="http://schemas.microsoft.com/office/drawing/2014/main" id="{4A057330-F96C-4A6A-9BE1-ECE199C559FF}"/>
+              </a:ext>
+            </a:extLst>
+          </p:cNvPr>
+          <p:cNvSpPr/>
+          <p:nvPr/>
+        </p:nvSpPr>
+        <p:spPr>
+          <a:xfrm>
+            <a:off x="3923602" y="2277875"/>
+            <a:ext cx="1269184" cy="483502"/>
+          </a:xfrm>
+          <a:prstGeom prst="rect">
+            <a:avLst/>
+          </a:prstGeom>
+          <a:solidFill>
+            <a:srgbClr val="CCCCFF"/>
+          </a:solidFill>
+          <a:ln w="25400">
+            <a:solidFill>
+              <a:srgbClr val="9464B7"/>
+            </a:solidFill>
+          </a:ln>
+        </p:spPr>
+        <p:style>
+          <a:lnRef idx="2">
+            <a:schemeClr val="accent1">
+              <a:shade val="50000"/>
+            </a:schemeClr>
+          </a:lnRef>
+          <a:fillRef idx="1">
+            <a:schemeClr val="accent1"/>
+          </a:fillRef>
+          <a:effectRef idx="0">
+            <a:schemeClr val="accent1"/>
+          </a:effectRef>
+          <a:fontRef idx="minor">
+            <a:schemeClr val="lt1"/>
+          </a:fontRef>
+        </p:style>
+        <p:txBody>
+          <a:bodyPr rtlCol="0" anchor="ctr"/>
+          <a:lstStyle/>
+          <a:p>
+            <a:pPr algn="ctr"/>
+            <a:r>
+              <a:rPr lang="en-MY" sz="1200" dirty="0">
+                <a:solidFill>
+                  <a:schemeClr val="tx1"/>
+                </a:solidFill>
+                <a:latin typeface="Arial" panose="020B0604020202020204" pitchFamily="34" charset="0"/>
+                <a:cs typeface="Arial" panose="020B0604020202020204" pitchFamily="34" charset="0"/>
+              </a:rPr>
+              <a:t>Module</a:t>
+            </a:r>
+          </a:p>
+        </p:txBody>
+      </p:sp>
+      <p:sp>
+        <p:nvSpPr>
+          <p:cNvPr id="6" name="Rectangle 5">
+            <a:extLst>
+              <a:ext uri="{FF2B5EF4-FFF2-40B4-BE49-F238E27FC236}">
+                <a16:creationId xmlns:a16="http://schemas.microsoft.com/office/drawing/2014/main" id="{7A6251AA-9881-4B1B-A5EF-C4D62B140B77}"/>
+              </a:ext>
+            </a:extLst>
+          </p:cNvPr>
+          <p:cNvSpPr/>
+          <p:nvPr/>
+        </p:nvSpPr>
+        <p:spPr>
+          <a:xfrm>
+            <a:off x="5040227" y="4009506"/>
+            <a:ext cx="1269184" cy="483502"/>
+          </a:xfrm>
+          <a:prstGeom prst="rect">
+            <a:avLst/>
+          </a:prstGeom>
+          <a:solidFill>
+            <a:srgbClr val="CCCCFF"/>
+          </a:solidFill>
+          <a:ln w="25400">
+            <a:solidFill>
+              <a:srgbClr val="9464B7"/>
+            </a:solidFill>
+          </a:ln>
+        </p:spPr>
+        <p:style>
+          <a:lnRef idx="2">
+            <a:schemeClr val="accent1">
+              <a:shade val="50000"/>
+            </a:schemeClr>
+          </a:lnRef>
+          <a:fillRef idx="1">
+            <a:schemeClr val="accent1"/>
+          </a:fillRef>
+          <a:effectRef idx="0">
+            <a:schemeClr val="accent1"/>
+          </a:effectRef>
+          <a:fontRef idx="minor">
+            <a:schemeClr val="lt1"/>
+          </a:fontRef>
+        </p:style>
+        <p:txBody>
+          <a:bodyPr rtlCol="0" anchor="ctr"/>
+          <a:lstStyle/>
+          <a:p>
+            <a:pPr algn="ctr"/>
+            <a:r>
+              <a:rPr lang="en-MY" sz="1200" dirty="0">
+                <a:solidFill>
+                  <a:schemeClr val="tx1"/>
+                </a:solidFill>
+                <a:latin typeface="Arial" panose="020B0604020202020204" pitchFamily="34" charset="0"/>
+                <a:cs typeface="Arial" panose="020B0604020202020204" pitchFamily="34" charset="0"/>
+              </a:rPr>
+              <a:t>Task</a:t>
+            </a:r>
+          </a:p>
+        </p:txBody>
+      </p:sp>
+      <p:sp>
+        <p:nvSpPr>
+          <p:cNvPr id="7" name="Rectangle 6">
+            <a:extLst>
+              <a:ext uri="{FF2B5EF4-FFF2-40B4-BE49-F238E27FC236}">
+                <a16:creationId xmlns:a16="http://schemas.microsoft.com/office/drawing/2014/main" id="{5071C4AA-DC73-476A-B9FA-4E5B9CEEDE00}"/>
+              </a:ext>
+            </a:extLst>
+          </p:cNvPr>
+          <p:cNvSpPr/>
+          <p:nvPr/>
+        </p:nvSpPr>
+        <p:spPr>
+          <a:xfrm>
+            <a:off x="2664071" y="4005003"/>
+            <a:ext cx="1269184" cy="483502"/>
+          </a:xfrm>
+          <a:prstGeom prst="rect">
+            <a:avLst/>
+          </a:prstGeom>
+          <a:solidFill>
+            <a:srgbClr val="CCCCFF"/>
+          </a:solidFill>
+          <a:ln w="25400">
+            <a:solidFill>
+              <a:srgbClr val="9464B7"/>
+            </a:solidFill>
+          </a:ln>
+        </p:spPr>
+        <p:style>
+          <a:lnRef idx="2">
+            <a:schemeClr val="accent1">
+              <a:shade val="50000"/>
+            </a:schemeClr>
+          </a:lnRef>
+          <a:fillRef idx="1">
+            <a:schemeClr val="accent1"/>
+          </a:fillRef>
+          <a:effectRef idx="0">
+            <a:schemeClr val="accent1"/>
+          </a:effectRef>
+          <a:fontRef idx="minor">
+            <a:schemeClr val="lt1"/>
+          </a:fontRef>
+        </p:style>
+        <p:txBody>
+          <a:bodyPr rtlCol="0" anchor="ctr"/>
+          <a:lstStyle/>
+          <a:p>
+            <a:pPr algn="ctr"/>
+            <a:r>
+              <a:rPr lang="en-MY" sz="1200" dirty="0">
+                <a:solidFill>
+                  <a:schemeClr val="tx1"/>
+                </a:solidFill>
+                <a:latin typeface="Arial" panose="020B0604020202020204" pitchFamily="34" charset="0"/>
+                <a:cs typeface="Arial" panose="020B0604020202020204" pitchFamily="34" charset="0"/>
+              </a:rPr>
+              <a:t>Lesson</a:t>
+            </a:r>
+          </a:p>
+        </p:txBody>
+      </p:sp>
+      <p:sp>
+        <p:nvSpPr>
+          <p:cNvPr id="8" name="Rectangle 7">
+            <a:extLst>
+              <a:ext uri="{FF2B5EF4-FFF2-40B4-BE49-F238E27FC236}">
+                <a16:creationId xmlns:a16="http://schemas.microsoft.com/office/drawing/2014/main" id="{21FCA15F-6A78-4CA6-A870-DD1CE047FB67}"/>
+              </a:ext>
+            </a:extLst>
+          </p:cNvPr>
+          <p:cNvSpPr/>
+          <p:nvPr/>
+        </p:nvSpPr>
+        <p:spPr>
+          <a:xfrm>
+            <a:off x="2664071" y="5285163"/>
+            <a:ext cx="1269184" cy="483502"/>
+          </a:xfrm>
+          <a:prstGeom prst="rect">
+            <a:avLst/>
+          </a:prstGeom>
+          <a:solidFill>
+            <a:srgbClr val="CCCCFF"/>
+          </a:solidFill>
+          <a:ln w="25400">
+            <a:solidFill>
+              <a:srgbClr val="9464B7"/>
+            </a:solidFill>
+          </a:ln>
+        </p:spPr>
+        <p:style>
+          <a:lnRef idx="2">
+            <a:schemeClr val="accent1">
+              <a:shade val="50000"/>
+            </a:schemeClr>
+          </a:lnRef>
+          <a:fillRef idx="1">
+            <a:schemeClr val="accent1"/>
+          </a:fillRef>
+          <a:effectRef idx="0">
+            <a:schemeClr val="accent1"/>
+          </a:effectRef>
+          <a:fontRef idx="minor">
+            <a:schemeClr val="lt1"/>
+          </a:fontRef>
+        </p:style>
+        <p:txBody>
+          <a:bodyPr rtlCol="0" anchor="ctr"/>
+          <a:lstStyle/>
+          <a:p>
+            <a:pPr algn="ctr"/>
+            <a:r>
+              <a:rPr lang="en-MY" sz="1200" dirty="0">
+                <a:solidFill>
+                  <a:schemeClr val="tx1"/>
+                </a:solidFill>
+                <a:latin typeface="Arial" panose="020B0604020202020204" pitchFamily="34" charset="0"/>
+                <a:cs typeface="Arial" panose="020B0604020202020204" pitchFamily="34" charset="0"/>
+              </a:rPr>
+              <a:t>TeachingStaff</a:t>
+            </a:r>
+          </a:p>
+        </p:txBody>
+      </p:sp>
+      <p:sp>
+        <p:nvSpPr>
+          <p:cNvPr id="9" name="Rectangle 8">
+            <a:extLst>
+              <a:ext uri="{FF2B5EF4-FFF2-40B4-BE49-F238E27FC236}">
+                <a16:creationId xmlns:a16="http://schemas.microsoft.com/office/drawing/2014/main" id="{7E18CEDB-542E-4534-BF0F-03E2F2782603}"/>
+              </a:ext>
+            </a:extLst>
+          </p:cNvPr>
+          <p:cNvSpPr/>
+          <p:nvPr/>
+        </p:nvSpPr>
+        <p:spPr>
+          <a:xfrm>
+            <a:off x="964029" y="2761376"/>
+            <a:ext cx="1472967" cy="588099"/>
+          </a:xfrm>
+          <a:prstGeom prst="rect">
+            <a:avLst/>
+          </a:prstGeom>
+          <a:solidFill>
+            <a:srgbClr val="CCCCFF"/>
+          </a:solidFill>
+          <a:ln w="25400">
+            <a:solidFill>
+              <a:srgbClr val="9464B7"/>
+            </a:solidFill>
+          </a:ln>
+        </p:spPr>
+        <p:style>
+          <a:lnRef idx="2">
+            <a:schemeClr val="accent1">
+              <a:shade val="50000"/>
+            </a:schemeClr>
+          </a:lnRef>
+          <a:fillRef idx="1">
+            <a:schemeClr val="accent1"/>
+          </a:fillRef>
+          <a:effectRef idx="0">
+            <a:schemeClr val="accent1"/>
+          </a:effectRef>
+          <a:fontRef idx="minor">
+            <a:schemeClr val="lt1"/>
+          </a:fontRef>
+        </p:style>
+        <p:txBody>
+          <a:bodyPr rtlCol="0" anchor="ctr"/>
+          <a:lstStyle/>
+          <a:p>
+            <a:pPr algn="ctr"/>
+            <a:r>
+              <a:rPr lang="en-MY" sz="1200" dirty="0">
+                <a:solidFill>
+                  <a:schemeClr val="tx1"/>
+                </a:solidFill>
+                <a:latin typeface="Arial" panose="020B0604020202020204" pitchFamily="34" charset="0"/>
+                <a:cs typeface="Arial" panose="020B0604020202020204" pitchFamily="34" charset="0"/>
+              </a:rPr>
+              <a:t>&lt;&lt;enumeration&gt;&gt;</a:t>
+            </a:r>
+          </a:p>
+          <a:p>
+            <a:pPr algn="ctr"/>
+            <a:r>
+              <a:rPr lang="en-MY" sz="1200" dirty="0">
+                <a:solidFill>
+                  <a:schemeClr val="tx1"/>
+                </a:solidFill>
+                <a:latin typeface="Arial" panose="020B0604020202020204" pitchFamily="34" charset="0"/>
+                <a:cs typeface="Arial" panose="020B0604020202020204" pitchFamily="34" charset="0"/>
+              </a:rPr>
+              <a:t>LessonType</a:t>
+            </a:r>
+          </a:p>
+        </p:txBody>
+      </p:sp>
+      <p:cxnSp>
+        <p:nvCxnSpPr>
+          <p:cNvPr id="10" name="Straight Arrow Connector 9">
+            <a:extLst>
+              <a:ext uri="{FF2B5EF4-FFF2-40B4-BE49-F238E27FC236}">
+                <a16:creationId xmlns:a16="http://schemas.microsoft.com/office/drawing/2014/main" id="{BB4F40B4-7AC6-4C17-BD36-D1ED24C49D84}"/>
+              </a:ext>
+            </a:extLst>
+          </p:cNvPr>
+          <p:cNvCxnSpPr>
+            <a:cxnSpLocks/>
+            <a:stCxn id="4" idx="2"/>
+            <a:endCxn id="5" idx="0"/>
+          </p:cNvCxnSpPr>
+          <p:nvPr/>
+        </p:nvCxnSpPr>
+        <p:spPr>
+          <a:xfrm>
+            <a:off x="4558194" y="1392573"/>
+            <a:ext cx="0" cy="885302"/>
+          </a:xfrm>
+          <a:prstGeom prst="straightConnector1">
+            <a:avLst/>
+          </a:prstGeom>
+          <a:ln w="25400">
+            <a:solidFill>
+              <a:srgbClr val="895AB7"/>
+            </a:solidFill>
+            <a:tailEnd type="arrow" w="lg" len="lg"/>
+          </a:ln>
+        </p:spPr>
+        <p:style>
+          <a:lnRef idx="1">
+            <a:schemeClr val="accent1"/>
+          </a:lnRef>
+          <a:fillRef idx="0">
+            <a:schemeClr val="accent1"/>
+          </a:fillRef>
+          <a:effectRef idx="0">
+            <a:schemeClr val="accent1"/>
+          </a:effectRef>
+          <a:fontRef idx="minor">
+            <a:schemeClr val="tx1"/>
+          </a:fontRef>
+        </p:style>
+      </p:cxnSp>
+      <p:sp>
+        <p:nvSpPr>
+          <p:cNvPr id="17" name="Rectangle 16">
+            <a:extLst>
+              <a:ext uri="{FF2B5EF4-FFF2-40B4-BE49-F238E27FC236}">
+                <a16:creationId xmlns:a16="http://schemas.microsoft.com/office/drawing/2014/main" id="{8EBD1069-AB94-4043-BC1F-210D55950DB3}"/>
+              </a:ext>
+            </a:extLst>
+          </p:cNvPr>
+          <p:cNvSpPr>
+            <a:spLocks noChangeAspect="1"/>
+          </p:cNvSpPr>
+          <p:nvPr/>
+        </p:nvSpPr>
+        <p:spPr>
+          <a:xfrm rot="18763772">
+            <a:off x="4490801" y="1418425"/>
+            <a:ext cx="134786" cy="134786"/>
+          </a:xfrm>
+          <a:prstGeom prst="rect">
+            <a:avLst/>
+          </a:prstGeom>
+          <a:solidFill>
+            <a:srgbClr val="895AB7"/>
+          </a:solidFill>
+          <a:ln>
+            <a:noFill/>
+          </a:ln>
+        </p:spPr>
+        <p:style>
+          <a:lnRef idx="2">
+            <a:schemeClr val="accent1">
+              <a:shade val="50000"/>
+            </a:schemeClr>
+          </a:lnRef>
+          <a:fillRef idx="1">
+            <a:schemeClr val="accent1"/>
+          </a:fillRef>
+          <a:effectRef idx="0">
+            <a:schemeClr val="accent1"/>
+          </a:effectRef>
+          <a:fontRef idx="minor">
+            <a:schemeClr val="lt1"/>
+          </a:fontRef>
+        </p:style>
+        <p:txBody>
+          <a:bodyPr rtlCol="0" anchor="ctr"/>
+          <a:lstStyle/>
+          <a:p>
+            <a:pPr algn="ctr"/>
+            <a:endParaRPr lang="en-MY"/>
+          </a:p>
+        </p:txBody>
+      </p:sp>
+      <p:sp>
+        <p:nvSpPr>
+          <p:cNvPr id="18" name="TextBox 17">
+            <a:extLst>
+              <a:ext uri="{FF2B5EF4-FFF2-40B4-BE49-F238E27FC236}">
+                <a16:creationId xmlns:a16="http://schemas.microsoft.com/office/drawing/2014/main" id="{E213964C-E4BA-48FE-A0CA-71993BD078BF}"/>
+              </a:ext>
+            </a:extLst>
+          </p:cNvPr>
+          <p:cNvSpPr txBox="1"/>
+          <p:nvPr/>
+        </p:nvSpPr>
+        <p:spPr>
+          <a:xfrm>
+            <a:off x="4651155" y="1442039"/>
+            <a:ext cx="302118" cy="261610"/>
+          </a:xfrm>
+          <a:prstGeom prst="rect">
+            <a:avLst/>
+          </a:prstGeom>
+          <a:noFill/>
+        </p:spPr>
+        <p:txBody>
+          <a:bodyPr wrap="square" rtlCol="0">
+            <a:spAutoFit/>
+          </a:bodyPr>
+          <a:lstStyle/>
+          <a:p>
+            <a:r>
+              <a:rPr lang="en-MY" sz="1100" dirty="0">
+                <a:latin typeface="Arial" panose="020B0604020202020204" pitchFamily="34" charset="0"/>
+                <a:cs typeface="Arial" panose="020B0604020202020204" pitchFamily="34" charset="0"/>
+              </a:rPr>
+              <a:t>1</a:t>
+            </a:r>
+          </a:p>
+        </p:txBody>
+      </p:sp>
+      <p:sp>
+        <p:nvSpPr>
+          <p:cNvPr id="19" name="TextBox 18">
+            <a:extLst>
+              <a:ext uri="{FF2B5EF4-FFF2-40B4-BE49-F238E27FC236}">
+                <a16:creationId xmlns:a16="http://schemas.microsoft.com/office/drawing/2014/main" id="{A78D72FD-24CF-4B88-8209-6DE4FA633B20}"/>
+              </a:ext>
+            </a:extLst>
+          </p:cNvPr>
+          <p:cNvSpPr txBox="1"/>
+          <p:nvPr/>
+        </p:nvSpPr>
+        <p:spPr>
+          <a:xfrm>
+            <a:off x="4654562" y="1995750"/>
+            <a:ext cx="392759" cy="261610"/>
+          </a:xfrm>
+          <a:prstGeom prst="rect">
+            <a:avLst/>
+          </a:prstGeom>
+          <a:noFill/>
+        </p:spPr>
+        <p:txBody>
+          <a:bodyPr wrap="square" rtlCol="0">
+            <a:spAutoFit/>
+          </a:bodyPr>
+          <a:lstStyle/>
+          <a:p>
+            <a:r>
+              <a:rPr lang="en-MY" sz="1100" dirty="0">
+                <a:latin typeface="Arial" panose="020B0604020202020204" pitchFamily="34" charset="0"/>
+                <a:cs typeface="Arial" panose="020B0604020202020204" pitchFamily="34" charset="0"/>
+              </a:rPr>
+              <a:t>*</a:t>
+            </a:r>
+          </a:p>
+        </p:txBody>
+      </p:sp>
+      <p:sp>
+        <p:nvSpPr>
+          <p:cNvPr id="22" name="Rectangle 21">
+            <a:extLst>
+              <a:ext uri="{FF2B5EF4-FFF2-40B4-BE49-F238E27FC236}">
+                <a16:creationId xmlns:a16="http://schemas.microsoft.com/office/drawing/2014/main" id="{1FA96E91-1F87-4D7E-835D-FEBAEEF8D1C0}"/>
+              </a:ext>
+            </a:extLst>
+          </p:cNvPr>
+          <p:cNvSpPr>
+            <a:spLocks noChangeAspect="1"/>
+          </p:cNvSpPr>
+          <p:nvPr/>
+        </p:nvSpPr>
+        <p:spPr>
+          <a:xfrm rot="18763772">
+            <a:off x="4195270" y="2789217"/>
+            <a:ext cx="134786" cy="134786"/>
+          </a:xfrm>
+          <a:prstGeom prst="rect">
+            <a:avLst/>
+          </a:prstGeom>
+          <a:solidFill>
+            <a:srgbClr val="895AB7"/>
+          </a:solidFill>
+          <a:ln>
+            <a:noFill/>
+          </a:ln>
+        </p:spPr>
+        <p:style>
+          <a:lnRef idx="2">
+            <a:schemeClr val="accent1">
+              <a:shade val="50000"/>
+            </a:schemeClr>
+          </a:lnRef>
+          <a:fillRef idx="1">
+            <a:schemeClr val="accent1"/>
+          </a:fillRef>
+          <a:effectRef idx="0">
+            <a:schemeClr val="accent1"/>
+          </a:effectRef>
+          <a:fontRef idx="minor">
+            <a:schemeClr val="lt1"/>
+          </a:fontRef>
+        </p:style>
+        <p:txBody>
+          <a:bodyPr rtlCol="0" anchor="ctr"/>
+          <a:lstStyle/>
+          <a:p>
+            <a:pPr algn="ctr"/>
+            <a:endParaRPr lang="en-MY"/>
+          </a:p>
+        </p:txBody>
+      </p:sp>
+      <p:cxnSp>
+        <p:nvCxnSpPr>
+          <p:cNvPr id="42" name="Connector: Elbow 41">
+            <a:extLst>
+              <a:ext uri="{FF2B5EF4-FFF2-40B4-BE49-F238E27FC236}">
+                <a16:creationId xmlns:a16="http://schemas.microsoft.com/office/drawing/2014/main" id="{B204CDB6-6C0C-4C27-A2BC-C2F3AE96E9F7}"/>
+              </a:ext>
+            </a:extLst>
+          </p:cNvPr>
+          <p:cNvCxnSpPr>
+            <a:cxnSpLocks/>
+            <a:endCxn id="7" idx="0"/>
+          </p:cNvCxnSpPr>
+          <p:nvPr/>
+        </p:nvCxnSpPr>
+        <p:spPr>
+          <a:xfrm rot="5400000">
+            <a:off x="3166025" y="2908364"/>
+            <a:ext cx="1229278" cy="964001"/>
+          </a:xfrm>
+          <a:prstGeom prst="bentConnector3">
+            <a:avLst>
+              <a:gd name="adj1" fmla="val 50000"/>
+            </a:avLst>
+          </a:prstGeom>
+          <a:ln w="25400">
+            <a:solidFill>
+              <a:srgbClr val="895AB7"/>
+            </a:solidFill>
+            <a:tailEnd type="arrow" w="lg" len="lg"/>
+          </a:ln>
+        </p:spPr>
+        <p:style>
+          <a:lnRef idx="1">
+            <a:schemeClr val="accent1"/>
+          </a:lnRef>
+          <a:fillRef idx="0">
+            <a:schemeClr val="accent1"/>
+          </a:fillRef>
+          <a:effectRef idx="0">
+            <a:schemeClr val="accent1"/>
+          </a:effectRef>
+          <a:fontRef idx="minor">
+            <a:schemeClr val="tx1"/>
+          </a:fontRef>
+        </p:style>
+      </p:cxnSp>
+      <p:sp>
+        <p:nvSpPr>
+          <p:cNvPr id="47" name="TextBox 46">
+            <a:extLst>
+              <a:ext uri="{FF2B5EF4-FFF2-40B4-BE49-F238E27FC236}">
+                <a16:creationId xmlns:a16="http://schemas.microsoft.com/office/drawing/2014/main" id="{05636175-0FEF-4CCE-88A3-D4A893EB6907}"/>
+              </a:ext>
+            </a:extLst>
+          </p:cNvPr>
+          <p:cNvSpPr txBox="1"/>
+          <p:nvPr/>
+        </p:nvSpPr>
+        <p:spPr>
+          <a:xfrm>
+            <a:off x="4249295" y="2799859"/>
+            <a:ext cx="302118" cy="261610"/>
+          </a:xfrm>
+          <a:prstGeom prst="rect">
+            <a:avLst/>
+          </a:prstGeom>
+          <a:noFill/>
+        </p:spPr>
+        <p:txBody>
+          <a:bodyPr wrap="square" rtlCol="0">
+            <a:spAutoFit/>
+          </a:bodyPr>
+          <a:lstStyle/>
+          <a:p>
+            <a:r>
+              <a:rPr lang="en-MY" sz="1100" dirty="0">
+                <a:latin typeface="Arial" panose="020B0604020202020204" pitchFamily="34" charset="0"/>
+                <a:cs typeface="Arial" panose="020B0604020202020204" pitchFamily="34" charset="0"/>
+              </a:rPr>
+              <a:t>1</a:t>
+            </a:r>
+          </a:p>
+        </p:txBody>
+      </p:sp>
+      <p:sp>
+        <p:nvSpPr>
+          <p:cNvPr id="48" name="TextBox 47">
+            <a:extLst>
+              <a:ext uri="{FF2B5EF4-FFF2-40B4-BE49-F238E27FC236}">
+                <a16:creationId xmlns:a16="http://schemas.microsoft.com/office/drawing/2014/main" id="{855CFC27-22E0-432B-B555-9D12C9A064C1}"/>
+              </a:ext>
+            </a:extLst>
+          </p:cNvPr>
+          <p:cNvSpPr txBox="1"/>
+          <p:nvPr/>
+        </p:nvSpPr>
+        <p:spPr>
+          <a:xfrm>
+            <a:off x="2966189" y="3645404"/>
+            <a:ext cx="284736" cy="261610"/>
+          </a:xfrm>
+          <a:prstGeom prst="rect">
+            <a:avLst/>
+          </a:prstGeom>
+          <a:noFill/>
+        </p:spPr>
+        <p:txBody>
+          <a:bodyPr wrap="square" rtlCol="0">
+            <a:spAutoFit/>
+          </a:bodyPr>
+          <a:lstStyle/>
+          <a:p>
+            <a:pPr algn="ctr"/>
+            <a:r>
+              <a:rPr lang="en-MY" sz="1100" dirty="0">
+                <a:latin typeface="Arial" panose="020B0604020202020204" pitchFamily="34" charset="0"/>
+                <a:cs typeface="Arial" panose="020B0604020202020204" pitchFamily="34" charset="0"/>
+              </a:rPr>
+              <a:t>*</a:t>
+            </a:r>
+          </a:p>
+        </p:txBody>
+      </p:sp>
+      <p:cxnSp>
+        <p:nvCxnSpPr>
+          <p:cNvPr id="49" name="Connector: Elbow 48">
+            <a:extLst>
+              <a:ext uri="{FF2B5EF4-FFF2-40B4-BE49-F238E27FC236}">
+                <a16:creationId xmlns:a16="http://schemas.microsoft.com/office/drawing/2014/main" id="{10163BDC-A3DF-49D0-BF4E-8F7D4D3C6722}"/>
+              </a:ext>
+            </a:extLst>
+          </p:cNvPr>
+          <p:cNvCxnSpPr>
+            <a:cxnSpLocks/>
+            <a:endCxn id="6" idx="0"/>
+          </p:cNvCxnSpPr>
+          <p:nvPr/>
+        </p:nvCxnSpPr>
+        <p:spPr>
+          <a:xfrm rot="16200000" flipH="1">
+            <a:off x="4669147" y="3003833"/>
+            <a:ext cx="1233781" cy="777563"/>
+          </a:xfrm>
+          <a:prstGeom prst="bentConnector3">
+            <a:avLst>
+              <a:gd name="adj1" fmla="val 50000"/>
+            </a:avLst>
+          </a:prstGeom>
+          <a:ln w="25400">
+            <a:solidFill>
+              <a:srgbClr val="895AB7"/>
+            </a:solidFill>
+            <a:tailEnd type="arrow" w="lg" len="lg"/>
+          </a:ln>
+        </p:spPr>
+        <p:style>
+          <a:lnRef idx="1">
+            <a:schemeClr val="accent1"/>
+          </a:lnRef>
+          <a:fillRef idx="0">
+            <a:schemeClr val="accent1"/>
+          </a:fillRef>
+          <a:effectRef idx="0">
+            <a:schemeClr val="accent1"/>
+          </a:effectRef>
+          <a:fontRef idx="minor">
+            <a:schemeClr val="tx1"/>
+          </a:fontRef>
+        </p:style>
+      </p:cxnSp>
+      <p:sp>
+        <p:nvSpPr>
+          <p:cNvPr id="56" name="TextBox 55">
+            <a:extLst>
+              <a:ext uri="{FF2B5EF4-FFF2-40B4-BE49-F238E27FC236}">
+                <a16:creationId xmlns:a16="http://schemas.microsoft.com/office/drawing/2014/main" id="{EFECC81D-0829-40B7-A3AC-FE7325A1F5BE}"/>
+              </a:ext>
+            </a:extLst>
+          </p:cNvPr>
+          <p:cNvSpPr txBox="1"/>
+          <p:nvPr/>
+        </p:nvSpPr>
+        <p:spPr>
+          <a:xfrm>
+            <a:off x="5703241" y="3645404"/>
+            <a:ext cx="392759" cy="261610"/>
+          </a:xfrm>
+          <a:prstGeom prst="rect">
+            <a:avLst/>
+          </a:prstGeom>
+          <a:noFill/>
+        </p:spPr>
+        <p:txBody>
+          <a:bodyPr wrap="square" rtlCol="0">
+            <a:spAutoFit/>
+          </a:bodyPr>
+          <a:lstStyle/>
+          <a:p>
+            <a:pPr algn="ctr"/>
+            <a:r>
+              <a:rPr lang="en-MY" sz="1100" dirty="0">
+                <a:latin typeface="Arial" panose="020B0604020202020204" pitchFamily="34" charset="0"/>
+                <a:cs typeface="Arial" panose="020B0604020202020204" pitchFamily="34" charset="0"/>
+              </a:rPr>
+              <a:t>*</a:t>
+            </a:r>
+          </a:p>
+        </p:txBody>
+      </p:sp>
+      <p:cxnSp>
+        <p:nvCxnSpPr>
+          <p:cNvPr id="57" name="Straight Arrow Connector 56">
+            <a:extLst>
+              <a:ext uri="{FF2B5EF4-FFF2-40B4-BE49-F238E27FC236}">
+                <a16:creationId xmlns:a16="http://schemas.microsoft.com/office/drawing/2014/main" id="{43C8B31D-4C3F-4E6A-B0D7-B6E00F7F9012}"/>
+              </a:ext>
+            </a:extLst>
+          </p:cNvPr>
+          <p:cNvCxnSpPr>
+            <a:cxnSpLocks/>
+            <a:stCxn id="7" idx="2"/>
+            <a:endCxn id="8" idx="0"/>
+          </p:cNvCxnSpPr>
+          <p:nvPr/>
+        </p:nvCxnSpPr>
+        <p:spPr>
+          <a:xfrm>
+            <a:off x="3298663" y="4488505"/>
+            <a:ext cx="0" cy="796658"/>
+          </a:xfrm>
+          <a:prstGeom prst="straightConnector1">
+            <a:avLst/>
+          </a:prstGeom>
+          <a:ln w="25400">
+            <a:solidFill>
+              <a:srgbClr val="895AB7"/>
+            </a:solidFill>
+            <a:tailEnd type="arrow" w="lg" len="lg"/>
+          </a:ln>
+        </p:spPr>
+        <p:style>
+          <a:lnRef idx="1">
+            <a:schemeClr val="accent1"/>
+          </a:lnRef>
+          <a:fillRef idx="0">
+            <a:schemeClr val="accent1"/>
+          </a:fillRef>
+          <a:effectRef idx="0">
+            <a:schemeClr val="accent1"/>
+          </a:effectRef>
+          <a:fontRef idx="minor">
+            <a:schemeClr val="tx1"/>
+          </a:fontRef>
+        </p:style>
+      </p:cxnSp>
+      <p:sp>
+        <p:nvSpPr>
+          <p:cNvPr id="58" name="Rectangle 57">
+            <a:extLst>
+              <a:ext uri="{FF2B5EF4-FFF2-40B4-BE49-F238E27FC236}">
+                <a16:creationId xmlns:a16="http://schemas.microsoft.com/office/drawing/2014/main" id="{25932359-50C7-49C8-8CED-146A26B26F98}"/>
+              </a:ext>
+            </a:extLst>
+          </p:cNvPr>
+          <p:cNvSpPr>
+            <a:spLocks noChangeAspect="1"/>
+          </p:cNvSpPr>
+          <p:nvPr/>
+        </p:nvSpPr>
+        <p:spPr>
+          <a:xfrm rot="18763772">
+            <a:off x="3231269" y="4516344"/>
+            <a:ext cx="134786" cy="134786"/>
+          </a:xfrm>
+          <a:prstGeom prst="rect">
+            <a:avLst/>
+          </a:prstGeom>
+          <a:solidFill>
+            <a:srgbClr val="895AB7"/>
+          </a:solidFill>
+          <a:ln>
+            <a:noFill/>
+          </a:ln>
+        </p:spPr>
+        <p:style>
+          <a:lnRef idx="2">
+            <a:schemeClr val="accent1">
+              <a:shade val="50000"/>
+            </a:schemeClr>
+          </a:lnRef>
+          <a:fillRef idx="1">
+            <a:schemeClr val="accent1"/>
+          </a:fillRef>
+          <a:effectRef idx="0">
+            <a:schemeClr val="accent1"/>
+          </a:effectRef>
+          <a:fontRef idx="minor">
+            <a:schemeClr val="lt1"/>
+          </a:fontRef>
+        </p:style>
+        <p:txBody>
+          <a:bodyPr rtlCol="0" anchor="ctr"/>
+          <a:lstStyle/>
+          <a:p>
+            <a:pPr algn="ctr"/>
+            <a:endParaRPr lang="en-MY"/>
+          </a:p>
+        </p:txBody>
+      </p:sp>
+      <p:sp>
+        <p:nvSpPr>
+          <p:cNvPr id="59" name="TextBox 58">
+            <a:extLst>
+              <a:ext uri="{FF2B5EF4-FFF2-40B4-BE49-F238E27FC236}">
+                <a16:creationId xmlns:a16="http://schemas.microsoft.com/office/drawing/2014/main" id="{72B0855B-4182-4B6B-9711-83BAB2F1DA4A}"/>
+              </a:ext>
+            </a:extLst>
+          </p:cNvPr>
+          <p:cNvSpPr txBox="1"/>
+          <p:nvPr/>
+        </p:nvSpPr>
+        <p:spPr>
+          <a:xfrm>
+            <a:off x="3393896" y="4525705"/>
+            <a:ext cx="302118" cy="261610"/>
+          </a:xfrm>
+          <a:prstGeom prst="rect">
+            <a:avLst/>
+          </a:prstGeom>
+          <a:noFill/>
+        </p:spPr>
+        <p:txBody>
+          <a:bodyPr wrap="square" rtlCol="0">
+            <a:spAutoFit/>
+          </a:bodyPr>
+          <a:lstStyle/>
+          <a:p>
+            <a:r>
+              <a:rPr lang="en-MY" sz="1100" dirty="0">
+                <a:latin typeface="Arial" panose="020B0604020202020204" pitchFamily="34" charset="0"/>
+                <a:cs typeface="Arial" panose="020B0604020202020204" pitchFamily="34" charset="0"/>
+              </a:rPr>
+              <a:t>1</a:t>
+            </a:r>
+          </a:p>
+        </p:txBody>
+      </p:sp>
+      <p:sp>
+        <p:nvSpPr>
+          <p:cNvPr id="60" name="TextBox 59">
+            <a:extLst>
+              <a:ext uri="{FF2B5EF4-FFF2-40B4-BE49-F238E27FC236}">
+                <a16:creationId xmlns:a16="http://schemas.microsoft.com/office/drawing/2014/main" id="{7C20FB0F-25D4-4F5F-8076-DFFBB900EFB1}"/>
+              </a:ext>
+            </a:extLst>
+          </p:cNvPr>
+          <p:cNvSpPr txBox="1"/>
+          <p:nvPr/>
+        </p:nvSpPr>
+        <p:spPr>
+          <a:xfrm>
+            <a:off x="3389309" y="5031665"/>
+            <a:ext cx="534292" cy="261610"/>
+          </a:xfrm>
+          <a:prstGeom prst="rect">
+            <a:avLst/>
+          </a:prstGeom>
+          <a:noFill/>
+        </p:spPr>
+        <p:txBody>
+          <a:bodyPr wrap="square" rtlCol="0">
+            <a:spAutoFit/>
+          </a:bodyPr>
+          <a:lstStyle/>
+          <a:p>
+            <a:r>
+              <a:rPr lang="en-MY" sz="1100" dirty="0">
+                <a:latin typeface="Arial" panose="020B0604020202020204" pitchFamily="34" charset="0"/>
+                <a:cs typeface="Arial" panose="020B0604020202020204" pitchFamily="34" charset="0"/>
+              </a:rPr>
+              <a:t>0..1</a:t>
+            </a:r>
+          </a:p>
+        </p:txBody>
+      </p:sp>
+      <p:sp>
+        <p:nvSpPr>
+          <p:cNvPr id="66" name="Rectangle 65">
+            <a:extLst>
+              <a:ext uri="{FF2B5EF4-FFF2-40B4-BE49-F238E27FC236}">
+                <a16:creationId xmlns:a16="http://schemas.microsoft.com/office/drawing/2014/main" id="{22659BEC-EEB2-4045-AF1B-E231A2448666}"/>
+              </a:ext>
+            </a:extLst>
+          </p:cNvPr>
+          <p:cNvSpPr>
+            <a:spLocks noChangeAspect="1"/>
+          </p:cNvSpPr>
+          <p:nvPr/>
+        </p:nvSpPr>
+        <p:spPr>
+          <a:xfrm rot="18812294">
+            <a:off x="4829666" y="2794037"/>
+            <a:ext cx="134786" cy="134786"/>
+          </a:xfrm>
+          <a:prstGeom prst="rect">
+            <a:avLst/>
+          </a:prstGeom>
+          <a:solidFill>
+            <a:srgbClr val="895AB7"/>
+          </a:solidFill>
+          <a:ln>
+            <a:noFill/>
+          </a:ln>
+        </p:spPr>
+        <p:style>
+          <a:lnRef idx="2">
+            <a:schemeClr val="accent1">
+              <a:shade val="50000"/>
+            </a:schemeClr>
+          </a:lnRef>
+          <a:fillRef idx="1">
+            <a:schemeClr val="accent1"/>
+          </a:fillRef>
+          <a:effectRef idx="0">
+            <a:schemeClr val="accent1"/>
+          </a:effectRef>
+          <a:fontRef idx="minor">
+            <a:schemeClr val="lt1"/>
+          </a:fontRef>
+        </p:style>
+        <p:txBody>
+          <a:bodyPr rtlCol="0" anchor="ctr"/>
+          <a:lstStyle/>
+          <a:p>
+            <a:pPr algn="ctr"/>
+            <a:endParaRPr lang="en-MY"/>
+          </a:p>
+        </p:txBody>
+      </p:sp>
+      <p:cxnSp>
+        <p:nvCxnSpPr>
+          <p:cNvPr id="67" name="Connector: Elbow 66">
+            <a:extLst>
+              <a:ext uri="{FF2B5EF4-FFF2-40B4-BE49-F238E27FC236}">
+                <a16:creationId xmlns:a16="http://schemas.microsoft.com/office/drawing/2014/main" id="{97C80379-57AC-4469-9A69-3DE3FEAF0290}"/>
+              </a:ext>
+            </a:extLst>
+          </p:cNvPr>
+          <p:cNvCxnSpPr>
+            <a:cxnSpLocks/>
+            <a:stCxn id="7" idx="1"/>
+            <a:endCxn id="9" idx="2"/>
+          </p:cNvCxnSpPr>
+          <p:nvPr/>
+        </p:nvCxnSpPr>
+        <p:spPr>
+          <a:xfrm rot="10800000">
+            <a:off x="1700513" y="3349476"/>
+            <a:ext cx="963558" cy="897279"/>
+          </a:xfrm>
+          <a:prstGeom prst="bentConnector2">
+            <a:avLst/>
+          </a:prstGeom>
+          <a:ln w="25400">
+            <a:solidFill>
+              <a:srgbClr val="895AB7"/>
+            </a:solidFill>
+            <a:tailEnd type="arrow" w="lg" len="lg"/>
+          </a:ln>
+        </p:spPr>
+        <p:style>
+          <a:lnRef idx="1">
+            <a:schemeClr val="accent1"/>
+          </a:lnRef>
+          <a:fillRef idx="0">
+            <a:schemeClr val="accent1"/>
+          </a:fillRef>
+          <a:effectRef idx="0">
+            <a:schemeClr val="accent1"/>
+          </a:effectRef>
+          <a:fontRef idx="minor">
+            <a:schemeClr val="tx1"/>
+          </a:fontRef>
+        </p:style>
+      </p:cxnSp>
+      <p:sp>
+        <p:nvSpPr>
+          <p:cNvPr id="71" name="TextBox 70">
+            <a:extLst>
+              <a:ext uri="{FF2B5EF4-FFF2-40B4-BE49-F238E27FC236}">
+                <a16:creationId xmlns:a16="http://schemas.microsoft.com/office/drawing/2014/main" id="{4545456D-9BF3-4D1C-B9EA-CBB28357BFD7}"/>
+              </a:ext>
+            </a:extLst>
+          </p:cNvPr>
+          <p:cNvSpPr txBox="1"/>
+          <p:nvPr/>
+        </p:nvSpPr>
+        <p:spPr>
+          <a:xfrm>
+            <a:off x="1398394" y="3383794"/>
+            <a:ext cx="302118" cy="261610"/>
+          </a:xfrm>
+          <a:prstGeom prst="rect">
+            <a:avLst/>
+          </a:prstGeom>
+          <a:noFill/>
+        </p:spPr>
+        <p:txBody>
+          <a:bodyPr wrap="square" rtlCol="0">
+            <a:spAutoFit/>
+          </a:bodyPr>
+          <a:lstStyle/>
+          <a:p>
+            <a:r>
+              <a:rPr lang="en-MY" sz="1100" dirty="0">
+                <a:latin typeface="Arial" panose="020B0604020202020204" pitchFamily="34" charset="0"/>
+                <a:cs typeface="Arial" panose="020B0604020202020204" pitchFamily="34" charset="0"/>
+              </a:rPr>
+              <a:t>1</a:t>
+            </a:r>
+          </a:p>
+        </p:txBody>
+      </p:sp>
+      <p:sp>
+        <p:nvSpPr>
+          <p:cNvPr id="27" name="TextBox 26">
+            <a:extLst>
+              <a:ext uri="{FF2B5EF4-FFF2-40B4-BE49-F238E27FC236}">
+                <a16:creationId xmlns:a16="http://schemas.microsoft.com/office/drawing/2014/main" id="{80180AB4-C8AB-445E-A39C-5B864EAAEFB6}"/>
+              </a:ext>
+            </a:extLst>
+          </p:cNvPr>
+          <p:cNvSpPr txBox="1"/>
+          <p:nvPr/>
+        </p:nvSpPr>
+        <p:spPr>
+          <a:xfrm>
+            <a:off x="4927553" y="2789512"/>
+            <a:ext cx="302118" cy="261610"/>
+          </a:xfrm>
+          <a:prstGeom prst="rect">
+            <a:avLst/>
+          </a:prstGeom>
+          <a:noFill/>
+        </p:spPr>
+        <p:txBody>
+          <a:bodyPr wrap="square" rtlCol="0">
+            <a:spAutoFit/>
+          </a:bodyPr>
+          <a:lstStyle/>
+          <a:p>
+            <a:r>
+              <a:rPr lang="en-MY" sz="1100" dirty="0">
+                <a:latin typeface="Arial" panose="020B0604020202020204" pitchFamily="34" charset="0"/>
+                <a:cs typeface="Arial" panose="020B0604020202020204" pitchFamily="34" charset="0"/>
+              </a:rPr>
+              <a:t>1</a:t>
+            </a:r>
+          </a:p>
+        </p:txBody>
+      </p:sp>
+    </p:spTree>
+    <p:extLst>
+      <p:ext uri="{BB962C8B-B14F-4D97-AF65-F5344CB8AC3E}">
+        <p14:creationId xmlns:p14="http://schemas.microsoft.com/office/powerpoint/2010/main" val="126408866"/>
+      </p:ext>
+    </p:extLst>
+  </p:cSld>
+  <p:clrMapOvr>
+    <a:masterClrMapping/>
+  </p:clrMapOvr>
+</p:sld>
+</file>
+
 <file path=ppt/theme/theme1.xml><?xml version="1.0" encoding="utf-8"?>
 <a:theme xmlns:a="http://schemas.openxmlformats.org/drawingml/2006/main" name="Office Theme">
   <a:themeElements>

--- a/docs/UML Templates.pptx
+++ b/docs/UML Templates.pptx
@@ -17,6 +17,8 @@
     <p:sldId id="265" r:id="rId11"/>
     <p:sldId id="266" r:id="rId12"/>
     <p:sldId id="267" r:id="rId13"/>
+    <p:sldId id="271" r:id="rId14"/>
+    <p:sldId id="270" r:id="rId15"/>
   </p:sldIdLst>
   <p:sldSz cx="12192000" cy="6858000"/>
   <p:notesSz cx="6858000" cy="9144000"/>
@@ -272,7 +274,7 @@
           <a:p>
             <a:fld id="{3E7EBE13-440A-4FDF-80A1-4172C6B8108E}" type="datetimeFigureOut">
               <a:rPr lang="en-MY" smtClean="0"/>
-              <a:t>4/4/2021</a:t>
+              <a:t>7/4/2021</a:t>
             </a:fld>
             <a:endParaRPr lang="en-MY"/>
           </a:p>
@@ -472,7 +474,7 @@
           <a:p>
             <a:fld id="{3E7EBE13-440A-4FDF-80A1-4172C6B8108E}" type="datetimeFigureOut">
               <a:rPr lang="en-MY" smtClean="0"/>
-              <a:t>4/4/2021</a:t>
+              <a:t>7/4/2021</a:t>
             </a:fld>
             <a:endParaRPr lang="en-MY"/>
           </a:p>
@@ -682,7 +684,7 @@
           <a:p>
             <a:fld id="{3E7EBE13-440A-4FDF-80A1-4172C6B8108E}" type="datetimeFigureOut">
               <a:rPr lang="en-MY" smtClean="0"/>
-              <a:t>4/4/2021</a:t>
+              <a:t>7/4/2021</a:t>
             </a:fld>
             <a:endParaRPr lang="en-MY"/>
           </a:p>
@@ -882,7 +884,7 @@
           <a:p>
             <a:fld id="{3E7EBE13-440A-4FDF-80A1-4172C6B8108E}" type="datetimeFigureOut">
               <a:rPr lang="en-MY" smtClean="0"/>
-              <a:t>4/4/2021</a:t>
+              <a:t>7/4/2021</a:t>
             </a:fld>
             <a:endParaRPr lang="en-MY"/>
           </a:p>
@@ -1158,7 +1160,7 @@
           <a:p>
             <a:fld id="{3E7EBE13-440A-4FDF-80A1-4172C6B8108E}" type="datetimeFigureOut">
               <a:rPr lang="en-MY" smtClean="0"/>
-              <a:t>4/4/2021</a:t>
+              <a:t>7/4/2021</a:t>
             </a:fld>
             <a:endParaRPr lang="en-MY"/>
           </a:p>
@@ -1426,7 +1428,7 @@
           <a:p>
             <a:fld id="{3E7EBE13-440A-4FDF-80A1-4172C6B8108E}" type="datetimeFigureOut">
               <a:rPr lang="en-MY" smtClean="0"/>
-              <a:t>4/4/2021</a:t>
+              <a:t>7/4/2021</a:t>
             </a:fld>
             <a:endParaRPr lang="en-MY"/>
           </a:p>
@@ -1841,7 +1843,7 @@
           <a:p>
             <a:fld id="{3E7EBE13-440A-4FDF-80A1-4172C6B8108E}" type="datetimeFigureOut">
               <a:rPr lang="en-MY" smtClean="0"/>
-              <a:t>4/4/2021</a:t>
+              <a:t>7/4/2021</a:t>
             </a:fld>
             <a:endParaRPr lang="en-MY"/>
           </a:p>
@@ -1983,7 +1985,7 @@
           <a:p>
             <a:fld id="{3E7EBE13-440A-4FDF-80A1-4172C6B8108E}" type="datetimeFigureOut">
               <a:rPr lang="en-MY" smtClean="0"/>
-              <a:t>4/4/2021</a:t>
+              <a:t>7/4/2021</a:t>
             </a:fld>
             <a:endParaRPr lang="en-MY"/>
           </a:p>
@@ -2096,7 +2098,7 @@
           <a:p>
             <a:fld id="{3E7EBE13-440A-4FDF-80A1-4172C6B8108E}" type="datetimeFigureOut">
               <a:rPr lang="en-MY" smtClean="0"/>
-              <a:t>4/4/2021</a:t>
+              <a:t>7/4/2021</a:t>
             </a:fld>
             <a:endParaRPr lang="en-MY"/>
           </a:p>
@@ -2409,7 +2411,7 @@
           <a:p>
             <a:fld id="{3E7EBE13-440A-4FDF-80A1-4172C6B8108E}" type="datetimeFigureOut">
               <a:rPr lang="en-MY" smtClean="0"/>
-              <a:t>4/4/2021</a:t>
+              <a:t>7/4/2021</a:t>
             </a:fld>
             <a:endParaRPr lang="en-MY"/>
           </a:p>
@@ -2698,7 +2700,7 @@
           <a:p>
             <a:fld id="{3E7EBE13-440A-4FDF-80A1-4172C6B8108E}" type="datetimeFigureOut">
               <a:rPr lang="en-MY" smtClean="0"/>
-              <a:t>4/4/2021</a:t>
+              <a:t>7/4/2021</a:t>
             </a:fld>
             <a:endParaRPr lang="en-MY"/>
           </a:p>
@@ -2941,7 +2943,7 @@
           <a:p>
             <a:fld id="{3E7EBE13-440A-4FDF-80A1-4172C6B8108E}" type="datetimeFigureOut">
               <a:rPr lang="en-MY" smtClean="0"/>
-              <a:t>4/4/2021</a:t>
+              <a:t>7/4/2021</a:t>
             </a:fld>
             <a:endParaRPr lang="en-MY"/>
           </a:p>
@@ -4446,6 +4448,3733 @@
     <p:extLst>
       <p:ext uri="{BB962C8B-B14F-4D97-AF65-F5344CB8AC3E}">
         <p14:creationId xmlns:p14="http://schemas.microsoft.com/office/powerpoint/2010/main" val="2736161398"/>
+      </p:ext>
+    </p:extLst>
+  </p:cSld>
+  <p:clrMapOvr>
+    <a:masterClrMapping/>
+  </p:clrMapOvr>
+</p:sld>
+</file>
+
+<file path=ppt/slides/slide13.xml><?xml version="1.0" encoding="utf-8"?>
+<p:sld xmlns:a="http://schemas.openxmlformats.org/drawingml/2006/main" xmlns:r="http://schemas.openxmlformats.org/officeDocument/2006/relationships" xmlns:p="http://schemas.openxmlformats.org/presentationml/2006/main">
+  <p:cSld>
+    <p:spTree>
+      <p:nvGrpSpPr>
+        <p:cNvPr id="1" name=""/>
+        <p:cNvGrpSpPr/>
+        <p:nvPr/>
+      </p:nvGrpSpPr>
+      <p:grpSpPr>
+        <a:xfrm>
+          <a:off x="0" y="0"/>
+          <a:ext cx="0" cy="0"/>
+          <a:chOff x="0" y="0"/>
+          <a:chExt cx="0" cy="0"/>
+        </a:xfrm>
+      </p:grpSpPr>
+      <p:sp>
+        <p:nvSpPr>
+          <p:cNvPr id="7" name="Rectangle 6">
+            <a:extLst>
+              <a:ext uri="{FF2B5EF4-FFF2-40B4-BE49-F238E27FC236}">
+                <a16:creationId xmlns:a16="http://schemas.microsoft.com/office/drawing/2014/main" id="{DB6BDFBA-1D4F-41D6-8EC2-87B96D322B32}"/>
+              </a:ext>
+            </a:extLst>
+          </p:cNvPr>
+          <p:cNvSpPr/>
+          <p:nvPr/>
+        </p:nvSpPr>
+        <p:spPr>
+          <a:xfrm>
+            <a:off x="1873209" y="1149502"/>
+            <a:ext cx="8451616" cy="4685982"/>
+          </a:xfrm>
+          <a:prstGeom prst="rect">
+            <a:avLst/>
+          </a:prstGeom>
+          <a:noFill/>
+          <a:ln w="25400">
+            <a:solidFill>
+              <a:schemeClr val="tx1"/>
+            </a:solidFill>
+          </a:ln>
+        </p:spPr>
+        <p:style>
+          <a:lnRef idx="2">
+            <a:schemeClr val="accent1">
+              <a:shade val="50000"/>
+            </a:schemeClr>
+          </a:lnRef>
+          <a:fillRef idx="1">
+            <a:schemeClr val="accent1"/>
+          </a:fillRef>
+          <a:effectRef idx="0">
+            <a:schemeClr val="accent1"/>
+          </a:effectRef>
+          <a:fontRef idx="minor">
+            <a:schemeClr val="lt1"/>
+          </a:fontRef>
+        </p:style>
+        <p:txBody>
+          <a:bodyPr rtlCol="0" anchor="ctr"/>
+          <a:lstStyle/>
+          <a:p>
+            <a:pPr algn="ctr"/>
+            <a:endParaRPr lang="en-MY"/>
+          </a:p>
+        </p:txBody>
+      </p:sp>
+      <p:sp>
+        <p:nvSpPr>
+          <p:cNvPr id="8" name="Rectangle 7">
+            <a:extLst>
+              <a:ext uri="{FF2B5EF4-FFF2-40B4-BE49-F238E27FC236}">
+                <a16:creationId xmlns:a16="http://schemas.microsoft.com/office/drawing/2014/main" id="{3F9959A6-D774-40F5-B89F-0DEE5327A188}"/>
+              </a:ext>
+            </a:extLst>
+          </p:cNvPr>
+          <p:cNvSpPr/>
+          <p:nvPr/>
+        </p:nvSpPr>
+        <p:spPr>
+          <a:xfrm>
+            <a:off x="3131593" y="450618"/>
+            <a:ext cx="991960" cy="426305"/>
+          </a:xfrm>
+          <a:prstGeom prst="rect">
+            <a:avLst/>
+          </a:prstGeom>
+          <a:solidFill>
+            <a:schemeClr val="accent1">
+              <a:lumMod val="60000"/>
+              <a:lumOff val="40000"/>
+            </a:schemeClr>
+          </a:solidFill>
+          <a:ln w="25400">
+            <a:solidFill>
+              <a:schemeClr val="accent1"/>
+            </a:solidFill>
+          </a:ln>
+        </p:spPr>
+        <p:style>
+          <a:lnRef idx="2">
+            <a:schemeClr val="accent1">
+              <a:shade val="50000"/>
+            </a:schemeClr>
+          </a:lnRef>
+          <a:fillRef idx="1">
+            <a:schemeClr val="accent1"/>
+          </a:fillRef>
+          <a:effectRef idx="0">
+            <a:schemeClr val="accent1"/>
+          </a:effectRef>
+          <a:fontRef idx="minor">
+            <a:schemeClr val="lt1"/>
+          </a:fontRef>
+        </p:style>
+        <p:txBody>
+          <a:bodyPr rtlCol="0" anchor="ctr"/>
+          <a:lstStyle/>
+          <a:p>
+            <a:pPr algn="ctr"/>
+            <a:r>
+              <a:rPr lang="en-MY" sz="1200" dirty="0">
+                <a:solidFill>
+                  <a:schemeClr val="tx1"/>
+                </a:solidFill>
+                <a:latin typeface="Arial" panose="020B0604020202020204" pitchFamily="34" charset="0"/>
+                <a:cs typeface="Arial" panose="020B0604020202020204" pitchFamily="34" charset="0"/>
+              </a:rPr>
+              <a:t>:Duke</a:t>
+            </a:r>
+          </a:p>
+        </p:txBody>
+      </p:sp>
+      <p:sp>
+        <p:nvSpPr>
+          <p:cNvPr id="13" name="Rectangle 12">
+            <a:extLst>
+              <a:ext uri="{FF2B5EF4-FFF2-40B4-BE49-F238E27FC236}">
+                <a16:creationId xmlns:a16="http://schemas.microsoft.com/office/drawing/2014/main" id="{9428EA50-6591-4D26-9F7D-7F9729F0A9EA}"/>
+              </a:ext>
+            </a:extLst>
+          </p:cNvPr>
+          <p:cNvSpPr/>
+          <p:nvPr/>
+        </p:nvSpPr>
+        <p:spPr>
+          <a:xfrm>
+            <a:off x="4898424" y="450618"/>
+            <a:ext cx="991960" cy="426305"/>
+          </a:xfrm>
+          <a:prstGeom prst="rect">
+            <a:avLst/>
+          </a:prstGeom>
+          <a:solidFill>
+            <a:schemeClr val="accent4">
+              <a:lumMod val="40000"/>
+              <a:lumOff val="60000"/>
+            </a:schemeClr>
+          </a:solidFill>
+          <a:ln w="25400">
+            <a:solidFill>
+              <a:schemeClr val="accent4"/>
+            </a:solidFill>
+          </a:ln>
+        </p:spPr>
+        <p:style>
+          <a:lnRef idx="2">
+            <a:schemeClr val="accent1">
+              <a:shade val="50000"/>
+            </a:schemeClr>
+          </a:lnRef>
+          <a:fillRef idx="1">
+            <a:schemeClr val="accent1"/>
+          </a:fillRef>
+          <a:effectRef idx="0">
+            <a:schemeClr val="accent1"/>
+          </a:effectRef>
+          <a:fontRef idx="minor">
+            <a:schemeClr val="lt1"/>
+          </a:fontRef>
+        </p:style>
+        <p:txBody>
+          <a:bodyPr rtlCol="0" anchor="ctr"/>
+          <a:lstStyle/>
+          <a:p>
+            <a:pPr algn="ctr"/>
+            <a:r>
+              <a:rPr lang="en-MY" sz="1200" dirty="0">
+                <a:solidFill>
+                  <a:schemeClr val="tx1"/>
+                </a:solidFill>
+                <a:latin typeface="Arial" panose="020B0604020202020204" pitchFamily="34" charset="0"/>
+                <a:cs typeface="Arial" panose="020B0604020202020204" pitchFamily="34" charset="0"/>
+              </a:rPr>
+              <a:t>:UI</a:t>
+            </a:r>
+          </a:p>
+        </p:txBody>
+      </p:sp>
+      <p:sp>
+        <p:nvSpPr>
+          <p:cNvPr id="16" name="Rectangle 15">
+            <a:extLst>
+              <a:ext uri="{FF2B5EF4-FFF2-40B4-BE49-F238E27FC236}">
+                <a16:creationId xmlns:a16="http://schemas.microsoft.com/office/drawing/2014/main" id="{97D713B6-2F65-420C-BE2F-93F21591D1B4}"/>
+              </a:ext>
+            </a:extLst>
+          </p:cNvPr>
+          <p:cNvSpPr/>
+          <p:nvPr/>
+        </p:nvSpPr>
+        <p:spPr>
+          <a:xfrm>
+            <a:off x="6665253" y="450618"/>
+            <a:ext cx="991960" cy="426305"/>
+          </a:xfrm>
+          <a:prstGeom prst="rect">
+            <a:avLst/>
+          </a:prstGeom>
+          <a:solidFill>
+            <a:schemeClr val="accent6">
+              <a:lumMod val="40000"/>
+              <a:lumOff val="60000"/>
+            </a:schemeClr>
+          </a:solidFill>
+          <a:ln w="25400">
+            <a:solidFill>
+              <a:schemeClr val="accent6"/>
+            </a:solidFill>
+          </a:ln>
+        </p:spPr>
+        <p:style>
+          <a:lnRef idx="2">
+            <a:schemeClr val="accent1">
+              <a:shade val="50000"/>
+            </a:schemeClr>
+          </a:lnRef>
+          <a:fillRef idx="1">
+            <a:schemeClr val="accent1"/>
+          </a:fillRef>
+          <a:effectRef idx="0">
+            <a:schemeClr val="accent1"/>
+          </a:effectRef>
+          <a:fontRef idx="minor">
+            <a:schemeClr val="lt1"/>
+          </a:fontRef>
+        </p:style>
+        <p:txBody>
+          <a:bodyPr rtlCol="0" anchor="ctr"/>
+          <a:lstStyle/>
+          <a:p>
+            <a:pPr algn="ctr"/>
+            <a:r>
+              <a:rPr lang="en-MY" sz="1200" dirty="0">
+                <a:solidFill>
+                  <a:schemeClr val="tx1"/>
+                </a:solidFill>
+                <a:latin typeface="Arial" panose="020B0604020202020204" pitchFamily="34" charset="0"/>
+                <a:cs typeface="Arial" panose="020B0604020202020204" pitchFamily="34" charset="0"/>
+              </a:rPr>
+              <a:t>:Parser</a:t>
+            </a:r>
+          </a:p>
+        </p:txBody>
+      </p:sp>
+      <p:sp>
+        <p:nvSpPr>
+          <p:cNvPr id="19" name="Rectangle 18">
+            <a:extLst>
+              <a:ext uri="{FF2B5EF4-FFF2-40B4-BE49-F238E27FC236}">
+                <a16:creationId xmlns:a16="http://schemas.microsoft.com/office/drawing/2014/main" id="{07C8A519-53E9-42EF-8D8E-275A67C8EF43}"/>
+              </a:ext>
+            </a:extLst>
+          </p:cNvPr>
+          <p:cNvSpPr/>
+          <p:nvPr/>
+        </p:nvSpPr>
+        <p:spPr>
+          <a:xfrm>
+            <a:off x="8746173" y="2895564"/>
+            <a:ext cx="991960" cy="426305"/>
+          </a:xfrm>
+          <a:prstGeom prst="rect">
+            <a:avLst/>
+          </a:prstGeom>
+          <a:solidFill>
+            <a:schemeClr val="accent2">
+              <a:lumMod val="40000"/>
+              <a:lumOff val="60000"/>
+            </a:schemeClr>
+          </a:solidFill>
+          <a:ln w="25400">
+            <a:solidFill>
+              <a:srgbClr val="C00000"/>
+            </a:solidFill>
+          </a:ln>
+        </p:spPr>
+        <p:style>
+          <a:lnRef idx="2">
+            <a:schemeClr val="accent1">
+              <a:shade val="50000"/>
+            </a:schemeClr>
+          </a:lnRef>
+          <a:fillRef idx="1">
+            <a:schemeClr val="accent1"/>
+          </a:fillRef>
+          <a:effectRef idx="0">
+            <a:schemeClr val="accent1"/>
+          </a:effectRef>
+          <a:fontRef idx="minor">
+            <a:schemeClr val="lt1"/>
+          </a:fontRef>
+        </p:style>
+        <p:txBody>
+          <a:bodyPr rtlCol="0" anchor="ctr"/>
+          <a:lstStyle/>
+          <a:p>
+            <a:pPr algn="ctr"/>
+            <a:r>
+              <a:rPr lang="en-MY" sz="1200" dirty="0">
+                <a:solidFill>
+                  <a:schemeClr val="tx1"/>
+                </a:solidFill>
+                <a:latin typeface="Arial" panose="020B0604020202020204" pitchFamily="34" charset="0"/>
+                <a:cs typeface="Arial" panose="020B0604020202020204" pitchFamily="34" charset="0"/>
+              </a:rPr>
+              <a:t>:Command</a:t>
+            </a:r>
+          </a:p>
+        </p:txBody>
+      </p:sp>
+      <p:cxnSp>
+        <p:nvCxnSpPr>
+          <p:cNvPr id="25" name="Straight Connector 24">
+            <a:extLst>
+              <a:ext uri="{FF2B5EF4-FFF2-40B4-BE49-F238E27FC236}">
+                <a16:creationId xmlns:a16="http://schemas.microsoft.com/office/drawing/2014/main" id="{FD06E310-6160-475A-8693-4921C51E8D89}"/>
+              </a:ext>
+            </a:extLst>
+          </p:cNvPr>
+          <p:cNvCxnSpPr>
+            <a:cxnSpLocks/>
+            <a:stCxn id="8" idx="2"/>
+            <a:endCxn id="28" idx="0"/>
+          </p:cNvCxnSpPr>
+          <p:nvPr/>
+        </p:nvCxnSpPr>
+        <p:spPr>
+          <a:xfrm>
+            <a:off x="3627573" y="876923"/>
+            <a:ext cx="0" cy="903779"/>
+          </a:xfrm>
+          <a:prstGeom prst="line">
+            <a:avLst/>
+          </a:prstGeom>
+          <a:ln w="25400">
+            <a:solidFill>
+              <a:schemeClr val="tx1"/>
+            </a:solidFill>
+            <a:prstDash val="sysDash"/>
+          </a:ln>
+        </p:spPr>
+        <p:style>
+          <a:lnRef idx="1">
+            <a:schemeClr val="accent1"/>
+          </a:lnRef>
+          <a:fillRef idx="0">
+            <a:schemeClr val="accent1"/>
+          </a:fillRef>
+          <a:effectRef idx="0">
+            <a:schemeClr val="accent1"/>
+          </a:effectRef>
+          <a:fontRef idx="minor">
+            <a:schemeClr val="tx1"/>
+          </a:fontRef>
+        </p:style>
+      </p:cxnSp>
+      <p:sp>
+        <p:nvSpPr>
+          <p:cNvPr id="28" name="Rectangle 27">
+            <a:extLst>
+              <a:ext uri="{FF2B5EF4-FFF2-40B4-BE49-F238E27FC236}">
+                <a16:creationId xmlns:a16="http://schemas.microsoft.com/office/drawing/2014/main" id="{A91E5B46-D311-46FC-911A-18CB30A9D291}"/>
+              </a:ext>
+            </a:extLst>
+          </p:cNvPr>
+          <p:cNvSpPr/>
+          <p:nvPr/>
+        </p:nvSpPr>
+        <p:spPr>
+          <a:xfrm>
+            <a:off x="3451266" y="1780702"/>
+            <a:ext cx="352613" cy="4231412"/>
+          </a:xfrm>
+          <a:prstGeom prst="rect">
+            <a:avLst/>
+          </a:prstGeom>
+          <a:solidFill>
+            <a:schemeClr val="accent1">
+              <a:lumMod val="60000"/>
+              <a:lumOff val="40000"/>
+            </a:schemeClr>
+          </a:solidFill>
+          <a:ln w="25400">
+            <a:solidFill>
+              <a:schemeClr val="accent1"/>
+            </a:solidFill>
+          </a:ln>
+        </p:spPr>
+        <p:style>
+          <a:lnRef idx="2">
+            <a:schemeClr val="accent1">
+              <a:shade val="50000"/>
+            </a:schemeClr>
+          </a:lnRef>
+          <a:fillRef idx="1">
+            <a:schemeClr val="accent1"/>
+          </a:fillRef>
+          <a:effectRef idx="0">
+            <a:schemeClr val="accent1"/>
+          </a:effectRef>
+          <a:fontRef idx="minor">
+            <a:schemeClr val="lt1"/>
+          </a:fontRef>
+        </p:style>
+        <p:txBody>
+          <a:bodyPr rtlCol="0" anchor="ctr"/>
+          <a:lstStyle/>
+          <a:p>
+            <a:pPr algn="ctr"/>
+            <a:endParaRPr lang="en-MY"/>
+          </a:p>
+        </p:txBody>
+      </p:sp>
+      <p:sp>
+        <p:nvSpPr>
+          <p:cNvPr id="29" name="Rectangle 28">
+            <a:extLst>
+              <a:ext uri="{FF2B5EF4-FFF2-40B4-BE49-F238E27FC236}">
+                <a16:creationId xmlns:a16="http://schemas.microsoft.com/office/drawing/2014/main" id="{572A00E3-04CD-4E33-A0ED-B314035E1399}"/>
+              </a:ext>
+            </a:extLst>
+          </p:cNvPr>
+          <p:cNvSpPr/>
+          <p:nvPr/>
+        </p:nvSpPr>
+        <p:spPr>
+          <a:xfrm>
+            <a:off x="5218095" y="1951910"/>
+            <a:ext cx="352613" cy="902282"/>
+          </a:xfrm>
+          <a:prstGeom prst="rect">
+            <a:avLst/>
+          </a:prstGeom>
+          <a:solidFill>
+            <a:schemeClr val="accent4">
+              <a:lumMod val="40000"/>
+              <a:lumOff val="60000"/>
+            </a:schemeClr>
+          </a:solidFill>
+          <a:ln w="25400">
+            <a:solidFill>
+              <a:schemeClr val="accent4"/>
+            </a:solidFill>
+          </a:ln>
+        </p:spPr>
+        <p:style>
+          <a:lnRef idx="2">
+            <a:schemeClr val="accent1">
+              <a:shade val="50000"/>
+            </a:schemeClr>
+          </a:lnRef>
+          <a:fillRef idx="1">
+            <a:schemeClr val="accent1"/>
+          </a:fillRef>
+          <a:effectRef idx="0">
+            <a:schemeClr val="accent1"/>
+          </a:effectRef>
+          <a:fontRef idx="minor">
+            <a:schemeClr val="lt1"/>
+          </a:fontRef>
+        </p:style>
+        <p:txBody>
+          <a:bodyPr rtlCol="0" anchor="ctr"/>
+          <a:lstStyle/>
+          <a:p>
+            <a:pPr algn="ctr"/>
+            <a:endParaRPr lang="en-MY"/>
+          </a:p>
+        </p:txBody>
+      </p:sp>
+      <p:cxnSp>
+        <p:nvCxnSpPr>
+          <p:cNvPr id="44" name="Straight Connector 43">
+            <a:extLst>
+              <a:ext uri="{FF2B5EF4-FFF2-40B4-BE49-F238E27FC236}">
+                <a16:creationId xmlns:a16="http://schemas.microsoft.com/office/drawing/2014/main" id="{7E8977EE-F439-4032-9715-A30F5AB16AFE}"/>
+              </a:ext>
+            </a:extLst>
+          </p:cNvPr>
+          <p:cNvCxnSpPr>
+            <a:cxnSpLocks/>
+            <a:stCxn id="13" idx="2"/>
+            <a:endCxn id="29" idx="0"/>
+          </p:cNvCxnSpPr>
+          <p:nvPr/>
+        </p:nvCxnSpPr>
+        <p:spPr>
+          <a:xfrm flipH="1">
+            <a:off x="5394402" y="876923"/>
+            <a:ext cx="2" cy="1074987"/>
+          </a:xfrm>
+          <a:prstGeom prst="line">
+            <a:avLst/>
+          </a:prstGeom>
+          <a:ln w="25400">
+            <a:solidFill>
+              <a:schemeClr val="tx1"/>
+            </a:solidFill>
+            <a:prstDash val="sysDash"/>
+          </a:ln>
+        </p:spPr>
+        <p:style>
+          <a:lnRef idx="1">
+            <a:schemeClr val="accent1"/>
+          </a:lnRef>
+          <a:fillRef idx="0">
+            <a:schemeClr val="accent1"/>
+          </a:fillRef>
+          <a:effectRef idx="0">
+            <a:schemeClr val="accent1"/>
+          </a:effectRef>
+          <a:fontRef idx="minor">
+            <a:schemeClr val="tx1"/>
+          </a:fontRef>
+        </p:style>
+      </p:cxnSp>
+      <p:cxnSp>
+        <p:nvCxnSpPr>
+          <p:cNvPr id="46" name="Straight Connector 45">
+            <a:extLst>
+              <a:ext uri="{FF2B5EF4-FFF2-40B4-BE49-F238E27FC236}">
+                <a16:creationId xmlns:a16="http://schemas.microsoft.com/office/drawing/2014/main" id="{91203DE3-7055-414F-BEC0-1D1D8A290481}"/>
+              </a:ext>
+            </a:extLst>
+          </p:cNvPr>
+          <p:cNvCxnSpPr>
+            <a:cxnSpLocks/>
+            <a:stCxn id="29" idx="2"/>
+            <a:endCxn id="104" idx="0"/>
+          </p:cNvCxnSpPr>
+          <p:nvPr/>
+        </p:nvCxnSpPr>
+        <p:spPr>
+          <a:xfrm>
+            <a:off x="5394402" y="2854192"/>
+            <a:ext cx="0" cy="1540957"/>
+          </a:xfrm>
+          <a:prstGeom prst="line">
+            <a:avLst/>
+          </a:prstGeom>
+          <a:ln w="25400">
+            <a:solidFill>
+              <a:schemeClr val="tx1"/>
+            </a:solidFill>
+            <a:prstDash val="sysDash"/>
+          </a:ln>
+        </p:spPr>
+        <p:style>
+          <a:lnRef idx="1">
+            <a:schemeClr val="accent1"/>
+          </a:lnRef>
+          <a:fillRef idx="0">
+            <a:schemeClr val="accent1"/>
+          </a:fillRef>
+          <a:effectRef idx="0">
+            <a:schemeClr val="accent1"/>
+          </a:effectRef>
+          <a:fontRef idx="minor">
+            <a:schemeClr val="tx1"/>
+          </a:fontRef>
+        </p:style>
+      </p:cxnSp>
+      <p:cxnSp>
+        <p:nvCxnSpPr>
+          <p:cNvPr id="48" name="Straight Connector 47">
+            <a:extLst>
+              <a:ext uri="{FF2B5EF4-FFF2-40B4-BE49-F238E27FC236}">
+                <a16:creationId xmlns:a16="http://schemas.microsoft.com/office/drawing/2014/main" id="{FF88EB3F-054B-4B75-84F9-01A588514344}"/>
+              </a:ext>
+            </a:extLst>
+          </p:cNvPr>
+          <p:cNvCxnSpPr>
+            <a:cxnSpLocks/>
+            <a:stCxn id="16" idx="2"/>
+            <a:endCxn id="52" idx="0"/>
+          </p:cNvCxnSpPr>
+          <p:nvPr/>
+        </p:nvCxnSpPr>
+        <p:spPr>
+          <a:xfrm flipH="1">
+            <a:off x="7158455" y="876923"/>
+            <a:ext cx="2778" cy="2273053"/>
+          </a:xfrm>
+          <a:prstGeom prst="line">
+            <a:avLst/>
+          </a:prstGeom>
+          <a:ln w="25400">
+            <a:solidFill>
+              <a:schemeClr val="tx1"/>
+            </a:solidFill>
+            <a:prstDash val="sysDash"/>
+          </a:ln>
+        </p:spPr>
+        <p:style>
+          <a:lnRef idx="1">
+            <a:schemeClr val="accent1"/>
+          </a:lnRef>
+          <a:fillRef idx="0">
+            <a:schemeClr val="accent1"/>
+          </a:fillRef>
+          <a:effectRef idx="0">
+            <a:schemeClr val="accent1"/>
+          </a:effectRef>
+          <a:fontRef idx="minor">
+            <a:schemeClr val="tx1"/>
+          </a:fontRef>
+        </p:style>
+      </p:cxnSp>
+      <p:sp>
+        <p:nvSpPr>
+          <p:cNvPr id="52" name="Rectangle 51">
+            <a:extLst>
+              <a:ext uri="{FF2B5EF4-FFF2-40B4-BE49-F238E27FC236}">
+                <a16:creationId xmlns:a16="http://schemas.microsoft.com/office/drawing/2014/main" id="{D6ED8F03-3A41-48B0-977C-29AEE00AA064}"/>
+              </a:ext>
+            </a:extLst>
+          </p:cNvPr>
+          <p:cNvSpPr/>
+          <p:nvPr/>
+        </p:nvSpPr>
+        <p:spPr>
+          <a:xfrm>
+            <a:off x="6982148" y="3149976"/>
+            <a:ext cx="352613" cy="534186"/>
+          </a:xfrm>
+          <a:prstGeom prst="rect">
+            <a:avLst/>
+          </a:prstGeom>
+          <a:solidFill>
+            <a:schemeClr val="accent6">
+              <a:lumMod val="40000"/>
+              <a:lumOff val="60000"/>
+            </a:schemeClr>
+          </a:solidFill>
+          <a:ln w="25400">
+            <a:solidFill>
+              <a:schemeClr val="accent6"/>
+            </a:solidFill>
+          </a:ln>
+        </p:spPr>
+        <p:style>
+          <a:lnRef idx="2">
+            <a:schemeClr val="accent1">
+              <a:shade val="50000"/>
+            </a:schemeClr>
+          </a:lnRef>
+          <a:fillRef idx="1">
+            <a:schemeClr val="accent1"/>
+          </a:fillRef>
+          <a:effectRef idx="0">
+            <a:schemeClr val="accent1"/>
+          </a:effectRef>
+          <a:fontRef idx="minor">
+            <a:schemeClr val="lt1"/>
+          </a:fontRef>
+        </p:style>
+        <p:txBody>
+          <a:bodyPr rtlCol="0" anchor="ctr"/>
+          <a:lstStyle/>
+          <a:p>
+            <a:pPr algn="ctr"/>
+            <a:endParaRPr lang="en-MY"/>
+          </a:p>
+        </p:txBody>
+      </p:sp>
+      <p:sp>
+        <p:nvSpPr>
+          <p:cNvPr id="59" name="TextBox 58">
+            <a:extLst>
+              <a:ext uri="{FF2B5EF4-FFF2-40B4-BE49-F238E27FC236}">
+                <a16:creationId xmlns:a16="http://schemas.microsoft.com/office/drawing/2014/main" id="{A8940D4C-F9AA-4AF0-84E3-41ECA6168E43}"/>
+              </a:ext>
+            </a:extLst>
+          </p:cNvPr>
+          <p:cNvSpPr txBox="1"/>
+          <p:nvPr/>
+        </p:nvSpPr>
+        <p:spPr>
+          <a:xfrm>
+            <a:off x="4739932" y="2859473"/>
+            <a:ext cx="1446230" cy="276999"/>
+          </a:xfrm>
+          <a:prstGeom prst="rect">
+            <a:avLst/>
+          </a:prstGeom>
+          <a:noFill/>
+        </p:spPr>
+        <p:txBody>
+          <a:bodyPr wrap="none" rtlCol="0">
+            <a:spAutoFit/>
+          </a:bodyPr>
+          <a:lstStyle/>
+          <a:p>
+            <a:r>
+              <a:rPr lang="en-SG" sz="1200" dirty="0">
+                <a:latin typeface="Arial" panose="020B0604020202020204" pitchFamily="34" charset="0"/>
+                <a:cs typeface="Arial" panose="020B0604020202020204" pitchFamily="34" charset="0"/>
+              </a:rPr>
+              <a:t>parse(</a:t>
+            </a:r>
+            <a:r>
+              <a:rPr lang="en-SG" sz="1200" dirty="0" err="1">
+                <a:latin typeface="Arial" panose="020B0604020202020204" pitchFamily="34" charset="0"/>
+                <a:cs typeface="Arial" panose="020B0604020202020204" pitchFamily="34" charset="0"/>
+              </a:rPr>
+              <a:t>input:String</a:t>
+            </a:r>
+            <a:r>
+              <a:rPr lang="en-SG" sz="1200" dirty="0">
+                <a:latin typeface="Arial" panose="020B0604020202020204" pitchFamily="34" charset="0"/>
+                <a:cs typeface="Arial" panose="020B0604020202020204" pitchFamily="34" charset="0"/>
+              </a:rPr>
+              <a:t>)</a:t>
+            </a:r>
+          </a:p>
+        </p:txBody>
+      </p:sp>
+      <p:sp>
+        <p:nvSpPr>
+          <p:cNvPr id="75" name="Rectangle 74">
+            <a:extLst>
+              <a:ext uri="{FF2B5EF4-FFF2-40B4-BE49-F238E27FC236}">
+                <a16:creationId xmlns:a16="http://schemas.microsoft.com/office/drawing/2014/main" id="{02B01EE4-20F8-4BD7-9F1B-A53390174130}"/>
+              </a:ext>
+            </a:extLst>
+          </p:cNvPr>
+          <p:cNvSpPr/>
+          <p:nvPr/>
+        </p:nvSpPr>
+        <p:spPr>
+          <a:xfrm>
+            <a:off x="9065845" y="3318518"/>
+            <a:ext cx="352613" cy="223102"/>
+          </a:xfrm>
+          <a:prstGeom prst="rect">
+            <a:avLst/>
+          </a:prstGeom>
+          <a:solidFill>
+            <a:schemeClr val="accent2">
+              <a:lumMod val="40000"/>
+              <a:lumOff val="60000"/>
+            </a:schemeClr>
+          </a:solidFill>
+          <a:ln w="25400">
+            <a:solidFill>
+              <a:srgbClr val="C00000"/>
+            </a:solidFill>
+          </a:ln>
+        </p:spPr>
+        <p:style>
+          <a:lnRef idx="2">
+            <a:schemeClr val="accent1">
+              <a:shade val="50000"/>
+            </a:schemeClr>
+          </a:lnRef>
+          <a:fillRef idx="1">
+            <a:schemeClr val="accent1"/>
+          </a:fillRef>
+          <a:effectRef idx="0">
+            <a:schemeClr val="accent1"/>
+          </a:effectRef>
+          <a:fontRef idx="minor">
+            <a:schemeClr val="lt1"/>
+          </a:fontRef>
+        </p:style>
+        <p:txBody>
+          <a:bodyPr rtlCol="0" anchor="ctr"/>
+          <a:lstStyle/>
+          <a:p>
+            <a:pPr algn="ctr"/>
+            <a:endParaRPr lang="en-MY"/>
+          </a:p>
+        </p:txBody>
+      </p:sp>
+      <p:sp>
+        <p:nvSpPr>
+          <p:cNvPr id="79" name="TextBox 78">
+            <a:extLst>
+              <a:ext uri="{FF2B5EF4-FFF2-40B4-BE49-F238E27FC236}">
+                <a16:creationId xmlns:a16="http://schemas.microsoft.com/office/drawing/2014/main" id="{F7AC4027-4E40-4232-AEED-63BDA60CC8F2}"/>
+              </a:ext>
+            </a:extLst>
+          </p:cNvPr>
+          <p:cNvSpPr txBox="1"/>
+          <p:nvPr/>
+        </p:nvSpPr>
+        <p:spPr>
+          <a:xfrm>
+            <a:off x="7781468" y="3280417"/>
+            <a:ext cx="934871" cy="276999"/>
+          </a:xfrm>
+          <a:prstGeom prst="rect">
+            <a:avLst/>
+          </a:prstGeom>
+          <a:noFill/>
+        </p:spPr>
+        <p:txBody>
+          <a:bodyPr wrap="none" rtlCol="0">
+            <a:spAutoFit/>
+          </a:bodyPr>
+          <a:lstStyle/>
+          <a:p>
+            <a:r>
+              <a:rPr lang="en-SG" sz="1200" dirty="0">
+                <a:latin typeface="Arial" panose="020B0604020202020204" pitchFamily="34" charset="0"/>
+                <a:cs typeface="Arial" panose="020B0604020202020204" pitchFamily="34" charset="0"/>
+              </a:rPr>
+              <a:t>:Command</a:t>
+            </a:r>
+          </a:p>
+        </p:txBody>
+      </p:sp>
+      <p:sp>
+        <p:nvSpPr>
+          <p:cNvPr id="86" name="TextBox 85">
+            <a:extLst>
+              <a:ext uri="{FF2B5EF4-FFF2-40B4-BE49-F238E27FC236}">
+                <a16:creationId xmlns:a16="http://schemas.microsoft.com/office/drawing/2014/main" id="{766AFBA6-88DC-47B5-9BAE-46D8A0968DDD}"/>
+              </a:ext>
+            </a:extLst>
+          </p:cNvPr>
+          <p:cNvSpPr txBox="1"/>
+          <p:nvPr/>
+        </p:nvSpPr>
+        <p:spPr>
+          <a:xfrm>
+            <a:off x="4909731" y="3264620"/>
+            <a:ext cx="1608133" cy="276999"/>
+          </a:xfrm>
+          <a:prstGeom prst="rect">
+            <a:avLst/>
+          </a:prstGeom>
+          <a:noFill/>
+        </p:spPr>
+        <p:txBody>
+          <a:bodyPr wrap="none" rtlCol="0">
+            <a:spAutoFit/>
+          </a:bodyPr>
+          <a:lstStyle/>
+          <a:p>
+            <a:r>
+              <a:rPr lang="en-SG" sz="1200" dirty="0" err="1">
+                <a:latin typeface="Arial" panose="020B0604020202020204" pitchFamily="34" charset="0"/>
+                <a:cs typeface="Arial" panose="020B0604020202020204" pitchFamily="34" charset="0"/>
+              </a:rPr>
+              <a:t>command:Command</a:t>
+            </a:r>
+            <a:endParaRPr lang="en-SG" sz="1200" dirty="0">
+              <a:latin typeface="Arial" panose="020B0604020202020204" pitchFamily="34" charset="0"/>
+              <a:cs typeface="Arial" panose="020B0604020202020204" pitchFamily="34" charset="0"/>
+            </a:endParaRPr>
+          </a:p>
+        </p:txBody>
+      </p:sp>
+      <p:sp>
+        <p:nvSpPr>
+          <p:cNvPr id="92" name="TextBox 91">
+            <a:extLst>
+              <a:ext uri="{FF2B5EF4-FFF2-40B4-BE49-F238E27FC236}">
+                <a16:creationId xmlns:a16="http://schemas.microsoft.com/office/drawing/2014/main" id="{39792B60-654A-41DB-B3EB-1FCD9FC61D9A}"/>
+              </a:ext>
+            </a:extLst>
+          </p:cNvPr>
+          <p:cNvSpPr txBox="1"/>
+          <p:nvPr/>
+        </p:nvSpPr>
+        <p:spPr>
+          <a:xfrm>
+            <a:off x="5786128" y="3765559"/>
+            <a:ext cx="1021433" cy="276999"/>
+          </a:xfrm>
+          <a:prstGeom prst="rect">
+            <a:avLst/>
+          </a:prstGeom>
+          <a:noFill/>
+        </p:spPr>
+        <p:txBody>
+          <a:bodyPr wrap="none" rtlCol="0">
+            <a:spAutoFit/>
+          </a:bodyPr>
+          <a:lstStyle/>
+          <a:p>
+            <a:r>
+              <a:rPr lang="en-SG" sz="1200" dirty="0">
+                <a:latin typeface="Arial" panose="020B0604020202020204" pitchFamily="34" charset="0"/>
+                <a:cs typeface="Arial" panose="020B0604020202020204" pitchFamily="34" charset="0"/>
+              </a:rPr>
+              <a:t>execute(:UI)</a:t>
+            </a:r>
+          </a:p>
+        </p:txBody>
+      </p:sp>
+      <p:sp>
+        <p:nvSpPr>
+          <p:cNvPr id="96" name="Rectangle 95">
+            <a:extLst>
+              <a:ext uri="{FF2B5EF4-FFF2-40B4-BE49-F238E27FC236}">
+                <a16:creationId xmlns:a16="http://schemas.microsoft.com/office/drawing/2014/main" id="{F63A784C-36DD-424A-AA42-0873C6ACC1BF}"/>
+              </a:ext>
+            </a:extLst>
+          </p:cNvPr>
+          <p:cNvSpPr/>
+          <p:nvPr/>
+        </p:nvSpPr>
+        <p:spPr>
+          <a:xfrm>
+            <a:off x="9065845" y="4079446"/>
+            <a:ext cx="352613" cy="798130"/>
+          </a:xfrm>
+          <a:prstGeom prst="rect">
+            <a:avLst/>
+          </a:prstGeom>
+          <a:solidFill>
+            <a:schemeClr val="accent2">
+              <a:lumMod val="40000"/>
+              <a:lumOff val="60000"/>
+            </a:schemeClr>
+          </a:solidFill>
+          <a:ln w="25400">
+            <a:solidFill>
+              <a:srgbClr val="C00000"/>
+            </a:solidFill>
+          </a:ln>
+        </p:spPr>
+        <p:style>
+          <a:lnRef idx="2">
+            <a:schemeClr val="accent1">
+              <a:shade val="50000"/>
+            </a:schemeClr>
+          </a:lnRef>
+          <a:fillRef idx="1">
+            <a:schemeClr val="accent1"/>
+          </a:fillRef>
+          <a:effectRef idx="0">
+            <a:schemeClr val="accent1"/>
+          </a:effectRef>
+          <a:fontRef idx="minor">
+            <a:schemeClr val="lt1"/>
+          </a:fontRef>
+        </p:style>
+        <p:txBody>
+          <a:bodyPr rtlCol="0" anchor="ctr"/>
+          <a:lstStyle/>
+          <a:p>
+            <a:pPr algn="ctr"/>
+            <a:endParaRPr lang="en-MY"/>
+          </a:p>
+        </p:txBody>
+      </p:sp>
+      <p:cxnSp>
+        <p:nvCxnSpPr>
+          <p:cNvPr id="101" name="Straight Connector 100">
+            <a:extLst>
+              <a:ext uri="{FF2B5EF4-FFF2-40B4-BE49-F238E27FC236}">
+                <a16:creationId xmlns:a16="http://schemas.microsoft.com/office/drawing/2014/main" id="{E594E430-5782-47CF-B96E-BAE6101EE7ED}"/>
+              </a:ext>
+            </a:extLst>
+          </p:cNvPr>
+          <p:cNvCxnSpPr>
+            <a:cxnSpLocks/>
+            <a:stCxn id="75" idx="2"/>
+            <a:endCxn id="96" idx="0"/>
+          </p:cNvCxnSpPr>
+          <p:nvPr/>
+        </p:nvCxnSpPr>
+        <p:spPr>
+          <a:xfrm>
+            <a:off x="9242152" y="3541620"/>
+            <a:ext cx="0" cy="537826"/>
+          </a:xfrm>
+          <a:prstGeom prst="line">
+            <a:avLst/>
+          </a:prstGeom>
+          <a:ln w="25400">
+            <a:solidFill>
+              <a:schemeClr val="tx1"/>
+            </a:solidFill>
+            <a:prstDash val="sysDash"/>
+          </a:ln>
+        </p:spPr>
+        <p:style>
+          <a:lnRef idx="1">
+            <a:schemeClr val="accent1"/>
+          </a:lnRef>
+          <a:fillRef idx="0">
+            <a:schemeClr val="accent1"/>
+          </a:fillRef>
+          <a:effectRef idx="0">
+            <a:schemeClr val="accent1"/>
+          </a:effectRef>
+          <a:fontRef idx="minor">
+            <a:schemeClr val="tx1"/>
+          </a:fontRef>
+        </p:style>
+      </p:cxnSp>
+      <p:sp>
+        <p:nvSpPr>
+          <p:cNvPr id="104" name="Rectangle 103">
+            <a:extLst>
+              <a:ext uri="{FF2B5EF4-FFF2-40B4-BE49-F238E27FC236}">
+                <a16:creationId xmlns:a16="http://schemas.microsoft.com/office/drawing/2014/main" id="{9E8FD521-A72F-4353-8692-E4CC211E0C57}"/>
+              </a:ext>
+            </a:extLst>
+          </p:cNvPr>
+          <p:cNvSpPr/>
+          <p:nvPr/>
+        </p:nvSpPr>
+        <p:spPr>
+          <a:xfrm>
+            <a:off x="5218095" y="4395149"/>
+            <a:ext cx="352613" cy="315477"/>
+          </a:xfrm>
+          <a:prstGeom prst="rect">
+            <a:avLst/>
+          </a:prstGeom>
+          <a:solidFill>
+            <a:schemeClr val="accent4">
+              <a:lumMod val="40000"/>
+              <a:lumOff val="60000"/>
+            </a:schemeClr>
+          </a:solidFill>
+          <a:ln w="25400">
+            <a:solidFill>
+              <a:schemeClr val="accent4"/>
+            </a:solidFill>
+          </a:ln>
+        </p:spPr>
+        <p:style>
+          <a:lnRef idx="2">
+            <a:schemeClr val="accent1">
+              <a:shade val="50000"/>
+            </a:schemeClr>
+          </a:lnRef>
+          <a:fillRef idx="1">
+            <a:schemeClr val="accent1"/>
+          </a:fillRef>
+          <a:effectRef idx="0">
+            <a:schemeClr val="accent1"/>
+          </a:effectRef>
+          <a:fontRef idx="minor">
+            <a:schemeClr val="lt1"/>
+          </a:fontRef>
+        </p:style>
+        <p:txBody>
+          <a:bodyPr rtlCol="0" anchor="ctr"/>
+          <a:lstStyle/>
+          <a:p>
+            <a:pPr algn="ctr"/>
+            <a:endParaRPr lang="en-MY"/>
+          </a:p>
+        </p:txBody>
+      </p:sp>
+      <p:sp>
+        <p:nvSpPr>
+          <p:cNvPr id="110" name="TextBox 109">
+            <a:extLst>
+              <a:ext uri="{FF2B5EF4-FFF2-40B4-BE49-F238E27FC236}">
+                <a16:creationId xmlns:a16="http://schemas.microsoft.com/office/drawing/2014/main" id="{0430F3B9-9D13-4E74-97C7-272CB867DEB0}"/>
+              </a:ext>
+            </a:extLst>
+          </p:cNvPr>
+          <p:cNvSpPr txBox="1"/>
+          <p:nvPr/>
+        </p:nvSpPr>
+        <p:spPr>
+          <a:xfrm>
+            <a:off x="6572145" y="4061090"/>
+            <a:ext cx="1651414" cy="276999"/>
+          </a:xfrm>
+          <a:prstGeom prst="rect">
+            <a:avLst/>
+          </a:prstGeom>
+          <a:noFill/>
+        </p:spPr>
+        <p:txBody>
+          <a:bodyPr wrap="none" rtlCol="0">
+            <a:spAutoFit/>
+          </a:bodyPr>
+          <a:lstStyle/>
+          <a:p>
+            <a:r>
+              <a:rPr lang="en-SG" sz="1200" dirty="0" err="1">
+                <a:latin typeface="Arial" panose="020B0604020202020204" pitchFamily="34" charset="0"/>
+                <a:cs typeface="Arial" panose="020B0604020202020204" pitchFamily="34" charset="0"/>
+              </a:rPr>
+              <a:t>printMessage</a:t>
+            </a:r>
+            <a:r>
+              <a:rPr lang="en-SG" sz="1200" dirty="0">
+                <a:latin typeface="Arial" panose="020B0604020202020204" pitchFamily="34" charset="0"/>
+                <a:cs typeface="Arial" panose="020B0604020202020204" pitchFamily="34" charset="0"/>
+              </a:rPr>
+              <a:t>(:String)</a:t>
+            </a:r>
+          </a:p>
+        </p:txBody>
+      </p:sp>
+      <p:sp>
+        <p:nvSpPr>
+          <p:cNvPr id="129" name="Rectangle 128">
+            <a:extLst>
+              <a:ext uri="{FF2B5EF4-FFF2-40B4-BE49-F238E27FC236}">
+                <a16:creationId xmlns:a16="http://schemas.microsoft.com/office/drawing/2014/main" id="{2529AE24-5E05-4060-8C43-75AADEE0ABFC}"/>
+              </a:ext>
+            </a:extLst>
+          </p:cNvPr>
+          <p:cNvSpPr/>
+          <p:nvPr/>
+        </p:nvSpPr>
+        <p:spPr>
+          <a:xfrm>
+            <a:off x="9065845" y="5185579"/>
+            <a:ext cx="352613" cy="315477"/>
+          </a:xfrm>
+          <a:prstGeom prst="rect">
+            <a:avLst/>
+          </a:prstGeom>
+          <a:solidFill>
+            <a:schemeClr val="accent2">
+              <a:lumMod val="40000"/>
+              <a:lumOff val="60000"/>
+            </a:schemeClr>
+          </a:solidFill>
+          <a:ln w="25400">
+            <a:solidFill>
+              <a:srgbClr val="C00000"/>
+            </a:solidFill>
+          </a:ln>
+        </p:spPr>
+        <p:style>
+          <a:lnRef idx="2">
+            <a:schemeClr val="accent1">
+              <a:shade val="50000"/>
+            </a:schemeClr>
+          </a:lnRef>
+          <a:fillRef idx="1">
+            <a:schemeClr val="accent1"/>
+          </a:fillRef>
+          <a:effectRef idx="0">
+            <a:schemeClr val="accent1"/>
+          </a:effectRef>
+          <a:fontRef idx="minor">
+            <a:schemeClr val="lt1"/>
+          </a:fontRef>
+        </p:style>
+        <p:txBody>
+          <a:bodyPr rtlCol="0" anchor="ctr"/>
+          <a:lstStyle/>
+          <a:p>
+            <a:pPr algn="ctr"/>
+            <a:endParaRPr lang="en-MY"/>
+          </a:p>
+        </p:txBody>
+      </p:sp>
+      <p:cxnSp>
+        <p:nvCxnSpPr>
+          <p:cNvPr id="131" name="Straight Connector 130">
+            <a:extLst>
+              <a:ext uri="{FF2B5EF4-FFF2-40B4-BE49-F238E27FC236}">
+                <a16:creationId xmlns:a16="http://schemas.microsoft.com/office/drawing/2014/main" id="{857F8193-A013-4A95-A361-5921101E8963}"/>
+              </a:ext>
+            </a:extLst>
+          </p:cNvPr>
+          <p:cNvCxnSpPr>
+            <a:cxnSpLocks/>
+            <a:stCxn id="96" idx="2"/>
+            <a:endCxn id="129" idx="0"/>
+          </p:cNvCxnSpPr>
+          <p:nvPr/>
+        </p:nvCxnSpPr>
+        <p:spPr>
+          <a:xfrm>
+            <a:off x="9242152" y="4877576"/>
+            <a:ext cx="0" cy="308003"/>
+          </a:xfrm>
+          <a:prstGeom prst="line">
+            <a:avLst/>
+          </a:prstGeom>
+          <a:ln w="25400">
+            <a:solidFill>
+              <a:schemeClr val="tx1"/>
+            </a:solidFill>
+            <a:prstDash val="sysDash"/>
+          </a:ln>
+        </p:spPr>
+        <p:style>
+          <a:lnRef idx="1">
+            <a:schemeClr val="accent1"/>
+          </a:lnRef>
+          <a:fillRef idx="0">
+            <a:schemeClr val="accent1"/>
+          </a:fillRef>
+          <a:effectRef idx="0">
+            <a:schemeClr val="accent1"/>
+          </a:effectRef>
+          <a:fontRef idx="minor">
+            <a:schemeClr val="tx1"/>
+          </a:fontRef>
+        </p:style>
+      </p:cxnSp>
+      <p:sp>
+        <p:nvSpPr>
+          <p:cNvPr id="136" name="TextBox 135">
+            <a:extLst>
+              <a:ext uri="{FF2B5EF4-FFF2-40B4-BE49-F238E27FC236}">
+                <a16:creationId xmlns:a16="http://schemas.microsoft.com/office/drawing/2014/main" id="{230831B6-E0BE-4D1B-8DFF-B22B22C52D39}"/>
+              </a:ext>
+            </a:extLst>
+          </p:cNvPr>
+          <p:cNvSpPr txBox="1"/>
+          <p:nvPr/>
+        </p:nvSpPr>
+        <p:spPr>
+          <a:xfrm>
+            <a:off x="6251525" y="4878744"/>
+            <a:ext cx="654346" cy="276999"/>
+          </a:xfrm>
+          <a:prstGeom prst="rect">
+            <a:avLst/>
+          </a:prstGeom>
+          <a:noFill/>
+        </p:spPr>
+        <p:txBody>
+          <a:bodyPr wrap="none" rtlCol="0">
+            <a:spAutoFit/>
+          </a:bodyPr>
+          <a:lstStyle/>
+          <a:p>
+            <a:r>
+              <a:rPr lang="en-SG" sz="1200" dirty="0" err="1">
+                <a:latin typeface="Arial" panose="020B0604020202020204" pitchFamily="34" charset="0"/>
+                <a:cs typeface="Arial" panose="020B0604020202020204" pitchFamily="34" charset="0"/>
+              </a:rPr>
+              <a:t>isExit</a:t>
+            </a:r>
+            <a:r>
+              <a:rPr lang="en-SG" sz="1200" dirty="0">
+                <a:latin typeface="Arial" panose="020B0604020202020204" pitchFamily="34" charset="0"/>
+                <a:cs typeface="Arial" panose="020B0604020202020204" pitchFamily="34" charset="0"/>
+              </a:rPr>
+              <a:t>()</a:t>
+            </a:r>
+          </a:p>
+        </p:txBody>
+      </p:sp>
+      <p:sp>
+        <p:nvSpPr>
+          <p:cNvPr id="142" name="TextBox 141">
+            <a:extLst>
+              <a:ext uri="{FF2B5EF4-FFF2-40B4-BE49-F238E27FC236}">
+                <a16:creationId xmlns:a16="http://schemas.microsoft.com/office/drawing/2014/main" id="{96D28BE8-6D99-4B5E-A0A5-930EE03928D3}"/>
+              </a:ext>
+            </a:extLst>
+          </p:cNvPr>
+          <p:cNvSpPr txBox="1"/>
+          <p:nvPr/>
+        </p:nvSpPr>
+        <p:spPr>
+          <a:xfrm>
+            <a:off x="6002918" y="5189129"/>
+            <a:ext cx="1138453" cy="276999"/>
+          </a:xfrm>
+          <a:prstGeom prst="rect">
+            <a:avLst/>
+          </a:prstGeom>
+          <a:noFill/>
+        </p:spPr>
+        <p:txBody>
+          <a:bodyPr wrap="none" rtlCol="0">
+            <a:spAutoFit/>
+          </a:bodyPr>
+          <a:lstStyle/>
+          <a:p>
+            <a:r>
+              <a:rPr lang="en-SG" sz="1200" dirty="0" err="1">
+                <a:latin typeface="Arial" panose="020B0604020202020204" pitchFamily="34" charset="0"/>
+                <a:cs typeface="Arial" panose="020B0604020202020204" pitchFamily="34" charset="0"/>
+              </a:rPr>
+              <a:t>isExit:boolean</a:t>
+            </a:r>
+            <a:endParaRPr lang="en-SG" sz="1200" dirty="0">
+              <a:latin typeface="Arial" panose="020B0604020202020204" pitchFamily="34" charset="0"/>
+              <a:cs typeface="Arial" panose="020B0604020202020204" pitchFamily="34" charset="0"/>
+            </a:endParaRPr>
+          </a:p>
+        </p:txBody>
+      </p:sp>
+      <p:cxnSp>
+        <p:nvCxnSpPr>
+          <p:cNvPr id="144" name="Straight Connector 143">
+            <a:extLst>
+              <a:ext uri="{FF2B5EF4-FFF2-40B4-BE49-F238E27FC236}">
+                <a16:creationId xmlns:a16="http://schemas.microsoft.com/office/drawing/2014/main" id="{B658F954-BF1A-4266-BED8-30593B95D63A}"/>
+              </a:ext>
+            </a:extLst>
+          </p:cNvPr>
+          <p:cNvCxnSpPr>
+            <a:cxnSpLocks/>
+            <a:stCxn id="104" idx="2"/>
+          </p:cNvCxnSpPr>
+          <p:nvPr/>
+        </p:nvCxnSpPr>
+        <p:spPr>
+          <a:xfrm flipH="1">
+            <a:off x="5394401" y="4710626"/>
+            <a:ext cx="1" cy="1490117"/>
+          </a:xfrm>
+          <a:prstGeom prst="line">
+            <a:avLst/>
+          </a:prstGeom>
+          <a:ln w="25400">
+            <a:solidFill>
+              <a:schemeClr val="tx1"/>
+            </a:solidFill>
+            <a:prstDash val="sysDash"/>
+          </a:ln>
+        </p:spPr>
+        <p:style>
+          <a:lnRef idx="1">
+            <a:schemeClr val="accent1"/>
+          </a:lnRef>
+          <a:fillRef idx="0">
+            <a:schemeClr val="accent1"/>
+          </a:fillRef>
+          <a:effectRef idx="0">
+            <a:schemeClr val="accent1"/>
+          </a:effectRef>
+          <a:fontRef idx="minor">
+            <a:schemeClr val="tx1"/>
+          </a:fontRef>
+        </p:style>
+      </p:cxnSp>
+      <p:cxnSp>
+        <p:nvCxnSpPr>
+          <p:cNvPr id="148" name="Straight Connector 147">
+            <a:extLst>
+              <a:ext uri="{FF2B5EF4-FFF2-40B4-BE49-F238E27FC236}">
+                <a16:creationId xmlns:a16="http://schemas.microsoft.com/office/drawing/2014/main" id="{FDE6E504-3881-4FF3-A98F-880425583FB5}"/>
+              </a:ext>
+            </a:extLst>
+          </p:cNvPr>
+          <p:cNvCxnSpPr>
+            <a:cxnSpLocks/>
+            <a:stCxn id="52" idx="2"/>
+          </p:cNvCxnSpPr>
+          <p:nvPr/>
+        </p:nvCxnSpPr>
+        <p:spPr>
+          <a:xfrm>
+            <a:off x="7158455" y="3684162"/>
+            <a:ext cx="0" cy="2516581"/>
+          </a:xfrm>
+          <a:prstGeom prst="line">
+            <a:avLst/>
+          </a:prstGeom>
+          <a:ln w="25400">
+            <a:solidFill>
+              <a:schemeClr val="tx1"/>
+            </a:solidFill>
+            <a:prstDash val="sysDash"/>
+          </a:ln>
+        </p:spPr>
+        <p:style>
+          <a:lnRef idx="1">
+            <a:schemeClr val="accent1"/>
+          </a:lnRef>
+          <a:fillRef idx="0">
+            <a:schemeClr val="accent1"/>
+          </a:fillRef>
+          <a:effectRef idx="0">
+            <a:schemeClr val="accent1"/>
+          </a:effectRef>
+          <a:fontRef idx="minor">
+            <a:schemeClr val="tx1"/>
+          </a:fontRef>
+        </p:style>
+      </p:cxnSp>
+      <p:cxnSp>
+        <p:nvCxnSpPr>
+          <p:cNvPr id="154" name="Straight Connector 153">
+            <a:extLst>
+              <a:ext uri="{FF2B5EF4-FFF2-40B4-BE49-F238E27FC236}">
+                <a16:creationId xmlns:a16="http://schemas.microsoft.com/office/drawing/2014/main" id="{3B7A4CCC-8466-4D66-A1C5-7A355CF4D8EF}"/>
+              </a:ext>
+            </a:extLst>
+          </p:cNvPr>
+          <p:cNvCxnSpPr>
+            <a:cxnSpLocks/>
+            <a:stCxn id="129" idx="2"/>
+          </p:cNvCxnSpPr>
+          <p:nvPr/>
+        </p:nvCxnSpPr>
+        <p:spPr>
+          <a:xfrm flipH="1">
+            <a:off x="9242151" y="5501056"/>
+            <a:ext cx="1" cy="174735"/>
+          </a:xfrm>
+          <a:prstGeom prst="line">
+            <a:avLst/>
+          </a:prstGeom>
+          <a:ln w="25400">
+            <a:solidFill>
+              <a:schemeClr val="tx1"/>
+            </a:solidFill>
+            <a:prstDash val="sysDash"/>
+          </a:ln>
+        </p:spPr>
+        <p:style>
+          <a:lnRef idx="1">
+            <a:schemeClr val="accent1"/>
+          </a:lnRef>
+          <a:fillRef idx="0">
+            <a:schemeClr val="accent1"/>
+          </a:fillRef>
+          <a:effectRef idx="0">
+            <a:schemeClr val="accent1"/>
+          </a:effectRef>
+          <a:fontRef idx="minor">
+            <a:schemeClr val="tx1"/>
+          </a:fontRef>
+        </p:style>
+      </p:cxnSp>
+      <p:cxnSp>
+        <p:nvCxnSpPr>
+          <p:cNvPr id="156" name="Straight Connector 155">
+            <a:extLst>
+              <a:ext uri="{FF2B5EF4-FFF2-40B4-BE49-F238E27FC236}">
+                <a16:creationId xmlns:a16="http://schemas.microsoft.com/office/drawing/2014/main" id="{175274B6-8E09-449D-8536-1929ED2130D3}"/>
+              </a:ext>
+            </a:extLst>
+          </p:cNvPr>
+          <p:cNvCxnSpPr>
+            <a:cxnSpLocks/>
+          </p:cNvCxnSpPr>
+          <p:nvPr/>
+        </p:nvCxnSpPr>
+        <p:spPr>
+          <a:xfrm>
+            <a:off x="3627572" y="6012114"/>
+            <a:ext cx="0" cy="188629"/>
+          </a:xfrm>
+          <a:prstGeom prst="line">
+            <a:avLst/>
+          </a:prstGeom>
+          <a:ln w="25400">
+            <a:solidFill>
+              <a:schemeClr val="tx1"/>
+            </a:solidFill>
+            <a:prstDash val="sysDash"/>
+          </a:ln>
+        </p:spPr>
+        <p:style>
+          <a:lnRef idx="1">
+            <a:schemeClr val="accent1"/>
+          </a:lnRef>
+          <a:fillRef idx="0">
+            <a:schemeClr val="accent1"/>
+          </a:fillRef>
+          <a:effectRef idx="0">
+            <a:schemeClr val="accent1"/>
+          </a:effectRef>
+          <a:fontRef idx="minor">
+            <a:schemeClr val="tx1"/>
+          </a:fontRef>
+        </p:style>
+      </p:cxnSp>
+      <p:sp>
+        <p:nvSpPr>
+          <p:cNvPr id="158" name="Multiplication Sign 157">
+            <a:extLst>
+              <a:ext uri="{FF2B5EF4-FFF2-40B4-BE49-F238E27FC236}">
+                <a16:creationId xmlns:a16="http://schemas.microsoft.com/office/drawing/2014/main" id="{C907081C-C430-4CA1-84D4-55C078F3FE27}"/>
+              </a:ext>
+            </a:extLst>
+          </p:cNvPr>
+          <p:cNvSpPr/>
+          <p:nvPr/>
+        </p:nvSpPr>
+        <p:spPr>
+          <a:xfrm>
+            <a:off x="3487689" y="6106054"/>
+            <a:ext cx="288000" cy="288000"/>
+          </a:xfrm>
+          <a:prstGeom prst="mathMultiply">
+            <a:avLst/>
+          </a:prstGeom>
+          <a:ln>
+            <a:noFill/>
+          </a:ln>
+        </p:spPr>
+        <p:style>
+          <a:lnRef idx="2">
+            <a:schemeClr val="dk1">
+              <a:shade val="50000"/>
+            </a:schemeClr>
+          </a:lnRef>
+          <a:fillRef idx="1">
+            <a:schemeClr val="dk1"/>
+          </a:fillRef>
+          <a:effectRef idx="0">
+            <a:schemeClr val="dk1"/>
+          </a:effectRef>
+          <a:fontRef idx="minor">
+            <a:schemeClr val="lt1"/>
+          </a:fontRef>
+        </p:style>
+        <p:txBody>
+          <a:bodyPr rtlCol="0" anchor="ctr"/>
+          <a:lstStyle/>
+          <a:p>
+            <a:pPr algn="ctr"/>
+            <a:endParaRPr lang="en-SG"/>
+          </a:p>
+        </p:txBody>
+      </p:sp>
+      <p:sp>
+        <p:nvSpPr>
+          <p:cNvPr id="161" name="Multiplication Sign 160">
+            <a:extLst>
+              <a:ext uri="{FF2B5EF4-FFF2-40B4-BE49-F238E27FC236}">
+                <a16:creationId xmlns:a16="http://schemas.microsoft.com/office/drawing/2014/main" id="{662AAC3C-CE03-4B31-A01B-879E9073EF0C}"/>
+              </a:ext>
+            </a:extLst>
+          </p:cNvPr>
+          <p:cNvSpPr/>
+          <p:nvPr/>
+        </p:nvSpPr>
+        <p:spPr>
+          <a:xfrm>
+            <a:off x="5247529" y="6119192"/>
+            <a:ext cx="288190" cy="288190"/>
+          </a:xfrm>
+          <a:prstGeom prst="mathMultiply">
+            <a:avLst/>
+          </a:prstGeom>
+          <a:ln>
+            <a:noFill/>
+          </a:ln>
+        </p:spPr>
+        <p:style>
+          <a:lnRef idx="2">
+            <a:schemeClr val="dk1">
+              <a:shade val="50000"/>
+            </a:schemeClr>
+          </a:lnRef>
+          <a:fillRef idx="1">
+            <a:schemeClr val="dk1"/>
+          </a:fillRef>
+          <a:effectRef idx="0">
+            <a:schemeClr val="dk1"/>
+          </a:effectRef>
+          <a:fontRef idx="minor">
+            <a:schemeClr val="lt1"/>
+          </a:fontRef>
+        </p:style>
+        <p:txBody>
+          <a:bodyPr rtlCol="0" anchor="ctr"/>
+          <a:lstStyle/>
+          <a:p>
+            <a:pPr algn="ctr"/>
+            <a:endParaRPr lang="en-SG"/>
+          </a:p>
+        </p:txBody>
+      </p:sp>
+      <p:sp>
+        <p:nvSpPr>
+          <p:cNvPr id="165" name="Multiplication Sign 164">
+            <a:extLst>
+              <a:ext uri="{FF2B5EF4-FFF2-40B4-BE49-F238E27FC236}">
+                <a16:creationId xmlns:a16="http://schemas.microsoft.com/office/drawing/2014/main" id="{AC80EAD4-2338-47B5-9D59-316B956CCC62}"/>
+              </a:ext>
+            </a:extLst>
+          </p:cNvPr>
+          <p:cNvSpPr/>
+          <p:nvPr/>
+        </p:nvSpPr>
+        <p:spPr>
+          <a:xfrm>
+            <a:off x="7009758" y="6106054"/>
+            <a:ext cx="288190" cy="288190"/>
+          </a:xfrm>
+          <a:prstGeom prst="mathMultiply">
+            <a:avLst/>
+          </a:prstGeom>
+          <a:ln>
+            <a:noFill/>
+          </a:ln>
+        </p:spPr>
+        <p:style>
+          <a:lnRef idx="2">
+            <a:schemeClr val="dk1">
+              <a:shade val="50000"/>
+            </a:schemeClr>
+          </a:lnRef>
+          <a:fillRef idx="1">
+            <a:schemeClr val="dk1"/>
+          </a:fillRef>
+          <a:effectRef idx="0">
+            <a:schemeClr val="dk1"/>
+          </a:effectRef>
+          <a:fontRef idx="minor">
+            <a:schemeClr val="lt1"/>
+          </a:fontRef>
+        </p:style>
+        <p:txBody>
+          <a:bodyPr rtlCol="0" anchor="ctr"/>
+          <a:lstStyle/>
+          <a:p>
+            <a:pPr algn="ctr"/>
+            <a:endParaRPr lang="en-SG"/>
+          </a:p>
+        </p:txBody>
+      </p:sp>
+      <p:sp>
+        <p:nvSpPr>
+          <p:cNvPr id="166" name="Multiplication Sign 165">
+            <a:extLst>
+              <a:ext uri="{FF2B5EF4-FFF2-40B4-BE49-F238E27FC236}">
+                <a16:creationId xmlns:a16="http://schemas.microsoft.com/office/drawing/2014/main" id="{966C2CFD-9C0F-431F-8A89-09212CB0073E}"/>
+              </a:ext>
+            </a:extLst>
+          </p:cNvPr>
+          <p:cNvSpPr/>
+          <p:nvPr/>
+        </p:nvSpPr>
+        <p:spPr>
+          <a:xfrm>
+            <a:off x="9098056" y="5568888"/>
+            <a:ext cx="288190" cy="288190"/>
+          </a:xfrm>
+          <a:prstGeom prst="mathMultiply">
+            <a:avLst/>
+          </a:prstGeom>
+          <a:ln>
+            <a:noFill/>
+          </a:ln>
+        </p:spPr>
+        <p:style>
+          <a:lnRef idx="2">
+            <a:schemeClr val="dk1">
+              <a:shade val="50000"/>
+            </a:schemeClr>
+          </a:lnRef>
+          <a:fillRef idx="1">
+            <a:schemeClr val="dk1"/>
+          </a:fillRef>
+          <a:effectRef idx="0">
+            <a:schemeClr val="dk1"/>
+          </a:effectRef>
+          <a:fontRef idx="minor">
+            <a:schemeClr val="lt1"/>
+          </a:fontRef>
+        </p:style>
+        <p:txBody>
+          <a:bodyPr rtlCol="0" anchor="ctr"/>
+          <a:lstStyle/>
+          <a:p>
+            <a:pPr algn="ctr"/>
+            <a:endParaRPr lang="en-SG" dirty="0"/>
+          </a:p>
+        </p:txBody>
+      </p:sp>
+      <p:grpSp>
+        <p:nvGrpSpPr>
+          <p:cNvPr id="199" name="Group 198">
+            <a:extLst>
+              <a:ext uri="{FF2B5EF4-FFF2-40B4-BE49-F238E27FC236}">
+                <a16:creationId xmlns:a16="http://schemas.microsoft.com/office/drawing/2014/main" id="{6570F34F-A6F3-47D7-9135-6C83067DDAE6}"/>
+              </a:ext>
+            </a:extLst>
+          </p:cNvPr>
+          <p:cNvGrpSpPr/>
+          <p:nvPr/>
+        </p:nvGrpSpPr>
+        <p:grpSpPr>
+          <a:xfrm>
+            <a:off x="3798468" y="2558991"/>
+            <a:ext cx="1419627" cy="291690"/>
+            <a:chOff x="4336787" y="2591850"/>
+            <a:chExt cx="1419627" cy="291690"/>
+          </a:xfrm>
+        </p:grpSpPr>
+        <p:sp>
+          <p:nvSpPr>
+            <p:cNvPr id="42" name="TextBox 41">
+              <a:extLst>
+                <a:ext uri="{FF2B5EF4-FFF2-40B4-BE49-F238E27FC236}">
+                  <a16:creationId xmlns:a16="http://schemas.microsoft.com/office/drawing/2014/main" id="{91CB295E-B23D-4CA7-A032-B93DBA14E557}"/>
+                </a:ext>
+              </a:extLst>
+            </p:cNvPr>
+            <p:cNvSpPr txBox="1"/>
+            <p:nvPr/>
+          </p:nvSpPr>
+          <p:spPr>
+            <a:xfrm>
+              <a:off x="4617221" y="2591850"/>
+              <a:ext cx="960519" cy="276999"/>
+            </a:xfrm>
+            <a:prstGeom prst="rect">
+              <a:avLst/>
+            </a:prstGeom>
+            <a:noFill/>
+          </p:spPr>
+          <p:txBody>
+            <a:bodyPr wrap="none" rtlCol="0">
+              <a:spAutoFit/>
+            </a:bodyPr>
+            <a:lstStyle/>
+            <a:p>
+              <a:r>
+                <a:rPr lang="en-SG" sz="1200" dirty="0" err="1">
+                  <a:latin typeface="Arial" panose="020B0604020202020204" pitchFamily="34" charset="0"/>
+                  <a:cs typeface="Arial" panose="020B0604020202020204" pitchFamily="34" charset="0"/>
+                </a:rPr>
+                <a:t>input:String</a:t>
+              </a:r>
+              <a:endParaRPr lang="en-SG" sz="1200" dirty="0">
+                <a:latin typeface="Arial" panose="020B0604020202020204" pitchFamily="34" charset="0"/>
+                <a:cs typeface="Arial" panose="020B0604020202020204" pitchFamily="34" charset="0"/>
+              </a:endParaRPr>
+            </a:p>
+          </p:txBody>
+        </p:sp>
+        <p:cxnSp>
+          <p:nvCxnSpPr>
+            <p:cNvPr id="196" name="Straight Arrow Connector 195">
+              <a:extLst>
+                <a:ext uri="{FF2B5EF4-FFF2-40B4-BE49-F238E27FC236}">
+                  <a16:creationId xmlns:a16="http://schemas.microsoft.com/office/drawing/2014/main" id="{C5AF65ED-854A-4AFA-8CDA-9C5389252EDC}"/>
+                </a:ext>
+              </a:extLst>
+            </p:cNvPr>
+            <p:cNvCxnSpPr>
+              <a:cxnSpLocks/>
+            </p:cNvCxnSpPr>
+            <p:nvPr/>
+          </p:nvCxnSpPr>
+          <p:spPr>
+            <a:xfrm flipH="1">
+              <a:off x="4336787" y="2883540"/>
+              <a:ext cx="1419627" cy="0"/>
+            </a:xfrm>
+            <a:prstGeom prst="straightConnector1">
+              <a:avLst/>
+            </a:prstGeom>
+            <a:ln w="25400">
+              <a:solidFill>
+                <a:schemeClr val="accent4"/>
+              </a:solidFill>
+              <a:prstDash val="sysDash"/>
+              <a:tailEnd type="triangle" w="lg" len="lg"/>
+            </a:ln>
+          </p:spPr>
+          <p:style>
+            <a:lnRef idx="1">
+              <a:schemeClr val="dk1"/>
+            </a:lnRef>
+            <a:fillRef idx="0">
+              <a:schemeClr val="dk1"/>
+            </a:fillRef>
+            <a:effectRef idx="0">
+              <a:schemeClr val="dk1"/>
+            </a:effectRef>
+            <a:fontRef idx="minor">
+              <a:schemeClr val="tx1"/>
+            </a:fontRef>
+          </p:style>
+        </p:cxnSp>
+      </p:grpSp>
+      <p:grpSp>
+        <p:nvGrpSpPr>
+          <p:cNvPr id="30" name="Group 29">
+            <a:extLst>
+              <a:ext uri="{FF2B5EF4-FFF2-40B4-BE49-F238E27FC236}">
+                <a16:creationId xmlns:a16="http://schemas.microsoft.com/office/drawing/2014/main" id="{1809BB07-D48B-4786-BE9D-552BF5D98DCE}"/>
+              </a:ext>
+            </a:extLst>
+          </p:cNvPr>
+          <p:cNvGrpSpPr/>
+          <p:nvPr/>
+        </p:nvGrpSpPr>
+        <p:grpSpPr>
+          <a:xfrm>
+            <a:off x="3811715" y="1637299"/>
+            <a:ext cx="1393131" cy="311956"/>
+            <a:chOff x="4350034" y="1898758"/>
+            <a:chExt cx="1393131" cy="311956"/>
+          </a:xfrm>
+        </p:grpSpPr>
+        <p:sp>
+          <p:nvSpPr>
+            <p:cNvPr id="36" name="TextBox 35">
+              <a:extLst>
+                <a:ext uri="{FF2B5EF4-FFF2-40B4-BE49-F238E27FC236}">
+                  <a16:creationId xmlns:a16="http://schemas.microsoft.com/office/drawing/2014/main" id="{F40D3260-DE6B-4CFC-9178-DC1EF4C33F37}"/>
+                </a:ext>
+              </a:extLst>
+            </p:cNvPr>
+            <p:cNvSpPr txBox="1"/>
+            <p:nvPr/>
+          </p:nvSpPr>
+          <p:spPr>
+            <a:xfrm>
+              <a:off x="4429370" y="1898758"/>
+              <a:ext cx="1300356" cy="276999"/>
+            </a:xfrm>
+            <a:prstGeom prst="rect">
+              <a:avLst/>
+            </a:prstGeom>
+            <a:noFill/>
+          </p:spPr>
+          <p:txBody>
+            <a:bodyPr wrap="none" rtlCol="0">
+              <a:spAutoFit/>
+            </a:bodyPr>
+            <a:lstStyle/>
+            <a:p>
+              <a:r>
+                <a:rPr lang="en-SG" sz="1200" dirty="0" err="1">
+                  <a:latin typeface="Arial" panose="020B0604020202020204" pitchFamily="34" charset="0"/>
+                  <a:cs typeface="Arial" panose="020B0604020202020204" pitchFamily="34" charset="0"/>
+                </a:rPr>
+                <a:t>readCommand</a:t>
+              </a:r>
+              <a:r>
+                <a:rPr lang="en-SG" sz="1200" dirty="0">
+                  <a:latin typeface="Arial" panose="020B0604020202020204" pitchFamily="34" charset="0"/>
+                  <a:cs typeface="Arial" panose="020B0604020202020204" pitchFamily="34" charset="0"/>
+                </a:rPr>
+                <a:t>()</a:t>
+              </a:r>
+            </a:p>
+          </p:txBody>
+        </p:sp>
+        <p:cxnSp>
+          <p:nvCxnSpPr>
+            <p:cNvPr id="200" name="Straight Arrow Connector 199">
+              <a:extLst>
+                <a:ext uri="{FF2B5EF4-FFF2-40B4-BE49-F238E27FC236}">
+                  <a16:creationId xmlns:a16="http://schemas.microsoft.com/office/drawing/2014/main" id="{EB7C1A68-7699-46A0-A1E1-75ABBEEAF0DE}"/>
+                </a:ext>
+              </a:extLst>
+            </p:cNvPr>
+            <p:cNvCxnSpPr>
+              <a:cxnSpLocks/>
+            </p:cNvCxnSpPr>
+            <p:nvPr/>
+          </p:nvCxnSpPr>
+          <p:spPr>
+            <a:xfrm>
+              <a:off x="4350034" y="2210714"/>
+              <a:ext cx="1393131" cy="0"/>
+            </a:xfrm>
+            <a:prstGeom prst="straightConnector1">
+              <a:avLst/>
+            </a:prstGeom>
+            <a:ln w="25400">
+              <a:solidFill>
+                <a:schemeClr val="accent1"/>
+              </a:solidFill>
+              <a:tailEnd type="triangle" w="lg" len="lg"/>
+            </a:ln>
+          </p:spPr>
+          <p:style>
+            <a:lnRef idx="1">
+              <a:schemeClr val="dk1"/>
+            </a:lnRef>
+            <a:fillRef idx="0">
+              <a:schemeClr val="dk1"/>
+            </a:fillRef>
+            <a:effectRef idx="0">
+              <a:schemeClr val="dk1"/>
+            </a:effectRef>
+            <a:fontRef idx="minor">
+              <a:schemeClr val="tx1"/>
+            </a:fontRef>
+          </p:style>
+        </p:cxnSp>
+      </p:grpSp>
+      <p:cxnSp>
+        <p:nvCxnSpPr>
+          <p:cNvPr id="201" name="Straight Arrow Connector 200">
+            <a:extLst>
+              <a:ext uri="{FF2B5EF4-FFF2-40B4-BE49-F238E27FC236}">
+                <a16:creationId xmlns:a16="http://schemas.microsoft.com/office/drawing/2014/main" id="{8A0A2120-FA7A-447F-AB81-0DD0F80E57AB}"/>
+              </a:ext>
+            </a:extLst>
+          </p:cNvPr>
+          <p:cNvCxnSpPr>
+            <a:cxnSpLocks/>
+          </p:cNvCxnSpPr>
+          <p:nvPr/>
+        </p:nvCxnSpPr>
+        <p:spPr>
+          <a:xfrm>
+            <a:off x="3811715" y="3153525"/>
+            <a:ext cx="3170433" cy="0"/>
+          </a:xfrm>
+          <a:prstGeom prst="straightConnector1">
+            <a:avLst/>
+          </a:prstGeom>
+          <a:ln w="25400">
+            <a:solidFill>
+              <a:schemeClr val="accent1"/>
+            </a:solidFill>
+            <a:tailEnd type="triangle" w="lg" len="lg"/>
+          </a:ln>
+        </p:spPr>
+        <p:style>
+          <a:lnRef idx="1">
+            <a:schemeClr val="dk1"/>
+          </a:lnRef>
+          <a:fillRef idx="0">
+            <a:schemeClr val="dk1"/>
+          </a:fillRef>
+          <a:effectRef idx="0">
+            <a:schemeClr val="dk1"/>
+          </a:effectRef>
+          <a:fontRef idx="minor">
+            <a:schemeClr val="tx1"/>
+          </a:fontRef>
+        </p:style>
+      </p:cxnSp>
+      <p:cxnSp>
+        <p:nvCxnSpPr>
+          <p:cNvPr id="203" name="Straight Arrow Connector 202">
+            <a:extLst>
+              <a:ext uri="{FF2B5EF4-FFF2-40B4-BE49-F238E27FC236}">
+                <a16:creationId xmlns:a16="http://schemas.microsoft.com/office/drawing/2014/main" id="{3D1A805C-77F6-4FC4-921E-1C6E84D3F4D9}"/>
+              </a:ext>
+            </a:extLst>
+          </p:cNvPr>
+          <p:cNvCxnSpPr>
+            <a:cxnSpLocks/>
+          </p:cNvCxnSpPr>
+          <p:nvPr/>
+        </p:nvCxnSpPr>
+        <p:spPr>
+          <a:xfrm>
+            <a:off x="3811715" y="4076550"/>
+            <a:ext cx="5245512" cy="0"/>
+          </a:xfrm>
+          <a:prstGeom prst="straightConnector1">
+            <a:avLst/>
+          </a:prstGeom>
+          <a:ln w="25400">
+            <a:solidFill>
+              <a:schemeClr val="accent1"/>
+            </a:solidFill>
+            <a:tailEnd type="triangle" w="lg" len="lg"/>
+          </a:ln>
+        </p:spPr>
+        <p:style>
+          <a:lnRef idx="1">
+            <a:schemeClr val="dk1"/>
+          </a:lnRef>
+          <a:fillRef idx="0">
+            <a:schemeClr val="dk1"/>
+          </a:fillRef>
+          <a:effectRef idx="0">
+            <a:schemeClr val="dk1"/>
+          </a:effectRef>
+          <a:fontRef idx="minor">
+            <a:schemeClr val="tx1"/>
+          </a:fontRef>
+        </p:style>
+      </p:cxnSp>
+      <p:cxnSp>
+        <p:nvCxnSpPr>
+          <p:cNvPr id="210" name="Straight Arrow Connector 209">
+            <a:extLst>
+              <a:ext uri="{FF2B5EF4-FFF2-40B4-BE49-F238E27FC236}">
+                <a16:creationId xmlns:a16="http://schemas.microsoft.com/office/drawing/2014/main" id="{905A4912-0EC1-4F5B-AB79-8491E5216CA4}"/>
+              </a:ext>
+            </a:extLst>
+          </p:cNvPr>
+          <p:cNvCxnSpPr>
+            <a:cxnSpLocks/>
+          </p:cNvCxnSpPr>
+          <p:nvPr/>
+        </p:nvCxnSpPr>
+        <p:spPr>
+          <a:xfrm>
+            <a:off x="3811715" y="5185579"/>
+            <a:ext cx="5245512" cy="0"/>
+          </a:xfrm>
+          <a:prstGeom prst="straightConnector1">
+            <a:avLst/>
+          </a:prstGeom>
+          <a:ln w="25400">
+            <a:solidFill>
+              <a:schemeClr val="accent1"/>
+            </a:solidFill>
+            <a:tailEnd type="triangle" w="lg" len="lg"/>
+          </a:ln>
+        </p:spPr>
+        <p:style>
+          <a:lnRef idx="1">
+            <a:schemeClr val="dk1"/>
+          </a:lnRef>
+          <a:fillRef idx="0">
+            <a:schemeClr val="dk1"/>
+          </a:fillRef>
+          <a:effectRef idx="0">
+            <a:schemeClr val="dk1"/>
+          </a:effectRef>
+          <a:fontRef idx="minor">
+            <a:schemeClr val="tx1"/>
+          </a:fontRef>
+        </p:style>
+      </p:cxnSp>
+      <p:cxnSp>
+        <p:nvCxnSpPr>
+          <p:cNvPr id="212" name="Straight Arrow Connector 211">
+            <a:extLst>
+              <a:ext uri="{FF2B5EF4-FFF2-40B4-BE49-F238E27FC236}">
+                <a16:creationId xmlns:a16="http://schemas.microsoft.com/office/drawing/2014/main" id="{C9771B34-AC4E-4525-94C6-27B19164955C}"/>
+              </a:ext>
+            </a:extLst>
+          </p:cNvPr>
+          <p:cNvCxnSpPr>
+            <a:cxnSpLocks/>
+          </p:cNvCxnSpPr>
+          <p:nvPr/>
+        </p:nvCxnSpPr>
+        <p:spPr>
+          <a:xfrm>
+            <a:off x="7345422" y="3282830"/>
+            <a:ext cx="1393131" cy="0"/>
+          </a:xfrm>
+          <a:prstGeom prst="straightConnector1">
+            <a:avLst/>
+          </a:prstGeom>
+          <a:ln w="25400">
+            <a:solidFill>
+              <a:schemeClr val="accent6"/>
+            </a:solidFill>
+            <a:tailEnd type="triangle" w="lg" len="lg"/>
+          </a:ln>
+        </p:spPr>
+        <p:style>
+          <a:lnRef idx="1">
+            <a:schemeClr val="dk1"/>
+          </a:lnRef>
+          <a:fillRef idx="0">
+            <a:schemeClr val="dk1"/>
+          </a:fillRef>
+          <a:effectRef idx="0">
+            <a:schemeClr val="dk1"/>
+          </a:effectRef>
+          <a:fontRef idx="minor">
+            <a:schemeClr val="tx1"/>
+          </a:fontRef>
+        </p:style>
+      </p:cxnSp>
+      <p:cxnSp>
+        <p:nvCxnSpPr>
+          <p:cNvPr id="213" name="Straight Arrow Connector 212">
+            <a:extLst>
+              <a:ext uri="{FF2B5EF4-FFF2-40B4-BE49-F238E27FC236}">
+                <a16:creationId xmlns:a16="http://schemas.microsoft.com/office/drawing/2014/main" id="{9F2FF42A-496D-4D6A-9E6C-378E0A48142B}"/>
+              </a:ext>
+            </a:extLst>
+          </p:cNvPr>
+          <p:cNvCxnSpPr>
+            <a:cxnSpLocks/>
+          </p:cNvCxnSpPr>
+          <p:nvPr/>
+        </p:nvCxnSpPr>
+        <p:spPr>
+          <a:xfrm flipH="1" flipV="1">
+            <a:off x="5578649" y="4396086"/>
+            <a:ext cx="3492000" cy="7555"/>
+          </a:xfrm>
+          <a:prstGeom prst="straightConnector1">
+            <a:avLst/>
+          </a:prstGeom>
+          <a:ln w="25400">
+            <a:solidFill>
+              <a:srgbClr val="C00000"/>
+            </a:solidFill>
+            <a:tailEnd type="triangle" w="lg" len="lg"/>
+          </a:ln>
+        </p:spPr>
+        <p:style>
+          <a:lnRef idx="1">
+            <a:schemeClr val="dk1"/>
+          </a:lnRef>
+          <a:fillRef idx="0">
+            <a:schemeClr val="dk1"/>
+          </a:fillRef>
+          <a:effectRef idx="0">
+            <a:schemeClr val="dk1"/>
+          </a:effectRef>
+          <a:fontRef idx="minor">
+            <a:schemeClr val="tx1"/>
+          </a:fontRef>
+        </p:style>
+      </p:cxnSp>
+      <p:cxnSp>
+        <p:nvCxnSpPr>
+          <p:cNvPr id="220" name="Straight Arrow Connector 219">
+            <a:extLst>
+              <a:ext uri="{FF2B5EF4-FFF2-40B4-BE49-F238E27FC236}">
+                <a16:creationId xmlns:a16="http://schemas.microsoft.com/office/drawing/2014/main" id="{E41D91D2-5002-4B47-851D-4F8AEB3AC4D5}"/>
+              </a:ext>
+            </a:extLst>
+          </p:cNvPr>
+          <p:cNvCxnSpPr>
+            <a:cxnSpLocks/>
+          </p:cNvCxnSpPr>
+          <p:nvPr/>
+        </p:nvCxnSpPr>
+        <p:spPr>
+          <a:xfrm flipH="1">
+            <a:off x="3798468" y="4877576"/>
+            <a:ext cx="5267378" cy="8670"/>
+          </a:xfrm>
+          <a:prstGeom prst="straightConnector1">
+            <a:avLst/>
+          </a:prstGeom>
+          <a:ln w="25400">
+            <a:solidFill>
+              <a:srgbClr val="C00000"/>
+            </a:solidFill>
+            <a:prstDash val="sysDash"/>
+            <a:tailEnd type="triangle" w="lg" len="lg"/>
+          </a:ln>
+        </p:spPr>
+        <p:style>
+          <a:lnRef idx="1">
+            <a:schemeClr val="dk1"/>
+          </a:lnRef>
+          <a:fillRef idx="0">
+            <a:schemeClr val="dk1"/>
+          </a:fillRef>
+          <a:effectRef idx="0">
+            <a:schemeClr val="dk1"/>
+          </a:effectRef>
+          <a:fontRef idx="minor">
+            <a:schemeClr val="tx1"/>
+          </a:fontRef>
+        </p:style>
+      </p:cxnSp>
+      <p:cxnSp>
+        <p:nvCxnSpPr>
+          <p:cNvPr id="223" name="Straight Arrow Connector 222">
+            <a:extLst>
+              <a:ext uri="{FF2B5EF4-FFF2-40B4-BE49-F238E27FC236}">
+                <a16:creationId xmlns:a16="http://schemas.microsoft.com/office/drawing/2014/main" id="{3840E215-8844-47CF-B403-C8B8AB067BE3}"/>
+              </a:ext>
+            </a:extLst>
+          </p:cNvPr>
+          <p:cNvCxnSpPr>
+            <a:cxnSpLocks/>
+          </p:cNvCxnSpPr>
+          <p:nvPr/>
+        </p:nvCxnSpPr>
+        <p:spPr>
+          <a:xfrm flipH="1">
+            <a:off x="3789599" y="5497333"/>
+            <a:ext cx="5267378" cy="8670"/>
+          </a:xfrm>
+          <a:prstGeom prst="straightConnector1">
+            <a:avLst/>
+          </a:prstGeom>
+          <a:ln w="25400">
+            <a:solidFill>
+              <a:srgbClr val="C00000"/>
+            </a:solidFill>
+            <a:prstDash val="sysDash"/>
+            <a:tailEnd type="triangle" w="lg" len="lg"/>
+          </a:ln>
+        </p:spPr>
+        <p:style>
+          <a:lnRef idx="1">
+            <a:schemeClr val="dk1"/>
+          </a:lnRef>
+          <a:fillRef idx="0">
+            <a:schemeClr val="dk1"/>
+          </a:fillRef>
+          <a:effectRef idx="0">
+            <a:schemeClr val="dk1"/>
+          </a:effectRef>
+          <a:fontRef idx="minor">
+            <a:schemeClr val="tx1"/>
+          </a:fontRef>
+        </p:style>
+      </p:cxnSp>
+      <p:cxnSp>
+        <p:nvCxnSpPr>
+          <p:cNvPr id="224" name="Straight Arrow Connector 223">
+            <a:extLst>
+              <a:ext uri="{FF2B5EF4-FFF2-40B4-BE49-F238E27FC236}">
+                <a16:creationId xmlns:a16="http://schemas.microsoft.com/office/drawing/2014/main" id="{8D8CC77E-CA6C-4392-B5C2-CD727E79CE9E}"/>
+              </a:ext>
+            </a:extLst>
+          </p:cNvPr>
+          <p:cNvCxnSpPr>
+            <a:cxnSpLocks/>
+          </p:cNvCxnSpPr>
+          <p:nvPr/>
+        </p:nvCxnSpPr>
+        <p:spPr>
+          <a:xfrm>
+            <a:off x="5567931" y="4710757"/>
+            <a:ext cx="3497913" cy="9235"/>
+          </a:xfrm>
+          <a:prstGeom prst="straightConnector1">
+            <a:avLst/>
+          </a:prstGeom>
+          <a:ln w="25400">
+            <a:solidFill>
+              <a:schemeClr val="accent4"/>
+            </a:solidFill>
+            <a:prstDash val="sysDash"/>
+            <a:tailEnd type="triangle" w="lg" len="lg"/>
+          </a:ln>
+        </p:spPr>
+        <p:style>
+          <a:lnRef idx="1">
+            <a:schemeClr val="dk1"/>
+          </a:lnRef>
+          <a:fillRef idx="0">
+            <a:schemeClr val="dk1"/>
+          </a:fillRef>
+          <a:effectRef idx="0">
+            <a:schemeClr val="dk1"/>
+          </a:effectRef>
+          <a:fontRef idx="minor">
+            <a:schemeClr val="tx1"/>
+          </a:fontRef>
+        </p:style>
+      </p:cxnSp>
+      <p:cxnSp>
+        <p:nvCxnSpPr>
+          <p:cNvPr id="229" name="Straight Arrow Connector 228">
+            <a:extLst>
+              <a:ext uri="{FF2B5EF4-FFF2-40B4-BE49-F238E27FC236}">
+                <a16:creationId xmlns:a16="http://schemas.microsoft.com/office/drawing/2014/main" id="{1942C744-F9F9-4393-812E-D1B327AEAE75}"/>
+              </a:ext>
+            </a:extLst>
+          </p:cNvPr>
+          <p:cNvCxnSpPr>
+            <a:cxnSpLocks/>
+          </p:cNvCxnSpPr>
+          <p:nvPr/>
+        </p:nvCxnSpPr>
+        <p:spPr>
+          <a:xfrm flipH="1">
+            <a:off x="7334762" y="3542024"/>
+            <a:ext cx="1729983" cy="1"/>
+          </a:xfrm>
+          <a:prstGeom prst="straightConnector1">
+            <a:avLst/>
+          </a:prstGeom>
+          <a:ln w="25400">
+            <a:solidFill>
+              <a:srgbClr val="C00000"/>
+            </a:solidFill>
+            <a:prstDash val="sysDash"/>
+            <a:tailEnd type="triangle" w="lg" len="lg"/>
+          </a:ln>
+        </p:spPr>
+        <p:style>
+          <a:lnRef idx="1">
+            <a:schemeClr val="dk1"/>
+          </a:lnRef>
+          <a:fillRef idx="0">
+            <a:schemeClr val="dk1"/>
+          </a:fillRef>
+          <a:effectRef idx="0">
+            <a:schemeClr val="dk1"/>
+          </a:effectRef>
+          <a:fontRef idx="minor">
+            <a:schemeClr val="tx1"/>
+          </a:fontRef>
+        </p:style>
+      </p:cxnSp>
+      <p:cxnSp>
+        <p:nvCxnSpPr>
+          <p:cNvPr id="234" name="Straight Arrow Connector 233">
+            <a:extLst>
+              <a:ext uri="{FF2B5EF4-FFF2-40B4-BE49-F238E27FC236}">
+                <a16:creationId xmlns:a16="http://schemas.microsoft.com/office/drawing/2014/main" id="{40D4A994-3E44-46FE-A200-70B5FDB3C62F}"/>
+              </a:ext>
+            </a:extLst>
+          </p:cNvPr>
+          <p:cNvCxnSpPr>
+            <a:cxnSpLocks/>
+          </p:cNvCxnSpPr>
+          <p:nvPr/>
+        </p:nvCxnSpPr>
+        <p:spPr>
+          <a:xfrm flipH="1">
+            <a:off x="3804979" y="3680910"/>
+            <a:ext cx="3176070" cy="911"/>
+          </a:xfrm>
+          <a:prstGeom prst="straightConnector1">
+            <a:avLst/>
+          </a:prstGeom>
+          <a:ln w="25400">
+            <a:solidFill>
+              <a:schemeClr val="accent6"/>
+            </a:solidFill>
+            <a:prstDash val="sysDash"/>
+            <a:tailEnd type="triangle" w="lg" len="lg"/>
+          </a:ln>
+        </p:spPr>
+        <p:style>
+          <a:lnRef idx="1">
+            <a:schemeClr val="dk1"/>
+          </a:lnRef>
+          <a:fillRef idx="0">
+            <a:schemeClr val="dk1"/>
+          </a:fillRef>
+          <a:effectRef idx="0">
+            <a:schemeClr val="dk1"/>
+          </a:effectRef>
+          <a:fontRef idx="minor">
+            <a:schemeClr val="tx1"/>
+          </a:fontRef>
+        </p:style>
+      </p:cxnSp>
+      <p:sp>
+        <p:nvSpPr>
+          <p:cNvPr id="65" name="Rectangle: Folded Corner 64">
+            <a:extLst>
+              <a:ext uri="{FF2B5EF4-FFF2-40B4-BE49-F238E27FC236}">
+                <a16:creationId xmlns:a16="http://schemas.microsoft.com/office/drawing/2014/main" id="{D9B2844B-4E91-4FEF-8E80-8259DBBC4E8D}"/>
+              </a:ext>
+            </a:extLst>
+          </p:cNvPr>
+          <p:cNvSpPr/>
+          <p:nvPr/>
+        </p:nvSpPr>
+        <p:spPr>
+          <a:xfrm>
+            <a:off x="1867174" y="1150231"/>
+            <a:ext cx="620976" cy="317692"/>
+          </a:xfrm>
+          <a:prstGeom prst="foldedCorner">
+            <a:avLst/>
+          </a:prstGeom>
+          <a:solidFill>
+            <a:schemeClr val="bg1"/>
+          </a:solidFill>
+          <a:ln w="25400">
+            <a:solidFill>
+              <a:schemeClr val="tx1"/>
+            </a:solidFill>
+          </a:ln>
+        </p:spPr>
+        <p:style>
+          <a:lnRef idx="2">
+            <a:schemeClr val="accent1">
+              <a:shade val="50000"/>
+            </a:schemeClr>
+          </a:lnRef>
+          <a:fillRef idx="1">
+            <a:schemeClr val="accent1"/>
+          </a:fillRef>
+          <a:effectRef idx="0">
+            <a:schemeClr val="accent1"/>
+          </a:effectRef>
+          <a:fontRef idx="minor">
+            <a:schemeClr val="lt1"/>
+          </a:fontRef>
+        </p:style>
+        <p:txBody>
+          <a:bodyPr rtlCol="0" anchor="ctr"/>
+          <a:lstStyle/>
+          <a:p>
+            <a:pPr algn="ctr"/>
+            <a:r>
+              <a:rPr lang="en-SG" sz="1200" dirty="0">
+                <a:solidFill>
+                  <a:schemeClr val="tx1"/>
+                </a:solidFill>
+                <a:latin typeface="Arial" panose="020B0604020202020204" pitchFamily="34" charset="0"/>
+                <a:cs typeface="Arial" panose="020B0604020202020204" pitchFamily="34" charset="0"/>
+              </a:rPr>
+              <a:t>Loop</a:t>
+            </a:r>
+          </a:p>
+        </p:txBody>
+      </p:sp>
+      <p:sp>
+        <p:nvSpPr>
+          <p:cNvPr id="2" name="TextBox 1">
+            <a:extLst>
+              <a:ext uri="{FF2B5EF4-FFF2-40B4-BE49-F238E27FC236}">
+                <a16:creationId xmlns:a16="http://schemas.microsoft.com/office/drawing/2014/main" id="{3B014954-4A52-48A9-813B-581BF31C44FA}"/>
+              </a:ext>
+            </a:extLst>
+          </p:cNvPr>
+          <p:cNvSpPr txBox="1"/>
+          <p:nvPr/>
+        </p:nvSpPr>
+        <p:spPr>
+          <a:xfrm>
+            <a:off x="2514680" y="1136006"/>
+            <a:ext cx="2383742" cy="276999"/>
+          </a:xfrm>
+          <a:prstGeom prst="rect">
+            <a:avLst/>
+          </a:prstGeom>
+          <a:noFill/>
+        </p:spPr>
+        <p:txBody>
+          <a:bodyPr wrap="square" rtlCol="0">
+            <a:spAutoFit/>
+          </a:bodyPr>
+          <a:lstStyle/>
+          <a:p>
+            <a:r>
+              <a:rPr lang="en-SG" sz="1200" dirty="0">
+                <a:latin typeface="Arial" panose="020B0604020202020204" pitchFamily="34" charset="0"/>
+                <a:cs typeface="Arial" panose="020B0604020202020204" pitchFamily="34" charset="0"/>
+              </a:rPr>
+              <a:t>[Until exit command entered]</a:t>
+            </a:r>
+          </a:p>
+        </p:txBody>
+      </p:sp>
+    </p:spTree>
+    <p:extLst>
+      <p:ext uri="{BB962C8B-B14F-4D97-AF65-F5344CB8AC3E}">
+        <p14:creationId xmlns:p14="http://schemas.microsoft.com/office/powerpoint/2010/main" val="3594482800"/>
+      </p:ext>
+    </p:extLst>
+  </p:cSld>
+  <p:clrMapOvr>
+    <a:masterClrMapping/>
+  </p:clrMapOvr>
+</p:sld>
+</file>
+
+<file path=ppt/slides/slide14.xml><?xml version="1.0" encoding="utf-8"?>
+<p:sld xmlns:a="http://schemas.openxmlformats.org/drawingml/2006/main" xmlns:r="http://schemas.openxmlformats.org/officeDocument/2006/relationships" xmlns:p="http://schemas.openxmlformats.org/presentationml/2006/main">
+  <p:cSld>
+    <p:spTree>
+      <p:nvGrpSpPr>
+        <p:cNvPr id="1" name=""/>
+        <p:cNvGrpSpPr/>
+        <p:nvPr/>
+      </p:nvGrpSpPr>
+      <p:grpSpPr>
+        <a:xfrm>
+          <a:off x="0" y="0"/>
+          <a:ext cx="0" cy="0"/>
+          <a:chOff x="0" y="0"/>
+          <a:chExt cx="0" cy="0"/>
+        </a:xfrm>
+      </p:grpSpPr>
+      <p:grpSp>
+        <p:nvGrpSpPr>
+          <p:cNvPr id="6" name="Group 5">
+            <a:extLst>
+              <a:ext uri="{FF2B5EF4-FFF2-40B4-BE49-F238E27FC236}">
+                <a16:creationId xmlns:a16="http://schemas.microsoft.com/office/drawing/2014/main" id="{FABD1808-77D7-4E44-8AE4-FB4A200F4400}"/>
+              </a:ext>
+            </a:extLst>
+          </p:cNvPr>
+          <p:cNvGrpSpPr/>
+          <p:nvPr/>
+        </p:nvGrpSpPr>
+        <p:grpSpPr>
+          <a:xfrm>
+            <a:off x="2232562" y="2109041"/>
+            <a:ext cx="6412674" cy="3816746"/>
+            <a:chOff x="1271155" y="1384650"/>
+            <a:chExt cx="8335983" cy="4088699"/>
+          </a:xfrm>
+        </p:grpSpPr>
+        <p:sp>
+          <p:nvSpPr>
+            <p:cNvPr id="4" name="Rectangle 3">
+              <a:extLst>
+                <a:ext uri="{FF2B5EF4-FFF2-40B4-BE49-F238E27FC236}">
+                  <a16:creationId xmlns:a16="http://schemas.microsoft.com/office/drawing/2014/main" id="{8D353F9F-AB1A-46D7-93F4-7AA56245A321}"/>
+                </a:ext>
+              </a:extLst>
+            </p:cNvPr>
+            <p:cNvSpPr/>
+            <p:nvPr/>
+          </p:nvSpPr>
+          <p:spPr>
+            <a:xfrm>
+              <a:off x="1271155" y="1384650"/>
+              <a:ext cx="8335983" cy="4088699"/>
+            </a:xfrm>
+            <a:prstGeom prst="rect">
+              <a:avLst/>
+            </a:prstGeom>
+            <a:noFill/>
+            <a:ln w="25400">
+              <a:solidFill>
+                <a:schemeClr val="tx1"/>
+              </a:solidFill>
+            </a:ln>
+          </p:spPr>
+          <p:style>
+            <a:lnRef idx="2">
+              <a:schemeClr val="accent1">
+                <a:shade val="50000"/>
+              </a:schemeClr>
+            </a:lnRef>
+            <a:fillRef idx="1">
+              <a:schemeClr val="accent1"/>
+            </a:fillRef>
+            <a:effectRef idx="0">
+              <a:schemeClr val="accent1"/>
+            </a:effectRef>
+            <a:fontRef idx="minor">
+              <a:schemeClr val="lt1"/>
+            </a:fontRef>
+          </p:style>
+          <p:txBody>
+            <a:bodyPr rtlCol="0" anchor="ctr"/>
+            <a:lstStyle/>
+            <a:p>
+              <a:pPr algn="ctr"/>
+              <a:endParaRPr lang="en-MY"/>
+            </a:p>
+          </p:txBody>
+        </p:sp>
+        <p:sp>
+          <p:nvSpPr>
+            <p:cNvPr id="5" name="TextBox 4">
+              <a:extLst>
+                <a:ext uri="{FF2B5EF4-FFF2-40B4-BE49-F238E27FC236}">
+                  <a16:creationId xmlns:a16="http://schemas.microsoft.com/office/drawing/2014/main" id="{5678C553-7B9D-4D9F-BB5A-AE857481E70D}"/>
+                </a:ext>
+              </a:extLst>
+            </p:cNvPr>
+            <p:cNvSpPr txBox="1"/>
+            <p:nvPr/>
+          </p:nvSpPr>
+          <p:spPr>
+            <a:xfrm>
+              <a:off x="1271155" y="1408400"/>
+              <a:ext cx="8335983" cy="276999"/>
+            </a:xfrm>
+            <a:prstGeom prst="rect">
+              <a:avLst/>
+            </a:prstGeom>
+            <a:noFill/>
+          </p:spPr>
+          <p:txBody>
+            <a:bodyPr wrap="square" rtlCol="0">
+              <a:spAutoFit/>
+            </a:bodyPr>
+            <a:lstStyle/>
+            <a:p>
+              <a:pPr algn="ctr"/>
+              <a:r>
+                <a:rPr lang="en-SG" sz="1200" dirty="0">
+                  <a:latin typeface="Arial" panose="020B0604020202020204" pitchFamily="34" charset="0"/>
+                  <a:cs typeface="Arial" panose="020B0604020202020204" pitchFamily="34" charset="0"/>
+                </a:rPr>
+                <a:t>Command</a:t>
+              </a:r>
+            </a:p>
+          </p:txBody>
+        </p:sp>
+      </p:grpSp>
+      <p:sp>
+        <p:nvSpPr>
+          <p:cNvPr id="7" name="Rectangle 6">
+            <a:extLst>
+              <a:ext uri="{FF2B5EF4-FFF2-40B4-BE49-F238E27FC236}">
+                <a16:creationId xmlns:a16="http://schemas.microsoft.com/office/drawing/2014/main" id="{32C8B130-E367-4F95-8D0D-64524FEA2820}"/>
+              </a:ext>
+            </a:extLst>
+          </p:cNvPr>
+          <p:cNvSpPr/>
+          <p:nvPr/>
+        </p:nvSpPr>
+        <p:spPr>
+          <a:xfrm>
+            <a:off x="4603796" y="2683510"/>
+            <a:ext cx="1694794" cy="537976"/>
+          </a:xfrm>
+          <a:prstGeom prst="rect">
+            <a:avLst/>
+          </a:prstGeom>
+          <a:solidFill>
+            <a:schemeClr val="accent2">
+              <a:lumMod val="40000"/>
+              <a:lumOff val="60000"/>
+            </a:schemeClr>
+          </a:solidFill>
+          <a:ln w="25400">
+            <a:solidFill>
+              <a:srgbClr val="C00000"/>
+            </a:solidFill>
+          </a:ln>
+        </p:spPr>
+        <p:style>
+          <a:lnRef idx="2">
+            <a:schemeClr val="accent1">
+              <a:shade val="50000"/>
+            </a:schemeClr>
+          </a:lnRef>
+          <a:fillRef idx="1">
+            <a:schemeClr val="accent1"/>
+          </a:fillRef>
+          <a:effectRef idx="0">
+            <a:schemeClr val="accent1"/>
+          </a:effectRef>
+          <a:fontRef idx="minor">
+            <a:schemeClr val="lt1"/>
+          </a:fontRef>
+        </p:style>
+        <p:txBody>
+          <a:bodyPr rtlCol="0" anchor="ctr"/>
+          <a:lstStyle/>
+          <a:p>
+            <a:pPr algn="ctr"/>
+            <a:r>
+              <a:rPr lang="en-MY" sz="1200" dirty="0">
+                <a:solidFill>
+                  <a:schemeClr val="tx1"/>
+                </a:solidFill>
+                <a:latin typeface="Arial" panose="020B0604020202020204" pitchFamily="34" charset="0"/>
+                <a:cs typeface="Arial" panose="020B0604020202020204" pitchFamily="34" charset="0"/>
+              </a:rPr>
+              <a:t>{abstract}</a:t>
+            </a:r>
+          </a:p>
+          <a:p>
+            <a:pPr algn="ctr"/>
+            <a:r>
+              <a:rPr lang="en-MY" sz="1200" dirty="0">
+                <a:solidFill>
+                  <a:schemeClr val="tx1"/>
+                </a:solidFill>
+                <a:latin typeface="Arial" panose="020B0604020202020204" pitchFamily="34" charset="0"/>
+                <a:cs typeface="Arial" panose="020B0604020202020204" pitchFamily="34" charset="0"/>
+              </a:rPr>
+              <a:t>Command</a:t>
+            </a:r>
+          </a:p>
+        </p:txBody>
+      </p:sp>
+      <p:sp>
+        <p:nvSpPr>
+          <p:cNvPr id="8" name="Isosceles Triangle 7">
+            <a:extLst>
+              <a:ext uri="{FF2B5EF4-FFF2-40B4-BE49-F238E27FC236}">
+                <a16:creationId xmlns:a16="http://schemas.microsoft.com/office/drawing/2014/main" id="{9CB19316-737B-4FAF-ACCF-7F0E7BA3AF8D}"/>
+              </a:ext>
+            </a:extLst>
+          </p:cNvPr>
+          <p:cNvSpPr>
+            <a:spLocks noChangeAspect="1"/>
+          </p:cNvSpPr>
+          <p:nvPr/>
+        </p:nvSpPr>
+        <p:spPr>
+          <a:xfrm>
+            <a:off x="5346185" y="3775109"/>
+            <a:ext cx="185922" cy="186490"/>
+          </a:xfrm>
+          <a:prstGeom prst="triangle">
+            <a:avLst/>
+          </a:prstGeom>
+          <a:noFill/>
+          <a:ln w="25400">
+            <a:solidFill>
+              <a:srgbClr val="C00000"/>
+            </a:solidFill>
+          </a:ln>
+        </p:spPr>
+        <p:style>
+          <a:lnRef idx="2">
+            <a:schemeClr val="accent1">
+              <a:shade val="50000"/>
+            </a:schemeClr>
+          </a:lnRef>
+          <a:fillRef idx="1">
+            <a:schemeClr val="accent1"/>
+          </a:fillRef>
+          <a:effectRef idx="0">
+            <a:schemeClr val="accent1"/>
+          </a:effectRef>
+          <a:fontRef idx="minor">
+            <a:schemeClr val="lt1"/>
+          </a:fontRef>
+        </p:style>
+        <p:txBody>
+          <a:bodyPr rtlCol="0" anchor="ctr"/>
+          <a:lstStyle/>
+          <a:p>
+            <a:pPr algn="ctr"/>
+            <a:endParaRPr lang="en-MY"/>
+          </a:p>
+        </p:txBody>
+      </p:sp>
+      <p:cxnSp>
+        <p:nvCxnSpPr>
+          <p:cNvPr id="18" name="Straight Connector 17">
+            <a:extLst>
+              <a:ext uri="{FF2B5EF4-FFF2-40B4-BE49-F238E27FC236}">
+                <a16:creationId xmlns:a16="http://schemas.microsoft.com/office/drawing/2014/main" id="{FA8F2FEF-407B-46F0-984D-AFEE3736F487}"/>
+              </a:ext>
+            </a:extLst>
+          </p:cNvPr>
+          <p:cNvCxnSpPr>
+            <a:cxnSpLocks/>
+            <a:stCxn id="8" idx="3"/>
+          </p:cNvCxnSpPr>
+          <p:nvPr/>
+        </p:nvCxnSpPr>
+        <p:spPr>
+          <a:xfrm>
+            <a:off x="5439146" y="3961599"/>
+            <a:ext cx="0" cy="342837"/>
+          </a:xfrm>
+          <a:prstGeom prst="line">
+            <a:avLst/>
+          </a:prstGeom>
+          <a:ln w="25400">
+            <a:solidFill>
+              <a:srgbClr val="C00000"/>
+            </a:solidFill>
+          </a:ln>
+        </p:spPr>
+        <p:style>
+          <a:lnRef idx="1">
+            <a:schemeClr val="accent1"/>
+          </a:lnRef>
+          <a:fillRef idx="0">
+            <a:schemeClr val="accent1"/>
+          </a:fillRef>
+          <a:effectRef idx="0">
+            <a:schemeClr val="accent1"/>
+          </a:effectRef>
+          <a:fontRef idx="minor">
+            <a:schemeClr val="tx1"/>
+          </a:fontRef>
+        </p:style>
+      </p:cxnSp>
+      <p:sp>
+        <p:nvSpPr>
+          <p:cNvPr id="34" name="Rectangle 33">
+            <a:extLst>
+              <a:ext uri="{FF2B5EF4-FFF2-40B4-BE49-F238E27FC236}">
+                <a16:creationId xmlns:a16="http://schemas.microsoft.com/office/drawing/2014/main" id="{46A13EEC-45A2-4576-8A71-36A30D79CA4E}"/>
+              </a:ext>
+            </a:extLst>
+          </p:cNvPr>
+          <p:cNvSpPr/>
+          <p:nvPr/>
+        </p:nvSpPr>
+        <p:spPr>
+          <a:xfrm>
+            <a:off x="4791942" y="4297438"/>
+            <a:ext cx="1293914" cy="537976"/>
+          </a:xfrm>
+          <a:prstGeom prst="rect">
+            <a:avLst/>
+          </a:prstGeom>
+          <a:solidFill>
+            <a:schemeClr val="accent2">
+              <a:lumMod val="40000"/>
+              <a:lumOff val="60000"/>
+            </a:schemeClr>
+          </a:solidFill>
+          <a:ln w="25400">
+            <a:solidFill>
+              <a:srgbClr val="C00000"/>
+            </a:solidFill>
+          </a:ln>
+        </p:spPr>
+        <p:style>
+          <a:lnRef idx="2">
+            <a:schemeClr val="accent1">
+              <a:shade val="50000"/>
+            </a:schemeClr>
+          </a:lnRef>
+          <a:fillRef idx="1">
+            <a:schemeClr val="accent1"/>
+          </a:fillRef>
+          <a:effectRef idx="0">
+            <a:schemeClr val="accent1"/>
+          </a:effectRef>
+          <a:fontRef idx="minor">
+            <a:schemeClr val="lt1"/>
+          </a:fontRef>
+        </p:style>
+        <p:txBody>
+          <a:bodyPr rtlCol="0" anchor="ctr"/>
+          <a:lstStyle/>
+          <a:p>
+            <a:pPr algn="ctr"/>
+            <a:r>
+              <a:rPr lang="en-MY" sz="1200" dirty="0" err="1">
+                <a:solidFill>
+                  <a:schemeClr val="tx1"/>
+                </a:solidFill>
+                <a:latin typeface="Arial" panose="020B0604020202020204" pitchFamily="34" charset="0"/>
+                <a:cs typeface="Arial" panose="020B0604020202020204" pitchFamily="34" charset="0"/>
+              </a:rPr>
+              <a:t>XYZCommand</a:t>
+            </a:r>
+            <a:endParaRPr lang="en-MY" sz="1200" dirty="0">
+              <a:solidFill>
+                <a:schemeClr val="tx1"/>
+              </a:solidFill>
+              <a:latin typeface="Arial" panose="020B0604020202020204" pitchFamily="34" charset="0"/>
+              <a:cs typeface="Arial" panose="020B0604020202020204" pitchFamily="34" charset="0"/>
+            </a:endParaRPr>
+          </a:p>
+        </p:txBody>
+      </p:sp>
+      <p:grpSp>
+        <p:nvGrpSpPr>
+          <p:cNvPr id="45" name="Group 44">
+            <a:extLst>
+              <a:ext uri="{FF2B5EF4-FFF2-40B4-BE49-F238E27FC236}">
+                <a16:creationId xmlns:a16="http://schemas.microsoft.com/office/drawing/2014/main" id="{E6AC0B59-4D86-4D57-8DF8-0A0D24D3D82A}"/>
+              </a:ext>
+            </a:extLst>
+          </p:cNvPr>
+          <p:cNvGrpSpPr/>
+          <p:nvPr/>
+        </p:nvGrpSpPr>
+        <p:grpSpPr>
+          <a:xfrm>
+            <a:off x="9382560" y="4049518"/>
+            <a:ext cx="1648691" cy="1051200"/>
+            <a:chOff x="1271155" y="1384650"/>
+            <a:chExt cx="8335983" cy="4088699"/>
+          </a:xfrm>
+        </p:grpSpPr>
+        <p:sp>
+          <p:nvSpPr>
+            <p:cNvPr id="46" name="Rectangle 45">
+              <a:extLst>
+                <a:ext uri="{FF2B5EF4-FFF2-40B4-BE49-F238E27FC236}">
+                  <a16:creationId xmlns:a16="http://schemas.microsoft.com/office/drawing/2014/main" id="{E801C28D-C006-4AEE-A3F5-6BEAF10CC685}"/>
+                </a:ext>
+              </a:extLst>
+            </p:cNvPr>
+            <p:cNvSpPr/>
+            <p:nvPr/>
+          </p:nvSpPr>
+          <p:spPr>
+            <a:xfrm>
+              <a:off x="1271155" y="1384650"/>
+              <a:ext cx="8335983" cy="4088699"/>
+            </a:xfrm>
+            <a:prstGeom prst="rect">
+              <a:avLst/>
+            </a:prstGeom>
+            <a:noFill/>
+            <a:ln w="25400">
+              <a:solidFill>
+                <a:schemeClr val="tx1"/>
+              </a:solidFill>
+            </a:ln>
+          </p:spPr>
+          <p:style>
+            <a:lnRef idx="2">
+              <a:schemeClr val="accent1">
+                <a:shade val="50000"/>
+              </a:schemeClr>
+            </a:lnRef>
+            <a:fillRef idx="1">
+              <a:schemeClr val="accent1"/>
+            </a:fillRef>
+            <a:effectRef idx="0">
+              <a:schemeClr val="accent1"/>
+            </a:effectRef>
+            <a:fontRef idx="minor">
+              <a:schemeClr val="lt1"/>
+            </a:fontRef>
+          </p:style>
+          <p:txBody>
+            <a:bodyPr rtlCol="0" anchor="ctr"/>
+            <a:lstStyle/>
+            <a:p>
+              <a:pPr algn="ctr"/>
+              <a:endParaRPr lang="en-MY"/>
+            </a:p>
+          </p:txBody>
+        </p:sp>
+        <p:sp>
+          <p:nvSpPr>
+            <p:cNvPr id="47" name="TextBox 46">
+              <a:extLst>
+                <a:ext uri="{FF2B5EF4-FFF2-40B4-BE49-F238E27FC236}">
+                  <a16:creationId xmlns:a16="http://schemas.microsoft.com/office/drawing/2014/main" id="{6724A809-C680-49AD-8403-AE18A3E561B1}"/>
+                </a:ext>
+              </a:extLst>
+            </p:cNvPr>
+            <p:cNvSpPr txBox="1"/>
+            <p:nvPr/>
+          </p:nvSpPr>
+          <p:spPr>
+            <a:xfrm>
+              <a:off x="1271155" y="1408400"/>
+              <a:ext cx="8335983" cy="1077403"/>
+            </a:xfrm>
+            <a:prstGeom prst="rect">
+              <a:avLst/>
+            </a:prstGeom>
+            <a:noFill/>
+          </p:spPr>
+          <p:txBody>
+            <a:bodyPr wrap="square" rtlCol="0">
+              <a:spAutoFit/>
+            </a:bodyPr>
+            <a:lstStyle/>
+            <a:p>
+              <a:pPr algn="ctr"/>
+              <a:r>
+                <a:rPr lang="en-SG" sz="1200" dirty="0">
+                  <a:latin typeface="Arial" panose="020B0604020202020204" pitchFamily="34" charset="0"/>
+                  <a:cs typeface="Arial" panose="020B0604020202020204" pitchFamily="34" charset="0"/>
+                </a:rPr>
+                <a:t>Storage</a:t>
+              </a:r>
+            </a:p>
+          </p:txBody>
+        </p:sp>
+      </p:grpSp>
+      <p:grpSp>
+        <p:nvGrpSpPr>
+          <p:cNvPr id="48" name="Group 47">
+            <a:extLst>
+              <a:ext uri="{FF2B5EF4-FFF2-40B4-BE49-F238E27FC236}">
+                <a16:creationId xmlns:a16="http://schemas.microsoft.com/office/drawing/2014/main" id="{3C513A1C-314E-4CC6-92CC-762DA283627E}"/>
+              </a:ext>
+            </a:extLst>
+          </p:cNvPr>
+          <p:cNvGrpSpPr/>
+          <p:nvPr/>
+        </p:nvGrpSpPr>
+        <p:grpSpPr>
+          <a:xfrm>
+            <a:off x="7127239" y="567222"/>
+            <a:ext cx="1648691" cy="1051200"/>
+            <a:chOff x="1271155" y="1384650"/>
+            <a:chExt cx="8335983" cy="4088699"/>
+          </a:xfrm>
+        </p:grpSpPr>
+        <p:sp>
+          <p:nvSpPr>
+            <p:cNvPr id="49" name="Rectangle 48">
+              <a:extLst>
+                <a:ext uri="{FF2B5EF4-FFF2-40B4-BE49-F238E27FC236}">
+                  <a16:creationId xmlns:a16="http://schemas.microsoft.com/office/drawing/2014/main" id="{71C86ECD-9CDC-4195-B905-2EBCCFDFF538}"/>
+                </a:ext>
+              </a:extLst>
+            </p:cNvPr>
+            <p:cNvSpPr/>
+            <p:nvPr/>
+          </p:nvSpPr>
+          <p:spPr>
+            <a:xfrm>
+              <a:off x="1271155" y="1384650"/>
+              <a:ext cx="8335983" cy="4088699"/>
+            </a:xfrm>
+            <a:prstGeom prst="rect">
+              <a:avLst/>
+            </a:prstGeom>
+            <a:noFill/>
+            <a:ln w="25400">
+              <a:solidFill>
+                <a:schemeClr val="tx1"/>
+              </a:solidFill>
+            </a:ln>
+          </p:spPr>
+          <p:style>
+            <a:lnRef idx="2">
+              <a:schemeClr val="accent1">
+                <a:shade val="50000"/>
+              </a:schemeClr>
+            </a:lnRef>
+            <a:fillRef idx="1">
+              <a:schemeClr val="accent1"/>
+            </a:fillRef>
+            <a:effectRef idx="0">
+              <a:schemeClr val="accent1"/>
+            </a:effectRef>
+            <a:fontRef idx="minor">
+              <a:schemeClr val="lt1"/>
+            </a:fontRef>
+          </p:style>
+          <p:txBody>
+            <a:bodyPr rtlCol="0" anchor="ctr"/>
+            <a:lstStyle/>
+            <a:p>
+              <a:pPr algn="ctr"/>
+              <a:endParaRPr lang="en-MY"/>
+            </a:p>
+          </p:txBody>
+        </p:sp>
+        <p:sp>
+          <p:nvSpPr>
+            <p:cNvPr id="50" name="TextBox 49">
+              <a:extLst>
+                <a:ext uri="{FF2B5EF4-FFF2-40B4-BE49-F238E27FC236}">
+                  <a16:creationId xmlns:a16="http://schemas.microsoft.com/office/drawing/2014/main" id="{99397F3C-1DCE-46D7-8D64-9CFBAD1FC865}"/>
+                </a:ext>
+              </a:extLst>
+            </p:cNvPr>
+            <p:cNvSpPr txBox="1"/>
+            <p:nvPr/>
+          </p:nvSpPr>
+          <p:spPr>
+            <a:xfrm>
+              <a:off x="1271155" y="1408400"/>
+              <a:ext cx="8335983" cy="1077403"/>
+            </a:xfrm>
+            <a:prstGeom prst="rect">
+              <a:avLst/>
+            </a:prstGeom>
+            <a:noFill/>
+          </p:spPr>
+          <p:txBody>
+            <a:bodyPr wrap="square" rtlCol="0">
+              <a:spAutoFit/>
+            </a:bodyPr>
+            <a:lstStyle/>
+            <a:p>
+              <a:pPr algn="ctr"/>
+              <a:r>
+                <a:rPr lang="en-SG" sz="1200" dirty="0">
+                  <a:latin typeface="Arial" panose="020B0604020202020204" pitchFamily="34" charset="0"/>
+                  <a:cs typeface="Arial" panose="020B0604020202020204" pitchFamily="34" charset="0"/>
+                </a:rPr>
+                <a:t>UI</a:t>
+              </a:r>
+            </a:p>
+          </p:txBody>
+        </p:sp>
+      </p:grpSp>
+      <p:grpSp>
+        <p:nvGrpSpPr>
+          <p:cNvPr id="51" name="Group 50">
+            <a:extLst>
+              <a:ext uri="{FF2B5EF4-FFF2-40B4-BE49-F238E27FC236}">
+                <a16:creationId xmlns:a16="http://schemas.microsoft.com/office/drawing/2014/main" id="{5442D466-5959-425D-8D80-C56A2BC6E63B}"/>
+              </a:ext>
+            </a:extLst>
+          </p:cNvPr>
+          <p:cNvGrpSpPr/>
+          <p:nvPr/>
+        </p:nvGrpSpPr>
+        <p:grpSpPr>
+          <a:xfrm>
+            <a:off x="9382561" y="2426898"/>
+            <a:ext cx="1648691" cy="1051200"/>
+            <a:chOff x="1271155" y="1384650"/>
+            <a:chExt cx="8335983" cy="4088699"/>
+          </a:xfrm>
+        </p:grpSpPr>
+        <p:sp>
+          <p:nvSpPr>
+            <p:cNvPr id="52" name="Rectangle 51">
+              <a:extLst>
+                <a:ext uri="{FF2B5EF4-FFF2-40B4-BE49-F238E27FC236}">
+                  <a16:creationId xmlns:a16="http://schemas.microsoft.com/office/drawing/2014/main" id="{D42AEDE7-EE1A-4A0E-A75A-F51992E11C46}"/>
+                </a:ext>
+              </a:extLst>
+            </p:cNvPr>
+            <p:cNvSpPr/>
+            <p:nvPr/>
+          </p:nvSpPr>
+          <p:spPr>
+            <a:xfrm>
+              <a:off x="1271155" y="1384650"/>
+              <a:ext cx="8335983" cy="4088699"/>
+            </a:xfrm>
+            <a:prstGeom prst="rect">
+              <a:avLst/>
+            </a:prstGeom>
+            <a:noFill/>
+            <a:ln w="25400">
+              <a:solidFill>
+                <a:schemeClr val="tx1"/>
+              </a:solidFill>
+            </a:ln>
+          </p:spPr>
+          <p:style>
+            <a:lnRef idx="2">
+              <a:schemeClr val="accent1">
+                <a:shade val="50000"/>
+              </a:schemeClr>
+            </a:lnRef>
+            <a:fillRef idx="1">
+              <a:schemeClr val="accent1"/>
+            </a:fillRef>
+            <a:effectRef idx="0">
+              <a:schemeClr val="accent1"/>
+            </a:effectRef>
+            <a:fontRef idx="minor">
+              <a:schemeClr val="lt1"/>
+            </a:fontRef>
+          </p:style>
+          <p:txBody>
+            <a:bodyPr rtlCol="0" anchor="ctr"/>
+            <a:lstStyle/>
+            <a:p>
+              <a:pPr algn="ctr"/>
+              <a:endParaRPr lang="en-MY"/>
+            </a:p>
+          </p:txBody>
+        </p:sp>
+        <p:sp>
+          <p:nvSpPr>
+            <p:cNvPr id="53" name="TextBox 52">
+              <a:extLst>
+                <a:ext uri="{FF2B5EF4-FFF2-40B4-BE49-F238E27FC236}">
+                  <a16:creationId xmlns:a16="http://schemas.microsoft.com/office/drawing/2014/main" id="{35B6A054-3F4C-425F-AB2E-599B767D5BA0}"/>
+                </a:ext>
+              </a:extLst>
+            </p:cNvPr>
+            <p:cNvSpPr txBox="1"/>
+            <p:nvPr/>
+          </p:nvSpPr>
+          <p:spPr>
+            <a:xfrm>
+              <a:off x="1271155" y="1408400"/>
+              <a:ext cx="8335983" cy="1077403"/>
+            </a:xfrm>
+            <a:prstGeom prst="rect">
+              <a:avLst/>
+            </a:prstGeom>
+            <a:noFill/>
+          </p:spPr>
+          <p:txBody>
+            <a:bodyPr wrap="square" rtlCol="0">
+              <a:spAutoFit/>
+            </a:bodyPr>
+            <a:lstStyle/>
+            <a:p>
+              <a:pPr algn="ctr"/>
+              <a:r>
+                <a:rPr lang="en-SG" sz="1200" dirty="0">
+                  <a:latin typeface="Arial" panose="020B0604020202020204" pitchFamily="34" charset="0"/>
+                  <a:cs typeface="Arial" panose="020B0604020202020204" pitchFamily="34" charset="0"/>
+                </a:rPr>
+                <a:t>Model</a:t>
+              </a:r>
+            </a:p>
+          </p:txBody>
+        </p:sp>
+      </p:grpSp>
+      <p:grpSp>
+        <p:nvGrpSpPr>
+          <p:cNvPr id="54" name="Group 53">
+            <a:extLst>
+              <a:ext uri="{FF2B5EF4-FFF2-40B4-BE49-F238E27FC236}">
+                <a16:creationId xmlns:a16="http://schemas.microsoft.com/office/drawing/2014/main" id="{C00FB9CE-7EDE-43A1-9CFB-124F96F98536}"/>
+              </a:ext>
+            </a:extLst>
+          </p:cNvPr>
+          <p:cNvGrpSpPr/>
+          <p:nvPr/>
+        </p:nvGrpSpPr>
+        <p:grpSpPr>
+          <a:xfrm>
+            <a:off x="4624697" y="567222"/>
+            <a:ext cx="1648691" cy="1051200"/>
+            <a:chOff x="1271155" y="1384650"/>
+            <a:chExt cx="8335983" cy="4088699"/>
+          </a:xfrm>
+        </p:grpSpPr>
+        <p:sp>
+          <p:nvSpPr>
+            <p:cNvPr id="55" name="Rectangle 54">
+              <a:extLst>
+                <a:ext uri="{FF2B5EF4-FFF2-40B4-BE49-F238E27FC236}">
+                  <a16:creationId xmlns:a16="http://schemas.microsoft.com/office/drawing/2014/main" id="{3B3BA797-051E-4748-9DC1-317CD0BB6907}"/>
+                </a:ext>
+              </a:extLst>
+            </p:cNvPr>
+            <p:cNvSpPr/>
+            <p:nvPr/>
+          </p:nvSpPr>
+          <p:spPr>
+            <a:xfrm>
+              <a:off x="1271155" y="1384650"/>
+              <a:ext cx="8335983" cy="4088699"/>
+            </a:xfrm>
+            <a:prstGeom prst="rect">
+              <a:avLst/>
+            </a:prstGeom>
+            <a:noFill/>
+            <a:ln w="25400">
+              <a:solidFill>
+                <a:schemeClr val="tx1"/>
+              </a:solidFill>
+            </a:ln>
+          </p:spPr>
+          <p:style>
+            <a:lnRef idx="2">
+              <a:schemeClr val="accent1">
+                <a:shade val="50000"/>
+              </a:schemeClr>
+            </a:lnRef>
+            <a:fillRef idx="1">
+              <a:schemeClr val="accent1"/>
+            </a:fillRef>
+            <a:effectRef idx="0">
+              <a:schemeClr val="accent1"/>
+            </a:effectRef>
+            <a:fontRef idx="minor">
+              <a:schemeClr val="lt1"/>
+            </a:fontRef>
+          </p:style>
+          <p:txBody>
+            <a:bodyPr rtlCol="0" anchor="ctr"/>
+            <a:lstStyle/>
+            <a:p>
+              <a:pPr algn="ctr"/>
+              <a:endParaRPr lang="en-MY"/>
+            </a:p>
+          </p:txBody>
+        </p:sp>
+        <p:sp>
+          <p:nvSpPr>
+            <p:cNvPr id="56" name="TextBox 55">
+              <a:extLst>
+                <a:ext uri="{FF2B5EF4-FFF2-40B4-BE49-F238E27FC236}">
+                  <a16:creationId xmlns:a16="http://schemas.microsoft.com/office/drawing/2014/main" id="{3F77EE9B-85B9-4646-B91A-88427530C216}"/>
+                </a:ext>
+              </a:extLst>
+            </p:cNvPr>
+            <p:cNvSpPr txBox="1"/>
+            <p:nvPr/>
+          </p:nvSpPr>
+          <p:spPr>
+            <a:xfrm>
+              <a:off x="1271155" y="1408400"/>
+              <a:ext cx="8335983" cy="1077403"/>
+            </a:xfrm>
+            <a:prstGeom prst="rect">
+              <a:avLst/>
+            </a:prstGeom>
+            <a:noFill/>
+          </p:spPr>
+          <p:txBody>
+            <a:bodyPr wrap="square" rtlCol="0">
+              <a:spAutoFit/>
+            </a:bodyPr>
+            <a:lstStyle/>
+            <a:p>
+              <a:pPr algn="ctr"/>
+              <a:r>
+                <a:rPr lang="en-SG" sz="1200" dirty="0">
+                  <a:latin typeface="Arial" panose="020B0604020202020204" pitchFamily="34" charset="0"/>
+                  <a:cs typeface="Arial" panose="020B0604020202020204" pitchFamily="34" charset="0"/>
+                </a:rPr>
+                <a:t>Parser</a:t>
+              </a:r>
+            </a:p>
+          </p:txBody>
+        </p:sp>
+      </p:grpSp>
+      <p:cxnSp>
+        <p:nvCxnSpPr>
+          <p:cNvPr id="57" name="Straight Arrow Connector 56">
+            <a:extLst>
+              <a:ext uri="{FF2B5EF4-FFF2-40B4-BE49-F238E27FC236}">
+                <a16:creationId xmlns:a16="http://schemas.microsoft.com/office/drawing/2014/main" id="{0D12696E-9F32-4673-9555-4417738AFAA0}"/>
+              </a:ext>
+            </a:extLst>
+          </p:cNvPr>
+          <p:cNvCxnSpPr>
+            <a:cxnSpLocks/>
+            <a:stCxn id="55" idx="2"/>
+            <a:endCxn id="7" idx="0"/>
+          </p:cNvCxnSpPr>
+          <p:nvPr/>
+        </p:nvCxnSpPr>
+        <p:spPr>
+          <a:xfrm>
+            <a:off x="5449043" y="1618422"/>
+            <a:ext cx="2150" cy="1065088"/>
+          </a:xfrm>
+          <a:prstGeom prst="straightConnector1">
+            <a:avLst/>
+          </a:prstGeom>
+          <a:ln w="25400" cap="flat" cmpd="sng" algn="ctr">
+            <a:solidFill>
+              <a:srgbClr val="C00000"/>
+            </a:solidFill>
+            <a:prstDash val="sysDash"/>
+            <a:round/>
+            <a:headEnd type="none" w="med" len="med"/>
+            <a:tailEnd type="arrow" w="lg" len="med"/>
+          </a:ln>
+        </p:spPr>
+        <p:style>
+          <a:lnRef idx="0">
+            <a:scrgbClr r="0" g="0" b="0"/>
+          </a:lnRef>
+          <a:fillRef idx="0">
+            <a:scrgbClr r="0" g="0" b="0"/>
+          </a:fillRef>
+          <a:effectRef idx="0">
+            <a:scrgbClr r="0" g="0" b="0"/>
+          </a:effectRef>
+          <a:fontRef idx="minor">
+            <a:schemeClr val="tx1"/>
+          </a:fontRef>
+        </p:style>
+      </p:cxnSp>
+      <p:cxnSp>
+        <p:nvCxnSpPr>
+          <p:cNvPr id="62" name="Straight Arrow Connector 61">
+            <a:extLst>
+              <a:ext uri="{FF2B5EF4-FFF2-40B4-BE49-F238E27FC236}">
+                <a16:creationId xmlns:a16="http://schemas.microsoft.com/office/drawing/2014/main" id="{04F9B46E-28A2-4403-952B-1BC5097FCA78}"/>
+              </a:ext>
+            </a:extLst>
+          </p:cNvPr>
+          <p:cNvCxnSpPr>
+            <a:cxnSpLocks/>
+            <a:endCxn id="49" idx="2"/>
+          </p:cNvCxnSpPr>
+          <p:nvPr/>
+        </p:nvCxnSpPr>
+        <p:spPr>
+          <a:xfrm flipV="1">
+            <a:off x="7951585" y="1618422"/>
+            <a:ext cx="0" cy="1124499"/>
+          </a:xfrm>
+          <a:prstGeom prst="straightConnector1">
+            <a:avLst/>
+          </a:prstGeom>
+          <a:ln w="25400" cap="flat" cmpd="sng" algn="ctr">
+            <a:solidFill>
+              <a:srgbClr val="C00000"/>
+            </a:solidFill>
+            <a:prstDash val="sysDash"/>
+            <a:round/>
+            <a:headEnd type="none" w="med" len="med"/>
+            <a:tailEnd type="arrow" w="lg" len="med"/>
+          </a:ln>
+        </p:spPr>
+        <p:style>
+          <a:lnRef idx="0">
+            <a:scrgbClr r="0" g="0" b="0"/>
+          </a:lnRef>
+          <a:fillRef idx="0">
+            <a:scrgbClr r="0" g="0" b="0"/>
+          </a:fillRef>
+          <a:effectRef idx="0">
+            <a:scrgbClr r="0" g="0" b="0"/>
+          </a:effectRef>
+          <a:fontRef idx="minor">
+            <a:schemeClr val="tx1"/>
+          </a:fontRef>
+        </p:style>
+      </p:cxnSp>
+      <p:cxnSp>
+        <p:nvCxnSpPr>
+          <p:cNvPr id="66" name="Straight Connector 65">
+            <a:extLst>
+              <a:ext uri="{FF2B5EF4-FFF2-40B4-BE49-F238E27FC236}">
+                <a16:creationId xmlns:a16="http://schemas.microsoft.com/office/drawing/2014/main" id="{B4CD9EB1-D36C-4875-8FC0-A65ACEAC5BDC}"/>
+              </a:ext>
+            </a:extLst>
+          </p:cNvPr>
+          <p:cNvCxnSpPr>
+            <a:cxnSpLocks/>
+          </p:cNvCxnSpPr>
+          <p:nvPr/>
+        </p:nvCxnSpPr>
+        <p:spPr>
+          <a:xfrm>
+            <a:off x="6298590" y="2742921"/>
+            <a:ext cx="1652994" cy="0"/>
+          </a:xfrm>
+          <a:prstGeom prst="line">
+            <a:avLst/>
+          </a:prstGeom>
+          <a:ln w="25400">
+            <a:solidFill>
+              <a:srgbClr val="C00000"/>
+            </a:solidFill>
+            <a:prstDash val="sysDash"/>
+          </a:ln>
+        </p:spPr>
+        <p:style>
+          <a:lnRef idx="1">
+            <a:schemeClr val="accent1"/>
+          </a:lnRef>
+          <a:fillRef idx="0">
+            <a:schemeClr val="accent1"/>
+          </a:fillRef>
+          <a:effectRef idx="0">
+            <a:schemeClr val="accent1"/>
+          </a:effectRef>
+          <a:fontRef idx="minor">
+            <a:schemeClr val="tx1"/>
+          </a:fontRef>
+        </p:style>
+      </p:cxnSp>
+      <p:cxnSp>
+        <p:nvCxnSpPr>
+          <p:cNvPr id="69" name="Straight Arrow Connector 68">
+            <a:extLst>
+              <a:ext uri="{FF2B5EF4-FFF2-40B4-BE49-F238E27FC236}">
+                <a16:creationId xmlns:a16="http://schemas.microsoft.com/office/drawing/2014/main" id="{EC03B57C-37B1-4E58-BE20-E5392460EA73}"/>
+              </a:ext>
+            </a:extLst>
+          </p:cNvPr>
+          <p:cNvCxnSpPr>
+            <a:cxnSpLocks/>
+            <a:stCxn id="7" idx="3"/>
+            <a:endCxn id="52" idx="1"/>
+          </p:cNvCxnSpPr>
+          <p:nvPr/>
+        </p:nvCxnSpPr>
+        <p:spPr>
+          <a:xfrm>
+            <a:off x="6298590" y="2952498"/>
+            <a:ext cx="3083971" cy="0"/>
+          </a:xfrm>
+          <a:prstGeom prst="straightConnector1">
+            <a:avLst/>
+          </a:prstGeom>
+          <a:ln w="25400" cap="flat" cmpd="sng" algn="ctr">
+            <a:solidFill>
+              <a:srgbClr val="C00000"/>
+            </a:solidFill>
+            <a:prstDash val="sysDash"/>
+            <a:round/>
+            <a:headEnd type="none" w="med" len="med"/>
+            <a:tailEnd type="arrow" w="lg" len="med"/>
+          </a:ln>
+        </p:spPr>
+        <p:style>
+          <a:lnRef idx="0">
+            <a:scrgbClr r="0" g="0" b="0"/>
+          </a:lnRef>
+          <a:fillRef idx="0">
+            <a:scrgbClr r="0" g="0" b="0"/>
+          </a:fillRef>
+          <a:effectRef idx="0">
+            <a:scrgbClr r="0" g="0" b="0"/>
+          </a:effectRef>
+          <a:fontRef idx="minor">
+            <a:schemeClr val="tx1"/>
+          </a:fontRef>
+        </p:style>
+      </p:cxnSp>
+      <p:cxnSp>
+        <p:nvCxnSpPr>
+          <p:cNvPr id="72" name="Straight Arrow Connector 71">
+            <a:extLst>
+              <a:ext uri="{FF2B5EF4-FFF2-40B4-BE49-F238E27FC236}">
+                <a16:creationId xmlns:a16="http://schemas.microsoft.com/office/drawing/2014/main" id="{D4A61B3C-A79F-4A18-82ED-2B9D37F8169A}"/>
+              </a:ext>
+            </a:extLst>
+          </p:cNvPr>
+          <p:cNvCxnSpPr>
+            <a:cxnSpLocks/>
+            <a:stCxn id="52" idx="2"/>
+            <a:endCxn id="47" idx="0"/>
+          </p:cNvCxnSpPr>
+          <p:nvPr/>
+        </p:nvCxnSpPr>
+        <p:spPr>
+          <a:xfrm flipH="1">
+            <a:off x="10206906" y="3478098"/>
+            <a:ext cx="1" cy="577526"/>
+          </a:xfrm>
+          <a:prstGeom prst="straightConnector1">
+            <a:avLst/>
+          </a:prstGeom>
+          <a:ln w="25400" cap="flat" cmpd="sng" algn="ctr">
+            <a:solidFill>
+              <a:schemeClr val="tx1"/>
+            </a:solidFill>
+            <a:prstDash val="sysDash"/>
+            <a:round/>
+            <a:headEnd type="none" w="med" len="med"/>
+            <a:tailEnd type="arrow" w="lg" len="med"/>
+          </a:ln>
+        </p:spPr>
+        <p:style>
+          <a:lnRef idx="0">
+            <a:scrgbClr r="0" g="0" b="0"/>
+          </a:lnRef>
+          <a:fillRef idx="0">
+            <a:scrgbClr r="0" g="0" b="0"/>
+          </a:fillRef>
+          <a:effectRef idx="0">
+            <a:scrgbClr r="0" g="0" b="0"/>
+          </a:effectRef>
+          <a:fontRef idx="minor">
+            <a:schemeClr val="tx1"/>
+          </a:fontRef>
+        </p:style>
+      </p:cxnSp>
+      <p:sp>
+        <p:nvSpPr>
+          <p:cNvPr id="77" name="Rectangle: Folded Corner 76">
+            <a:extLst>
+              <a:ext uri="{FF2B5EF4-FFF2-40B4-BE49-F238E27FC236}">
+                <a16:creationId xmlns:a16="http://schemas.microsoft.com/office/drawing/2014/main" id="{99B3371D-A0DC-4B79-AF96-5D022534D470}"/>
+              </a:ext>
+            </a:extLst>
+          </p:cNvPr>
+          <p:cNvSpPr/>
+          <p:nvPr/>
+        </p:nvSpPr>
+        <p:spPr>
+          <a:xfrm>
+            <a:off x="2615029" y="4297438"/>
+            <a:ext cx="1913732" cy="819487"/>
+          </a:xfrm>
+          <a:prstGeom prst="foldedCorner">
+            <a:avLst/>
+          </a:prstGeom>
+          <a:solidFill>
+            <a:schemeClr val="bg1"/>
+          </a:solidFill>
+          <a:ln w="25400">
+            <a:solidFill>
+              <a:schemeClr val="tx1"/>
+            </a:solidFill>
+          </a:ln>
+        </p:spPr>
+        <p:style>
+          <a:lnRef idx="2">
+            <a:schemeClr val="accent1">
+              <a:shade val="50000"/>
+            </a:schemeClr>
+          </a:lnRef>
+          <a:fillRef idx="1">
+            <a:schemeClr val="accent1"/>
+          </a:fillRef>
+          <a:effectRef idx="0">
+            <a:schemeClr val="accent1"/>
+          </a:effectRef>
+          <a:fontRef idx="minor">
+            <a:schemeClr val="lt1"/>
+          </a:fontRef>
+        </p:style>
+        <p:txBody>
+          <a:bodyPr rtlCol="0" anchor="ctr"/>
+          <a:lstStyle/>
+          <a:p>
+            <a:r>
+              <a:rPr lang="en-SG" sz="1200" dirty="0" err="1">
+                <a:solidFill>
+                  <a:schemeClr val="tx1"/>
+                </a:solidFill>
+                <a:latin typeface="Arial" panose="020B0604020202020204" pitchFamily="34" charset="0"/>
+                <a:cs typeface="Arial" panose="020B0604020202020204" pitchFamily="34" charset="0"/>
+              </a:rPr>
+              <a:t>XYZCommand</a:t>
+            </a:r>
+            <a:r>
+              <a:rPr lang="en-SG" sz="1200" dirty="0">
+                <a:solidFill>
+                  <a:schemeClr val="tx1"/>
+                </a:solidFill>
+                <a:latin typeface="Arial" panose="020B0604020202020204" pitchFamily="34" charset="0"/>
+                <a:cs typeface="Arial" panose="020B0604020202020204" pitchFamily="34" charset="0"/>
+              </a:rPr>
+              <a:t> = </a:t>
+            </a:r>
+            <a:r>
+              <a:rPr lang="en-SG" sz="1200" dirty="0" err="1">
+                <a:solidFill>
+                  <a:schemeClr val="tx1"/>
+                </a:solidFill>
+                <a:latin typeface="Arial" panose="020B0604020202020204" pitchFamily="34" charset="0"/>
+                <a:cs typeface="Arial" panose="020B0604020202020204" pitchFamily="34" charset="0"/>
+              </a:rPr>
+              <a:t>AddModuleCommand</a:t>
+            </a:r>
+            <a:r>
+              <a:rPr lang="en-SG" sz="1200" dirty="0">
+                <a:solidFill>
+                  <a:schemeClr val="tx1"/>
+                </a:solidFill>
+                <a:latin typeface="Arial" panose="020B0604020202020204" pitchFamily="34" charset="0"/>
+                <a:cs typeface="Arial" panose="020B0604020202020204" pitchFamily="34" charset="0"/>
+              </a:rPr>
+              <a:t>, etc.</a:t>
+            </a:r>
+          </a:p>
+        </p:txBody>
+      </p:sp>
+      <p:sp>
+        <p:nvSpPr>
+          <p:cNvPr id="11" name="Rectangle 10">
+            <a:extLst>
+              <a:ext uri="{FF2B5EF4-FFF2-40B4-BE49-F238E27FC236}">
+                <a16:creationId xmlns:a16="http://schemas.microsoft.com/office/drawing/2014/main" id="{7D007C0F-F669-4BE9-99E3-C8EC3519EBB5}"/>
+              </a:ext>
+            </a:extLst>
+          </p:cNvPr>
+          <p:cNvSpPr/>
+          <p:nvPr/>
+        </p:nvSpPr>
+        <p:spPr>
+          <a:xfrm>
+            <a:off x="4603796" y="3221486"/>
+            <a:ext cx="1694794" cy="537976"/>
+          </a:xfrm>
+          <a:prstGeom prst="rect">
+            <a:avLst/>
+          </a:prstGeom>
+          <a:solidFill>
+            <a:schemeClr val="accent2">
+              <a:lumMod val="40000"/>
+              <a:lumOff val="60000"/>
+            </a:schemeClr>
+          </a:solidFill>
+          <a:ln w="25400">
+            <a:solidFill>
+              <a:srgbClr val="C00000"/>
+            </a:solidFill>
+          </a:ln>
+        </p:spPr>
+        <p:style>
+          <a:lnRef idx="2">
+            <a:schemeClr val="accent6"/>
+          </a:lnRef>
+          <a:fillRef idx="1">
+            <a:schemeClr val="lt1"/>
+          </a:fillRef>
+          <a:effectRef idx="0">
+            <a:schemeClr val="accent6"/>
+          </a:effectRef>
+          <a:fontRef idx="minor">
+            <a:schemeClr val="dk1"/>
+          </a:fontRef>
+        </p:style>
+        <p:txBody>
+          <a:bodyPr rtlCol="0" anchor="ctr"/>
+          <a:lstStyle/>
+          <a:p>
+            <a:r>
+              <a:rPr lang="en-SG" sz="1200" dirty="0">
+                <a:latin typeface="Arial" panose="020B0604020202020204" pitchFamily="34" charset="0"/>
+                <a:cs typeface="Arial" panose="020B0604020202020204" pitchFamily="34" charset="0"/>
+              </a:rPr>
+              <a:t>+ execute() {abstract}</a:t>
+            </a:r>
+          </a:p>
+          <a:p>
+            <a:r>
+              <a:rPr lang="en-SG" sz="1200" dirty="0">
+                <a:latin typeface="Arial" panose="020B0604020202020204" pitchFamily="34" charset="0"/>
+                <a:cs typeface="Arial" panose="020B0604020202020204" pitchFamily="34" charset="0"/>
+              </a:rPr>
+              <a:t>+ </a:t>
+            </a:r>
+            <a:r>
+              <a:rPr lang="en-SG" sz="1200" dirty="0" err="1">
+                <a:latin typeface="Arial" panose="020B0604020202020204" pitchFamily="34" charset="0"/>
+                <a:cs typeface="Arial" panose="020B0604020202020204" pitchFamily="34" charset="0"/>
+              </a:rPr>
+              <a:t>isExit</a:t>
+            </a:r>
+            <a:r>
+              <a:rPr lang="en-SG" sz="1200" dirty="0">
+                <a:latin typeface="Arial" panose="020B0604020202020204" pitchFamily="34" charset="0"/>
+                <a:cs typeface="Arial" panose="020B0604020202020204" pitchFamily="34" charset="0"/>
+              </a:rPr>
+              <a:t>(): </a:t>
+            </a:r>
+            <a:r>
+              <a:rPr lang="en-SG" sz="1200" dirty="0" err="1">
+                <a:latin typeface="Arial" panose="020B0604020202020204" pitchFamily="34" charset="0"/>
+                <a:cs typeface="Arial" panose="020B0604020202020204" pitchFamily="34" charset="0"/>
+              </a:rPr>
+              <a:t>boolean</a:t>
+            </a:r>
+            <a:endParaRPr lang="en-SG" sz="1200" dirty="0">
+              <a:latin typeface="Arial" panose="020B0604020202020204" pitchFamily="34" charset="0"/>
+              <a:cs typeface="Arial" panose="020B0604020202020204" pitchFamily="34" charset="0"/>
+            </a:endParaRPr>
+          </a:p>
+        </p:txBody>
+      </p:sp>
+    </p:spTree>
+    <p:extLst>
+      <p:ext uri="{BB962C8B-B14F-4D97-AF65-F5344CB8AC3E}">
+        <p14:creationId xmlns:p14="http://schemas.microsoft.com/office/powerpoint/2010/main" val="1733369067"/>
       </p:ext>
     </p:extLst>
   </p:cSld>
